--- a/docs/Presentation.pptx
+++ b/docs/Presentation.pptx
@@ -5,7 +5,7 @@
     <p:sldMasterId id="2147483660" r:id="rId1"/>
   </p:sldMasterIdLst>
   <p:notesMasterIdLst>
-    <p:notesMasterId r:id="rId13"/>
+    <p:notesMasterId r:id="rId18"/>
   </p:notesMasterIdLst>
   <p:sldIdLst>
     <p:sldId id="256" r:id="rId2"/>
@@ -16,9 +16,14 @@
     <p:sldId id="263" r:id="rId7"/>
     <p:sldId id="260" r:id="rId8"/>
     <p:sldId id="266" r:id="rId9"/>
-    <p:sldId id="261" r:id="rId10"/>
-    <p:sldId id="265" r:id="rId11"/>
-    <p:sldId id="264" r:id="rId12"/>
+    <p:sldId id="269" r:id="rId10"/>
+    <p:sldId id="271" r:id="rId11"/>
+    <p:sldId id="270" r:id="rId12"/>
+    <p:sldId id="261" r:id="rId13"/>
+    <p:sldId id="265" r:id="rId14"/>
+    <p:sldId id="264" r:id="rId15"/>
+    <p:sldId id="267" r:id="rId16"/>
+    <p:sldId id="268" r:id="rId17"/>
   </p:sldIdLst>
   <p:sldSz cx="12192000" cy="6858000"/>
   <p:notesSz cx="6858000" cy="9144000"/>
@@ -117,6 +122,11 @@
       </a:defRPr>
     </a:lvl9pPr>
   </p:defaultTextStyle>
+  <p:extLst>
+    <p:ext uri="{EFAFB233-063F-42B5-8137-9DF3F51BA10A}">
+      <p15:sldGuideLst xmlns:p15="http://schemas.microsoft.com/office/powerpoint/2012/main"/>
+    </p:ext>
+  </p:extLst>
 </p:presentation>
 </file>
 
@@ -201,7 +211,7 @@
           </a:lstStyle>
           <a:p>
             <a:fld id="{8720514E-8D2F-1C4D-8E27-1D1EA480D016}" type="datetimeFigureOut">
-              <a:t>12/9/19</a:t>
+              <a:t>12/10/19</a:t>
             </a:fld>
             <a:endParaRPr lang="en-US"/>
           </a:p>
@@ -831,7 +841,7 @@
           <a:lstStyle/>
           <a:p>
             <a:fld id="{0108ECC4-B911-874A-9B65-750057DA25D0}" type="slidenum">
-              <a:t>9</a:t>
+              <a:t>12</a:t>
             </a:fld>
             <a:endParaRPr lang="en-US"/>
           </a:p>
@@ -1002,7 +1012,7 @@
           <a:lstStyle/>
           <a:p>
             <a:fld id="{25AA2725-C980-9E41-8C67-2E94227B55D7}" type="datetimeFigureOut">
-              <a:t>12/9/19</a:t>
+              <a:t>12/10/19</a:t>
             </a:fld>
             <a:endParaRPr lang="en-US"/>
           </a:p>
@@ -1168,7 +1178,7 @@
           <a:lstStyle/>
           <a:p>
             <a:fld id="{25AA2725-C980-9E41-8C67-2E94227B55D7}" type="datetimeFigureOut">
-              <a:t>12/9/19</a:t>
+              <a:t>12/10/19</a:t>
             </a:fld>
             <a:endParaRPr lang="en-US"/>
           </a:p>
@@ -1344,7 +1354,7 @@
           <a:lstStyle/>
           <a:p>
             <a:fld id="{25AA2725-C980-9E41-8C67-2E94227B55D7}" type="datetimeFigureOut">
-              <a:t>12/9/19</a:t>
+              <a:t>12/10/19</a:t>
             </a:fld>
             <a:endParaRPr lang="en-US"/>
           </a:p>
@@ -1510,7 +1520,7 @@
           <a:lstStyle/>
           <a:p>
             <a:fld id="{25AA2725-C980-9E41-8C67-2E94227B55D7}" type="datetimeFigureOut">
-              <a:t>12/9/19</a:t>
+              <a:t>12/10/19</a:t>
             </a:fld>
             <a:endParaRPr lang="en-US"/>
           </a:p>
@@ -1767,7 +1777,7 @@
           <a:lstStyle/>
           <a:p>
             <a:fld id="{25AA2725-C980-9E41-8C67-2E94227B55D7}" type="datetimeFigureOut">
-              <a:t>12/9/19</a:t>
+              <a:t>12/10/19</a:t>
             </a:fld>
             <a:endParaRPr lang="en-US"/>
           </a:p>
@@ -1994,7 +2004,7 @@
           <a:lstStyle/>
           <a:p>
             <a:fld id="{25AA2725-C980-9E41-8C67-2E94227B55D7}" type="datetimeFigureOut">
-              <a:t>12/9/19</a:t>
+              <a:t>12/10/19</a:t>
             </a:fld>
             <a:endParaRPr lang="en-US"/>
           </a:p>
@@ -2349,7 +2359,7 @@
           <a:lstStyle/>
           <a:p>
             <a:fld id="{25AA2725-C980-9E41-8C67-2E94227B55D7}" type="datetimeFigureOut">
-              <a:t>12/9/19</a:t>
+              <a:t>12/10/19</a:t>
             </a:fld>
             <a:endParaRPr lang="en-US"/>
           </a:p>
@@ -2486,7 +2496,7 @@
           <a:lstStyle/>
           <a:p>
             <a:fld id="{25AA2725-C980-9E41-8C67-2E94227B55D7}" type="datetimeFigureOut">
-              <a:t>12/9/19</a:t>
+              <a:t>12/10/19</a:t>
             </a:fld>
             <a:endParaRPr lang="en-US"/>
           </a:p>
@@ -2579,7 +2589,7 @@
           <a:lstStyle/>
           <a:p>
             <a:fld id="{25AA2725-C980-9E41-8C67-2E94227B55D7}" type="datetimeFigureOut">
-              <a:t>12/9/19</a:t>
+              <a:t>12/10/19</a:t>
             </a:fld>
             <a:endParaRPr lang="en-US"/>
           </a:p>
@@ -2932,7 +2942,7 @@
           <a:lstStyle/>
           <a:p>
             <a:fld id="{25AA2725-C980-9E41-8C67-2E94227B55D7}" type="datetimeFigureOut">
-              <a:t>12/9/19</a:t>
+              <a:t>12/10/19</a:t>
             </a:fld>
             <a:endParaRPr lang="en-US"/>
           </a:p>
@@ -3285,7 +3295,7 @@
           </a:lstStyle>
           <a:p>
             <a:fld id="{25AA2725-C980-9E41-8C67-2E94227B55D7}" type="datetimeFigureOut">
-              <a:t>12/9/19</a:t>
+              <a:t>12/10/19</a:t>
             </a:fld>
             <a:endParaRPr lang="en-US"/>
           </a:p>
@@ -3523,7 +3533,7 @@
           </a:lstStyle>
           <a:p>
             <a:fld id="{25AA2725-C980-9E41-8C67-2E94227B55D7}" type="datetimeFigureOut">
-              <a:t>12/9/19</a:t>
+              <a:t>12/10/19</a:t>
             </a:fld>
             <a:endParaRPr lang="en-US"/>
           </a:p>
@@ -4074,6 +4084,1005 @@
           <a:chExt cx="0" cy="0"/>
         </a:xfrm>
       </p:grpSpPr>
+      <p:pic>
+        <p:nvPicPr>
+          <p:cNvPr id="6" name="Picture 5">
+            <a:extLst>
+              <a:ext uri="{FF2B5EF4-FFF2-40B4-BE49-F238E27FC236}">
+                <a16:creationId xmlns:a16="http://schemas.microsoft.com/office/drawing/2014/main" id="{3F5C37CD-A00A-8A4D-A350-63F45AEB17C9}"/>
+              </a:ext>
+            </a:extLst>
+          </p:cNvPr>
+          <p:cNvPicPr>
+            <a:picLocks noChangeAspect="1"/>
+          </p:cNvPicPr>
+          <p:nvPr/>
+        </p:nvPicPr>
+        <p:blipFill>
+          <a:blip r:embed="rId2"/>
+          <a:stretch>
+            <a:fillRect/>
+          </a:stretch>
+        </p:blipFill>
+        <p:spPr>
+          <a:xfrm>
+            <a:off x="1626831" y="1782385"/>
+            <a:ext cx="4053226" cy="3864704"/>
+          </a:xfrm>
+          <a:prstGeom prst="rect">
+            <a:avLst/>
+          </a:prstGeom>
+        </p:spPr>
+      </p:pic>
+      <p:sp>
+        <p:nvSpPr>
+          <p:cNvPr id="2" name="Title 1">
+            <a:extLst>
+              <a:ext uri="{FF2B5EF4-FFF2-40B4-BE49-F238E27FC236}">
+                <a16:creationId xmlns:a16="http://schemas.microsoft.com/office/drawing/2014/main" id="{8474903E-F545-4345-A2FB-BE02E9312EBB}"/>
+              </a:ext>
+            </a:extLst>
+          </p:cNvPr>
+          <p:cNvSpPr>
+            <a:spLocks noGrp="1"/>
+          </p:cNvSpPr>
+          <p:nvPr>
+            <p:ph type="title"/>
+          </p:nvPr>
+        </p:nvSpPr>
+        <p:spPr>
+          <a:xfrm>
+            <a:off x="2286000" y="457200"/>
+            <a:ext cx="7772400" cy="731520"/>
+          </a:xfrm>
+        </p:spPr>
+        <p:txBody>
+          <a:bodyPr>
+            <a:normAutofit fontScale="90000"/>
+          </a:bodyPr>
+          <a:lstStyle/>
+          <a:p>
+            <a:r>
+              <a:rPr lang="en-US"/>
+              <a:t>FINAL MODEL evaluation</a:t>
+            </a:r>
+          </a:p>
+        </p:txBody>
+      </p:sp>
+      <p:sp>
+        <p:nvSpPr>
+          <p:cNvPr id="7" name="Oval 6">
+            <a:extLst>
+              <a:ext uri="{FF2B5EF4-FFF2-40B4-BE49-F238E27FC236}">
+                <a16:creationId xmlns:a16="http://schemas.microsoft.com/office/drawing/2014/main" id="{EDCEBC65-66E8-9E48-85A9-9995FE7C87A5}"/>
+              </a:ext>
+            </a:extLst>
+          </p:cNvPr>
+          <p:cNvSpPr/>
+          <p:nvPr/>
+        </p:nvSpPr>
+        <p:spPr>
+          <a:xfrm>
+            <a:off x="4278773" y="2177887"/>
+            <a:ext cx="879676" cy="775504"/>
+          </a:xfrm>
+          <a:prstGeom prst="ellipse">
+            <a:avLst/>
+          </a:prstGeom>
+          <a:noFill/>
+          <a:ln w="38100">
+            <a:solidFill>
+              <a:schemeClr val="accent1"/>
+            </a:solidFill>
+          </a:ln>
+        </p:spPr>
+        <p:style>
+          <a:lnRef idx="2">
+            <a:schemeClr val="accent1">
+              <a:shade val="50000"/>
+            </a:schemeClr>
+          </a:lnRef>
+          <a:fillRef idx="1">
+            <a:schemeClr val="accent1"/>
+          </a:fillRef>
+          <a:effectRef idx="0">
+            <a:schemeClr val="accent1"/>
+          </a:effectRef>
+          <a:fontRef idx="minor">
+            <a:schemeClr val="lt1"/>
+          </a:fontRef>
+        </p:style>
+        <p:txBody>
+          <a:bodyPr rtlCol="0" anchor="ctr"/>
+          <a:lstStyle/>
+          <a:p>
+            <a:pPr algn="ctr"/>
+            <a:endParaRPr lang="en-US"/>
+          </a:p>
+        </p:txBody>
+      </p:sp>
+      <p:sp>
+        <p:nvSpPr>
+          <p:cNvPr id="8" name="TextBox 7">
+            <a:extLst>
+              <a:ext uri="{FF2B5EF4-FFF2-40B4-BE49-F238E27FC236}">
+                <a16:creationId xmlns:a16="http://schemas.microsoft.com/office/drawing/2014/main" id="{E7AD1266-4F54-F343-858C-71464B666E66}"/>
+              </a:ext>
+            </a:extLst>
+          </p:cNvPr>
+          <p:cNvSpPr txBox="1"/>
+          <p:nvPr/>
+        </p:nvSpPr>
+        <p:spPr>
+          <a:xfrm>
+            <a:off x="4009506" y="1867729"/>
+            <a:ext cx="1418209" cy="369332"/>
+          </a:xfrm>
+          <a:prstGeom prst="rect">
+            <a:avLst/>
+          </a:prstGeom>
+          <a:noFill/>
+        </p:spPr>
+        <p:txBody>
+          <a:bodyPr wrap="none" rtlCol="0">
+            <a:spAutoFit/>
+          </a:bodyPr>
+          <a:lstStyle/>
+          <a:p>
+            <a:r>
+              <a:rPr lang="en-US">
+                <a:solidFill>
+                  <a:schemeClr val="accent1"/>
+                </a:solidFill>
+              </a:rPr>
+              <a:t>False Positive</a:t>
+            </a:r>
+          </a:p>
+        </p:txBody>
+      </p:sp>
+      <p:sp>
+        <p:nvSpPr>
+          <p:cNvPr id="9" name="Oval 8">
+            <a:extLst>
+              <a:ext uri="{FF2B5EF4-FFF2-40B4-BE49-F238E27FC236}">
+                <a16:creationId xmlns:a16="http://schemas.microsoft.com/office/drawing/2014/main" id="{4A7AD855-66E3-D149-BA79-0A6591DEBBAF}"/>
+              </a:ext>
+            </a:extLst>
+          </p:cNvPr>
+          <p:cNvSpPr/>
+          <p:nvPr/>
+        </p:nvSpPr>
+        <p:spPr>
+          <a:xfrm>
+            <a:off x="2810344" y="3574272"/>
+            <a:ext cx="879676" cy="775504"/>
+          </a:xfrm>
+          <a:prstGeom prst="ellipse">
+            <a:avLst/>
+          </a:prstGeom>
+          <a:noFill/>
+          <a:ln w="38100">
+            <a:solidFill>
+              <a:schemeClr val="accent1"/>
+            </a:solidFill>
+          </a:ln>
+        </p:spPr>
+        <p:style>
+          <a:lnRef idx="2">
+            <a:schemeClr val="accent1">
+              <a:shade val="50000"/>
+            </a:schemeClr>
+          </a:lnRef>
+          <a:fillRef idx="1">
+            <a:schemeClr val="accent1"/>
+          </a:fillRef>
+          <a:effectRef idx="0">
+            <a:schemeClr val="accent1"/>
+          </a:effectRef>
+          <a:fontRef idx="minor">
+            <a:schemeClr val="lt1"/>
+          </a:fontRef>
+        </p:style>
+        <p:txBody>
+          <a:bodyPr rtlCol="0" anchor="ctr"/>
+          <a:lstStyle/>
+          <a:p>
+            <a:pPr algn="ctr"/>
+            <a:endParaRPr lang="en-US"/>
+          </a:p>
+        </p:txBody>
+      </p:sp>
+      <p:sp>
+        <p:nvSpPr>
+          <p:cNvPr id="10" name="TextBox 9">
+            <a:extLst>
+              <a:ext uri="{FF2B5EF4-FFF2-40B4-BE49-F238E27FC236}">
+                <a16:creationId xmlns:a16="http://schemas.microsoft.com/office/drawing/2014/main" id="{D750CA00-72FA-2B4A-B432-8FB644E8D348}"/>
+              </a:ext>
+            </a:extLst>
+          </p:cNvPr>
+          <p:cNvSpPr txBox="1"/>
+          <p:nvPr/>
+        </p:nvSpPr>
+        <p:spPr>
+          <a:xfrm>
+            <a:off x="2591297" y="4349776"/>
+            <a:ext cx="1526572" cy="369332"/>
+          </a:xfrm>
+          <a:prstGeom prst="rect">
+            <a:avLst/>
+          </a:prstGeom>
+          <a:noFill/>
+        </p:spPr>
+        <p:txBody>
+          <a:bodyPr wrap="none" rtlCol="0">
+            <a:spAutoFit/>
+          </a:bodyPr>
+          <a:lstStyle/>
+          <a:p>
+            <a:r>
+              <a:rPr lang="en-US">
+                <a:solidFill>
+                  <a:schemeClr val="accent1"/>
+                </a:solidFill>
+              </a:rPr>
+              <a:t>False Negative</a:t>
+            </a:r>
+          </a:p>
+        </p:txBody>
+      </p:sp>
+      <p:graphicFrame>
+        <p:nvGraphicFramePr>
+          <p:cNvPr id="11" name="Table 10">
+            <a:extLst>
+              <a:ext uri="{FF2B5EF4-FFF2-40B4-BE49-F238E27FC236}">
+                <a16:creationId xmlns:a16="http://schemas.microsoft.com/office/drawing/2014/main" id="{0804A9F4-4A0E-A64B-B07D-9630385E487A}"/>
+              </a:ext>
+            </a:extLst>
+          </p:cNvPr>
+          <p:cNvGraphicFramePr>
+            <a:graphicFrameLocks noGrp="1"/>
+          </p:cNvGraphicFramePr>
+          <p:nvPr>
+            <p:extLst>
+              <p:ext uri="{D42A27DB-BD31-4B8C-83A1-F6EECF244321}">
+                <p14:modId xmlns:p14="http://schemas.microsoft.com/office/powerpoint/2010/main" val="2854769947"/>
+              </p:ext>
+            </p:extLst>
+          </p:nvPr>
+        </p:nvGraphicFramePr>
+        <p:xfrm>
+          <a:off x="6644523" y="2416797"/>
+          <a:ext cx="3585850" cy="1854200"/>
+        </p:xfrm>
+        <a:graphic>
+          <a:graphicData uri="http://schemas.openxmlformats.org/drawingml/2006/table">
+            <a:tbl>
+              <a:tblPr firstRow="1" bandRow="1">
+                <a:tableStyleId>{21E4AEA4-8DFA-4A89-87EB-49C32662AFE0}</a:tableStyleId>
+              </a:tblPr>
+              <a:tblGrid>
+                <a:gridCol w="2348768">
+                  <a:extLst>
+                    <a:ext uri="{9D8B030D-6E8A-4147-A177-3AD203B41FA5}">
+                      <a16:colId xmlns:a16="http://schemas.microsoft.com/office/drawing/2014/main" val="199649732"/>
+                    </a:ext>
+                  </a:extLst>
+                </a:gridCol>
+                <a:gridCol w="1237082">
+                  <a:extLst>
+                    <a:ext uri="{9D8B030D-6E8A-4147-A177-3AD203B41FA5}">
+                      <a16:colId xmlns:a16="http://schemas.microsoft.com/office/drawing/2014/main" val="2690815869"/>
+                    </a:ext>
+                  </a:extLst>
+                </a:gridCol>
+              </a:tblGrid>
+              <a:tr h="370840">
+                <a:tc>
+                  <a:txBody>
+                    <a:bodyPr/>
+                    <a:lstStyle/>
+                    <a:p>
+                      <a:r>
+                        <a:rPr lang="en-US"/>
+                        <a:t>Metric</a:t>
+                      </a:r>
+                    </a:p>
+                  </a:txBody>
+                  <a:tcPr/>
+                </a:tc>
+                <a:tc>
+                  <a:txBody>
+                    <a:bodyPr/>
+                    <a:lstStyle/>
+                    <a:p>
+                      <a:r>
+                        <a:rPr lang="en-US"/>
+                        <a:t>Value</a:t>
+                      </a:r>
+                    </a:p>
+                  </a:txBody>
+                  <a:tcPr/>
+                </a:tc>
+                <a:extLst>
+                  <a:ext uri="{0D108BD9-81ED-4DB2-BD59-A6C34878D82A}">
+                    <a16:rowId xmlns:a16="http://schemas.microsoft.com/office/drawing/2014/main" val="2354328514"/>
+                  </a:ext>
+                </a:extLst>
+              </a:tr>
+              <a:tr h="370840">
+                <a:tc>
+                  <a:txBody>
+                    <a:bodyPr/>
+                    <a:lstStyle/>
+                    <a:p>
+                      <a:r>
+                        <a:rPr lang="en-US">
+                          <a:latin typeface="Courier" pitchFamily="2" charset="0"/>
+                        </a:rPr>
+                        <a:t>F1 – test</a:t>
+                      </a:r>
+                    </a:p>
+                  </a:txBody>
+                  <a:tcPr/>
+                </a:tc>
+                <a:tc>
+                  <a:txBody>
+                    <a:bodyPr/>
+                    <a:lstStyle/>
+                    <a:p>
+                      <a:r>
+                        <a:rPr lang="en-US">
+                          <a:latin typeface="Courier" pitchFamily="2" charset="0"/>
+                        </a:rPr>
+                        <a:t>0.3707</a:t>
+                      </a:r>
+                    </a:p>
+                  </a:txBody>
+                  <a:tcPr/>
+                </a:tc>
+                <a:extLst>
+                  <a:ext uri="{0D108BD9-81ED-4DB2-BD59-A6C34878D82A}">
+                    <a16:rowId xmlns:a16="http://schemas.microsoft.com/office/drawing/2014/main" val="3356658858"/>
+                  </a:ext>
+                </a:extLst>
+              </a:tr>
+              <a:tr h="370840">
+                <a:tc>
+                  <a:txBody>
+                    <a:bodyPr/>
+                    <a:lstStyle/>
+                    <a:p>
+                      <a:r>
+                        <a:rPr lang="en-US">
+                          <a:latin typeface="Courier" pitchFamily="2" charset="0"/>
+                        </a:rPr>
+                        <a:t>Precision</a:t>
+                      </a:r>
+                    </a:p>
+                  </a:txBody>
+                  <a:tcPr/>
+                </a:tc>
+                <a:tc>
+                  <a:txBody>
+                    <a:bodyPr/>
+                    <a:lstStyle/>
+                    <a:p>
+                      <a:r>
+                        <a:rPr lang="en-US">
+                          <a:latin typeface="Courier" pitchFamily="2" charset="0"/>
+                        </a:rPr>
+                        <a:t>0.8982</a:t>
+                      </a:r>
+                    </a:p>
+                  </a:txBody>
+                  <a:tcPr/>
+                </a:tc>
+                <a:extLst>
+                  <a:ext uri="{0D108BD9-81ED-4DB2-BD59-A6C34878D82A}">
+                    <a16:rowId xmlns:a16="http://schemas.microsoft.com/office/drawing/2014/main" val="643092910"/>
+                  </a:ext>
+                </a:extLst>
+              </a:tr>
+              <a:tr h="370840">
+                <a:tc>
+                  <a:txBody>
+                    <a:bodyPr/>
+                    <a:lstStyle/>
+                    <a:p>
+                      <a:r>
+                        <a:rPr lang="en-US">
+                          <a:latin typeface="Courier" pitchFamily="2" charset="0"/>
+                        </a:rPr>
+                        <a:t>Recall</a:t>
+                      </a:r>
+                    </a:p>
+                  </a:txBody>
+                  <a:tcPr/>
+                </a:tc>
+                <a:tc>
+                  <a:txBody>
+                    <a:bodyPr/>
+                    <a:lstStyle/>
+                    <a:p>
+                      <a:r>
+                        <a:rPr lang="en-US">
+                          <a:latin typeface="Courier" pitchFamily="2" charset="0"/>
+                        </a:rPr>
+                        <a:t>0.2335</a:t>
+                      </a:r>
+                    </a:p>
+                  </a:txBody>
+                  <a:tcPr/>
+                </a:tc>
+                <a:extLst>
+                  <a:ext uri="{0D108BD9-81ED-4DB2-BD59-A6C34878D82A}">
+                    <a16:rowId xmlns:a16="http://schemas.microsoft.com/office/drawing/2014/main" val="2856794137"/>
+                  </a:ext>
+                </a:extLst>
+              </a:tr>
+              <a:tr h="370840">
+                <a:tc>
+                  <a:txBody>
+                    <a:bodyPr/>
+                    <a:lstStyle/>
+                    <a:p>
+                      <a:r>
+                        <a:rPr lang="en-US">
+                          <a:latin typeface="Courier" pitchFamily="2" charset="0"/>
+                        </a:rPr>
+                        <a:t>False Pos Rate</a:t>
+                      </a:r>
+                    </a:p>
+                  </a:txBody>
+                  <a:tcPr/>
+                </a:tc>
+                <a:tc>
+                  <a:txBody>
+                    <a:bodyPr/>
+                    <a:lstStyle/>
+                    <a:p>
+                      <a:r>
+                        <a:rPr lang="en-US">
+                          <a:latin typeface="Courier" pitchFamily="2" charset="0"/>
+                        </a:rPr>
+                        <a:t>3.023-5</a:t>
+                      </a:r>
+                    </a:p>
+                  </a:txBody>
+                  <a:tcPr/>
+                </a:tc>
+                <a:extLst>
+                  <a:ext uri="{0D108BD9-81ED-4DB2-BD59-A6C34878D82A}">
+                    <a16:rowId xmlns:a16="http://schemas.microsoft.com/office/drawing/2014/main" val="3499064274"/>
+                  </a:ext>
+                </a:extLst>
+              </a:tr>
+            </a:tbl>
+          </a:graphicData>
+        </a:graphic>
+      </p:graphicFrame>
+      <p:sp>
+        <p:nvSpPr>
+          <p:cNvPr id="15" name="Oval 14">
+            <a:extLst>
+              <a:ext uri="{FF2B5EF4-FFF2-40B4-BE49-F238E27FC236}">
+                <a16:creationId xmlns:a16="http://schemas.microsoft.com/office/drawing/2014/main" id="{26873A76-8028-FF45-92E4-C558B9F821C2}"/>
+              </a:ext>
+            </a:extLst>
+          </p:cNvPr>
+          <p:cNvSpPr/>
+          <p:nvPr/>
+        </p:nvSpPr>
+        <p:spPr>
+          <a:xfrm>
+            <a:off x="4278773" y="3549572"/>
+            <a:ext cx="879676" cy="775504"/>
+          </a:xfrm>
+          <a:prstGeom prst="ellipse">
+            <a:avLst/>
+          </a:prstGeom>
+          <a:noFill/>
+          <a:ln w="38100">
+            <a:solidFill>
+              <a:srgbClr val="00B050"/>
+            </a:solidFill>
+          </a:ln>
+        </p:spPr>
+        <p:style>
+          <a:lnRef idx="2">
+            <a:schemeClr val="accent1">
+              <a:shade val="50000"/>
+            </a:schemeClr>
+          </a:lnRef>
+          <a:fillRef idx="1">
+            <a:schemeClr val="accent1"/>
+          </a:fillRef>
+          <a:effectRef idx="0">
+            <a:schemeClr val="accent1"/>
+          </a:effectRef>
+          <a:fontRef idx="minor">
+            <a:schemeClr val="lt1"/>
+          </a:fontRef>
+        </p:style>
+        <p:txBody>
+          <a:bodyPr rtlCol="0" anchor="ctr"/>
+          <a:lstStyle/>
+          <a:p>
+            <a:pPr algn="ctr"/>
+            <a:endParaRPr lang="en-US">
+              <a:solidFill>
+                <a:srgbClr val="00B050"/>
+              </a:solidFill>
+            </a:endParaRPr>
+          </a:p>
+        </p:txBody>
+      </p:sp>
+      <p:sp>
+        <p:nvSpPr>
+          <p:cNvPr id="16" name="TextBox 15">
+            <a:extLst>
+              <a:ext uri="{FF2B5EF4-FFF2-40B4-BE49-F238E27FC236}">
+                <a16:creationId xmlns:a16="http://schemas.microsoft.com/office/drawing/2014/main" id="{67D78B06-29C6-CA49-9B35-16149C66F904}"/>
+              </a:ext>
+            </a:extLst>
+          </p:cNvPr>
+          <p:cNvSpPr txBox="1"/>
+          <p:nvPr/>
+        </p:nvSpPr>
+        <p:spPr>
+          <a:xfrm>
+            <a:off x="4155610" y="4358884"/>
+            <a:ext cx="1002839" cy="369332"/>
+          </a:xfrm>
+          <a:prstGeom prst="rect">
+            <a:avLst/>
+          </a:prstGeom>
+          <a:noFill/>
+        </p:spPr>
+        <p:txBody>
+          <a:bodyPr wrap="none" rtlCol="0">
+            <a:spAutoFit/>
+          </a:bodyPr>
+          <a:lstStyle/>
+          <a:p>
+            <a:r>
+              <a:rPr lang="en-US">
+                <a:solidFill>
+                  <a:srgbClr val="00B050"/>
+                </a:solidFill>
+              </a:rPr>
+              <a:t>True Pos</a:t>
+            </a:r>
+          </a:p>
+        </p:txBody>
+      </p:sp>
+    </p:spTree>
+    <p:extLst>
+      <p:ext uri="{BB962C8B-B14F-4D97-AF65-F5344CB8AC3E}">
+        <p14:creationId xmlns:p14="http://schemas.microsoft.com/office/powerpoint/2010/main" val="1341364427"/>
+      </p:ext>
+    </p:extLst>
+  </p:cSld>
+  <p:clrMapOvr>
+    <a:masterClrMapping/>
+  </p:clrMapOvr>
+</p:sld>
+</file>
+
+<file path=ppt/slides/slide11.xml><?xml version="1.0" encoding="utf-8"?>
+<p:sld xmlns:a="http://schemas.openxmlformats.org/drawingml/2006/main" xmlns:r="http://schemas.openxmlformats.org/officeDocument/2006/relationships" xmlns:p="http://schemas.openxmlformats.org/presentationml/2006/main">
+  <p:cSld>
+    <p:spTree>
+      <p:nvGrpSpPr>
+        <p:cNvPr id="1" name=""/>
+        <p:cNvGrpSpPr/>
+        <p:nvPr/>
+      </p:nvGrpSpPr>
+      <p:grpSpPr>
+        <a:xfrm>
+          <a:off x="0" y="0"/>
+          <a:ext cx="0" cy="0"/>
+          <a:chOff x="0" y="0"/>
+          <a:chExt cx="0" cy="0"/>
+        </a:xfrm>
+      </p:grpSpPr>
+      <p:sp>
+        <p:nvSpPr>
+          <p:cNvPr id="3" name="Content Placeholder 2">
+            <a:extLst>
+              <a:ext uri="{FF2B5EF4-FFF2-40B4-BE49-F238E27FC236}">
+                <a16:creationId xmlns:a16="http://schemas.microsoft.com/office/drawing/2014/main" id="{43B626B8-0930-FD44-B7C4-848F2D2227B0}"/>
+              </a:ext>
+            </a:extLst>
+          </p:cNvPr>
+          <p:cNvSpPr>
+            <a:spLocks noGrp="1"/>
+          </p:cNvSpPr>
+          <p:nvPr>
+            <p:ph idx="1"/>
+          </p:nvPr>
+        </p:nvSpPr>
+        <p:spPr>
+          <a:xfrm>
+            <a:off x="2231136" y="1770928"/>
+            <a:ext cx="7729728" cy="3969100"/>
+          </a:xfrm>
+        </p:spPr>
+        <p:txBody>
+          <a:bodyPr>
+            <a:normAutofit/>
+          </a:bodyPr>
+          <a:lstStyle/>
+          <a:p>
+            <a:r>
+              <a:rPr lang="en-US" sz="2400"/>
+              <a:t>Better randomization of Benign URLs</a:t>
+            </a:r>
+          </a:p>
+          <a:p>
+            <a:r>
+              <a:rPr lang="en-US" sz="2400"/>
+              <a:t>Stack with Multinomial Naïve Bayes model fit on NLP features (TF-IDF of path “tokens”)</a:t>
+            </a:r>
+          </a:p>
+          <a:p>
+            <a:r>
+              <a:rPr lang="en-US" sz="2400"/>
+              <a:t>Additional Features</a:t>
+            </a:r>
+          </a:p>
+        </p:txBody>
+      </p:sp>
+      <p:sp>
+        <p:nvSpPr>
+          <p:cNvPr id="4" name="Title 1">
+            <a:extLst>
+              <a:ext uri="{FF2B5EF4-FFF2-40B4-BE49-F238E27FC236}">
+                <a16:creationId xmlns:a16="http://schemas.microsoft.com/office/drawing/2014/main" id="{98B9FD84-B092-4641-9A99-825B6EAA275B}"/>
+              </a:ext>
+            </a:extLst>
+          </p:cNvPr>
+          <p:cNvSpPr>
+            <a:spLocks noGrp="1"/>
+          </p:cNvSpPr>
+          <p:nvPr>
+            <p:ph type="title"/>
+          </p:nvPr>
+        </p:nvSpPr>
+        <p:spPr>
+          <a:xfrm>
+            <a:off x="2231136" y="501705"/>
+            <a:ext cx="7729728" cy="914400"/>
+          </a:xfrm>
+        </p:spPr>
+        <p:txBody>
+          <a:bodyPr/>
+          <a:lstStyle/>
+          <a:p>
+            <a:r>
+              <a:rPr lang="en-US"/>
+              <a:t>Future work</a:t>
+            </a:r>
+          </a:p>
+        </p:txBody>
+      </p:sp>
+    </p:spTree>
+    <p:extLst>
+      <p:ext uri="{BB962C8B-B14F-4D97-AF65-F5344CB8AC3E}">
+        <p14:creationId xmlns:p14="http://schemas.microsoft.com/office/powerpoint/2010/main" val="393610802"/>
+      </p:ext>
+    </p:extLst>
+  </p:cSld>
+  <p:clrMapOvr>
+    <a:masterClrMapping/>
+  </p:clrMapOvr>
+</p:sld>
+</file>
+
+<file path=ppt/slides/slide12.xml><?xml version="1.0" encoding="utf-8"?>
+<p:sld xmlns:a="http://schemas.openxmlformats.org/drawingml/2006/main" xmlns:r="http://schemas.openxmlformats.org/officeDocument/2006/relationships" xmlns:p="http://schemas.openxmlformats.org/presentationml/2006/main">
+  <p:cSld>
+    <p:spTree>
+      <p:nvGrpSpPr>
+        <p:cNvPr id="1" name=""/>
+        <p:cNvGrpSpPr/>
+        <p:nvPr/>
+      </p:nvGrpSpPr>
+      <p:grpSpPr>
+        <a:xfrm>
+          <a:off x="0" y="0"/>
+          <a:ext cx="0" cy="0"/>
+          <a:chOff x="0" y="0"/>
+          <a:chExt cx="0" cy="0"/>
+        </a:xfrm>
+      </p:grpSpPr>
+      <p:sp>
+        <p:nvSpPr>
+          <p:cNvPr id="3" name="Content Placeholder 2">
+            <a:extLst>
+              <a:ext uri="{FF2B5EF4-FFF2-40B4-BE49-F238E27FC236}">
+                <a16:creationId xmlns:a16="http://schemas.microsoft.com/office/drawing/2014/main" id="{CA683D1B-39FA-8147-A4DF-FA50DB03DEDD}"/>
+              </a:ext>
+            </a:extLst>
+          </p:cNvPr>
+          <p:cNvSpPr>
+            <a:spLocks noGrp="1"/>
+          </p:cNvSpPr>
+          <p:nvPr>
+            <p:ph sz="half" idx="1"/>
+          </p:nvPr>
+        </p:nvSpPr>
+        <p:spPr>
+          <a:xfrm>
+            <a:off x="1581912" y="2075935"/>
+            <a:ext cx="4271771" cy="3991233"/>
+          </a:xfrm>
+        </p:spPr>
+        <p:txBody>
+          <a:bodyPr>
+            <a:normAutofit lnSpcReduction="10000"/>
+          </a:bodyPr>
+          <a:lstStyle/>
+          <a:p>
+            <a:r>
+              <a:rPr lang="en-US"/>
+              <a:t>Additional URL-based features</a:t>
+            </a:r>
+          </a:p>
+          <a:p>
+            <a:pPr lvl="1"/>
+            <a:r>
+              <a:rPr lang="en-US"/>
+              <a:t>Levenshtein distance from English (other language?) word</a:t>
+            </a:r>
+          </a:p>
+          <a:p>
+            <a:pPr lvl="1"/>
+            <a:r>
+              <a:rPr lang="en-US"/>
+              <a:t>Expand shortened URLs</a:t>
+            </a:r>
+          </a:p>
+          <a:p>
+            <a:pPr lvl="1"/>
+            <a:r>
+              <a:rPr lang="en-US"/>
+              <a:t>Own ‘suspicious’ list</a:t>
+            </a:r>
+          </a:p>
+          <a:p>
+            <a:r>
+              <a:rPr lang="en-US"/>
+              <a:t>Web page</a:t>
+            </a:r>
+          </a:p>
+          <a:p>
+            <a:pPr lvl="1"/>
+            <a:r>
+              <a:rPr lang="en-US"/>
+              <a:t>Title (NLP)</a:t>
+            </a:r>
+          </a:p>
+          <a:p>
+            <a:pPr lvl="1"/>
+            <a:r>
+              <a:rPr lang="en-US"/>
+              <a:t>Size / length</a:t>
+            </a:r>
+          </a:p>
+          <a:p>
+            <a:pPr lvl="1"/>
+            <a:r>
+              <a:rPr lang="en-US"/>
+              <a:t># of redirects to load</a:t>
+            </a:r>
+          </a:p>
+          <a:p>
+            <a:pPr lvl="1"/>
+            <a:r>
+              <a:rPr lang="en-US"/>
+              <a:t>DOM properties</a:t>
+            </a:r>
+          </a:p>
+          <a:p>
+            <a:pPr lvl="1"/>
+            <a:r>
+              <a:rPr lang="en-US"/>
+              <a:t>Page Rank / keyword analysis</a:t>
+            </a:r>
+          </a:p>
+          <a:p>
+            <a:pPr lvl="1"/>
+            <a:endParaRPr lang="en-US"/>
+          </a:p>
+        </p:txBody>
+      </p:sp>
+      <p:sp>
+        <p:nvSpPr>
+          <p:cNvPr id="4" name="Content Placeholder 3">
+            <a:extLst>
+              <a:ext uri="{FF2B5EF4-FFF2-40B4-BE49-F238E27FC236}">
+                <a16:creationId xmlns:a16="http://schemas.microsoft.com/office/drawing/2014/main" id="{0A158B60-DC8A-B24F-BDFA-084B8F392D5C}"/>
+              </a:ext>
+            </a:extLst>
+          </p:cNvPr>
+          <p:cNvSpPr>
+            <a:spLocks noGrp="1"/>
+          </p:cNvSpPr>
+          <p:nvPr>
+            <p:ph sz="half" idx="2"/>
+          </p:nvPr>
+        </p:nvSpPr>
+        <p:spPr>
+          <a:xfrm>
+            <a:off x="6313602" y="2075934"/>
+            <a:ext cx="4270247" cy="3991233"/>
+          </a:xfrm>
+        </p:spPr>
+        <p:txBody>
+          <a:bodyPr>
+            <a:normAutofit lnSpcReduction="10000"/>
+          </a:bodyPr>
+          <a:lstStyle/>
+          <a:p>
+            <a:r>
+              <a:rPr lang="en-US"/>
+              <a:t>Domain</a:t>
+            </a:r>
+          </a:p>
+          <a:p>
+            <a:pPr lvl="1"/>
+            <a:r>
+              <a:rPr lang="en-US"/>
+              <a:t>Length of time registered</a:t>
+            </a:r>
+          </a:p>
+          <a:p>
+            <a:pPr lvl="1"/>
+            <a:r>
+              <a:rPr lang="en-US"/>
+              <a:t>Registrant name hidden</a:t>
+            </a:r>
+          </a:p>
+          <a:p>
+            <a:r>
+              <a:rPr lang="en-US"/>
+              <a:t>Graph/linkage analysis</a:t>
+            </a:r>
+          </a:p>
+          <a:p>
+            <a:pPr lvl="1"/>
+            <a:r>
+              <a:rPr lang="en-US"/>
+              <a:t>Linkage to / from</a:t>
+            </a:r>
+          </a:p>
+          <a:p>
+            <a:pPr lvl="1"/>
+            <a:r>
+              <a:rPr lang="en-US"/>
+              <a:t># search results for domain</a:t>
+            </a:r>
+          </a:p>
+          <a:p>
+            <a:pPr lvl="1"/>
+            <a:endParaRPr lang="en-US"/>
+          </a:p>
+          <a:p>
+            <a:pPr lvl="1"/>
+            <a:endParaRPr lang="en-US"/>
+          </a:p>
+          <a:p>
+            <a:r>
+              <a:rPr lang="en-US"/>
+              <a:t>RESOURCES:</a:t>
+            </a:r>
+          </a:p>
+          <a:p>
+            <a:pPr lvl="1"/>
+            <a:r>
+              <a:rPr lang="en-US"/>
+              <a:t>ICANN (</a:t>
+            </a:r>
+            <a:r>
+              <a:rPr lang="en-US">
+                <a:hlinkClick r:id="rId3"/>
+              </a:rPr>
+              <a:t>https://lookup.icann.org/lookup</a:t>
+            </a:r>
+            <a:r>
+              <a:rPr lang="en-US"/>
+              <a:t>)</a:t>
+            </a:r>
+          </a:p>
+          <a:p>
+            <a:pPr lvl="1"/>
+            <a:r>
+              <a:rPr lang="en-US"/>
+              <a:t>WHOIS (</a:t>
+            </a:r>
+            <a:r>
+              <a:rPr lang="en-US">
+                <a:hlinkClick r:id="rId4"/>
+              </a:rPr>
+              <a:t>https://www.whois.net/</a:t>
+            </a:r>
+            <a:r>
+              <a:rPr lang="en-US"/>
+              <a:t>)</a:t>
+            </a:r>
+          </a:p>
+          <a:p>
+            <a:endParaRPr lang="en-US"/>
+          </a:p>
+        </p:txBody>
+      </p:sp>
+      <p:sp>
+        <p:nvSpPr>
+          <p:cNvPr id="7" name="Title 1">
+            <a:extLst>
+              <a:ext uri="{FF2B5EF4-FFF2-40B4-BE49-F238E27FC236}">
+                <a16:creationId xmlns:a16="http://schemas.microsoft.com/office/drawing/2014/main" id="{9F5234E5-66CA-FB40-B3E1-A7E5351E4DC5}"/>
+              </a:ext>
+            </a:extLst>
+          </p:cNvPr>
+          <p:cNvSpPr>
+            <a:spLocks noGrp="1"/>
+          </p:cNvSpPr>
+          <p:nvPr>
+            <p:ph type="title"/>
+          </p:nvPr>
+        </p:nvSpPr>
+        <p:spPr>
+          <a:xfrm>
+            <a:off x="2231136" y="501705"/>
+            <a:ext cx="7729728" cy="914400"/>
+          </a:xfrm>
+        </p:spPr>
+        <p:txBody>
+          <a:bodyPr>
+            <a:normAutofit/>
+          </a:bodyPr>
+          <a:lstStyle/>
+          <a:p>
+            <a:r>
+              <a:rPr lang="en-US"/>
+              <a:t>POTENTIAL ADDITIONAL FEATURES</a:t>
+            </a:r>
+          </a:p>
+        </p:txBody>
+      </p:sp>
+    </p:spTree>
+    <p:extLst>
+      <p:ext uri="{BB962C8B-B14F-4D97-AF65-F5344CB8AC3E}">
+        <p14:creationId xmlns:p14="http://schemas.microsoft.com/office/powerpoint/2010/main" val="638821798"/>
+      </p:ext>
+    </p:extLst>
+  </p:cSld>
+  <p:clrMapOvr>
+    <a:masterClrMapping/>
+  </p:clrMapOvr>
+</p:sld>
+</file>
+
+<file path=ppt/slides/slide13.xml><?xml version="1.0" encoding="utf-8"?>
+<p:sld xmlns:a="http://schemas.openxmlformats.org/drawingml/2006/main" xmlns:r="http://schemas.openxmlformats.org/officeDocument/2006/relationships" xmlns:p="http://schemas.openxmlformats.org/presentationml/2006/main">
+  <p:cSld>
+    <p:spTree>
+      <p:nvGrpSpPr>
+        <p:cNvPr id="1" name=""/>
+        <p:cNvGrpSpPr/>
+        <p:nvPr/>
+      </p:nvGrpSpPr>
+      <p:grpSpPr>
+        <a:xfrm>
+          <a:off x="0" y="0"/>
+          <a:ext cx="0" cy="0"/>
+          <a:chOff x="0" y="0"/>
+          <a:chExt cx="0" cy="0"/>
+        </a:xfrm>
+      </p:grpSpPr>
       <p:sp>
         <p:nvSpPr>
           <p:cNvPr id="2" name="Title 1">
@@ -4097,7 +5106,7 @@
           <a:p>
             <a:r>
               <a:rPr lang="en-US"/>
-              <a:t>“suspicious” words</a:t>
+              <a:t>Custom “suspicious” words</a:t>
             </a:r>
           </a:p>
         </p:txBody>
@@ -4147,7 +5156,7 @@
 </p:sld>
 </file>
 
-<file path=ppt/slides/slide11.xml><?xml version="1.0" encoding="utf-8"?>
+<file path=ppt/slides/slide14.xml><?xml version="1.0" encoding="utf-8"?>
 <p:sld xmlns:a="http://schemas.openxmlformats.org/drawingml/2006/main" xmlns:r="http://schemas.openxmlformats.org/officeDocument/2006/relationships" xmlns:p="http://schemas.openxmlformats.org/presentationml/2006/main">
   <p:cSld>
     <p:spTree>
@@ -4255,6 +5264,833 @@
     <p:extLst>
       <p:ext uri="{BB962C8B-B14F-4D97-AF65-F5344CB8AC3E}">
         <p14:creationId xmlns:p14="http://schemas.microsoft.com/office/powerpoint/2010/main" val="3225992162"/>
+      </p:ext>
+    </p:extLst>
+  </p:cSld>
+  <p:clrMapOvr>
+    <a:masterClrMapping/>
+  </p:clrMapOvr>
+</p:sld>
+</file>
+
+<file path=ppt/slides/slide15.xml><?xml version="1.0" encoding="utf-8"?>
+<p:sld xmlns:a="http://schemas.openxmlformats.org/drawingml/2006/main" xmlns:r="http://schemas.openxmlformats.org/officeDocument/2006/relationships" xmlns:p="http://schemas.openxmlformats.org/presentationml/2006/main">
+  <p:cSld>
+    <p:spTree>
+      <p:nvGrpSpPr>
+        <p:cNvPr id="1" name=""/>
+        <p:cNvGrpSpPr/>
+        <p:nvPr/>
+      </p:nvGrpSpPr>
+      <p:grpSpPr>
+        <a:xfrm>
+          <a:off x="0" y="0"/>
+          <a:ext cx="0" cy="0"/>
+          <a:chOff x="0" y="0"/>
+          <a:chExt cx="0" cy="0"/>
+        </a:xfrm>
+      </p:grpSpPr>
+      <p:pic>
+        <p:nvPicPr>
+          <p:cNvPr id="2" name="Picture 1">
+            <a:extLst>
+              <a:ext uri="{FF2B5EF4-FFF2-40B4-BE49-F238E27FC236}">
+                <a16:creationId xmlns:a16="http://schemas.microsoft.com/office/drawing/2014/main" id="{B33CDC94-D051-5D43-9D5B-2F54B85F31C5}"/>
+              </a:ext>
+            </a:extLst>
+          </p:cNvPr>
+          <p:cNvPicPr>
+            <a:picLocks noChangeAspect="1"/>
+          </p:cNvPicPr>
+          <p:nvPr/>
+        </p:nvPicPr>
+        <p:blipFill>
+          <a:blip r:embed="rId2"/>
+          <a:stretch>
+            <a:fillRect/>
+          </a:stretch>
+        </p:blipFill>
+        <p:spPr>
+          <a:xfrm>
+            <a:off x="2461397" y="1184362"/>
+            <a:ext cx="5549900" cy="4711700"/>
+          </a:xfrm>
+          <a:prstGeom prst="rect">
+            <a:avLst/>
+          </a:prstGeom>
+        </p:spPr>
+      </p:pic>
+    </p:spTree>
+    <p:extLst>
+      <p:ext uri="{BB962C8B-B14F-4D97-AF65-F5344CB8AC3E}">
+        <p14:creationId xmlns:p14="http://schemas.microsoft.com/office/powerpoint/2010/main" val="2974474177"/>
+      </p:ext>
+    </p:extLst>
+  </p:cSld>
+  <p:clrMapOvr>
+    <a:masterClrMapping/>
+  </p:clrMapOvr>
+</p:sld>
+</file>
+
+<file path=ppt/slides/slide16.xml><?xml version="1.0" encoding="utf-8"?>
+<p:sld xmlns:a="http://schemas.openxmlformats.org/drawingml/2006/main" xmlns:r="http://schemas.openxmlformats.org/officeDocument/2006/relationships" xmlns:p="http://schemas.openxmlformats.org/presentationml/2006/main">
+  <p:cSld>
+    <p:spTree>
+      <p:nvGrpSpPr>
+        <p:cNvPr id="1" name=""/>
+        <p:cNvGrpSpPr/>
+        <p:nvPr/>
+      </p:nvGrpSpPr>
+      <p:grpSpPr>
+        <a:xfrm>
+          <a:off x="0" y="0"/>
+          <a:ext cx="0" cy="0"/>
+          <a:chOff x="0" y="0"/>
+          <a:chExt cx="0" cy="0"/>
+        </a:xfrm>
+      </p:grpSpPr>
+      <p:sp>
+        <p:nvSpPr>
+          <p:cNvPr id="2" name="Title 1">
+            <a:extLst>
+              <a:ext uri="{FF2B5EF4-FFF2-40B4-BE49-F238E27FC236}">
+                <a16:creationId xmlns:a16="http://schemas.microsoft.com/office/drawing/2014/main" id="{8474903E-F545-4345-A2FB-BE02E9312EBB}"/>
+              </a:ext>
+            </a:extLst>
+          </p:cNvPr>
+          <p:cNvSpPr>
+            <a:spLocks noGrp="1"/>
+          </p:cNvSpPr>
+          <p:nvPr>
+            <p:ph type="title"/>
+          </p:nvPr>
+        </p:nvSpPr>
+        <p:spPr>
+          <a:xfrm>
+            <a:off x="2286000" y="457200"/>
+            <a:ext cx="7772400" cy="731520"/>
+          </a:xfrm>
+        </p:spPr>
+        <p:txBody>
+          <a:bodyPr>
+            <a:normAutofit fontScale="90000"/>
+          </a:bodyPr>
+          <a:lstStyle/>
+          <a:p>
+            <a:r>
+              <a:rPr lang="en-US"/>
+              <a:t>FINAL MODEL evaluation</a:t>
+            </a:r>
+          </a:p>
+        </p:txBody>
+      </p:sp>
+      <p:sp>
+        <p:nvSpPr>
+          <p:cNvPr id="3" name="Content Placeholder 2">
+            <a:extLst>
+              <a:ext uri="{FF2B5EF4-FFF2-40B4-BE49-F238E27FC236}">
+                <a16:creationId xmlns:a16="http://schemas.microsoft.com/office/drawing/2014/main" id="{90E43518-A2E9-D441-9EC9-F55F6B8A1F73}"/>
+              </a:ext>
+            </a:extLst>
+          </p:cNvPr>
+          <p:cNvSpPr>
+            <a:spLocks noGrp="1"/>
+          </p:cNvSpPr>
+          <p:nvPr>
+            <p:ph sz="half" idx="1"/>
+          </p:nvPr>
+        </p:nvSpPr>
+        <p:spPr>
+          <a:xfrm>
+            <a:off x="931423" y="1733384"/>
+            <a:ext cx="4271771" cy="1550991"/>
+          </a:xfrm>
+        </p:spPr>
+        <p:txBody>
+          <a:bodyPr/>
+          <a:lstStyle/>
+          <a:p>
+            <a:pPr marL="0" indent="0">
+              <a:buNone/>
+            </a:pPr>
+            <a:r>
+              <a:rPr lang="en-US" b="1" u="sng"/>
+              <a:t>Random Forest</a:t>
+            </a:r>
+          </a:p>
+          <a:p>
+            <a:pPr marL="0" indent="0">
+              <a:buNone/>
+            </a:pPr>
+            <a:r>
+              <a:rPr lang="en-US" sz="1600">
+                <a:latin typeface="Courier" pitchFamily="2" charset="0"/>
+              </a:rPr>
+              <a:t>n_estimators: 100</a:t>
+            </a:r>
+          </a:p>
+          <a:p>
+            <a:pPr marL="0" indent="0">
+              <a:buNone/>
+            </a:pPr>
+            <a:r>
+              <a:rPr lang="en-US" sz="1600">
+                <a:latin typeface="Courier" pitchFamily="2" charset="0"/>
+              </a:rPr>
+              <a:t>max_depth: 10</a:t>
+            </a:r>
+          </a:p>
+          <a:p>
+            <a:pPr marL="0" indent="0">
+              <a:buNone/>
+            </a:pPr>
+            <a:r>
+              <a:rPr lang="en-US" sz="1600">
+                <a:latin typeface="Courier" pitchFamily="2" charset="0"/>
+              </a:rPr>
+              <a:t>criterion: entropy</a:t>
+            </a:r>
+          </a:p>
+          <a:p>
+            <a:pPr marL="0" indent="0">
+              <a:buNone/>
+            </a:pPr>
+            <a:endParaRPr lang="en-US"/>
+          </a:p>
+        </p:txBody>
+      </p:sp>
+      <p:grpSp>
+        <p:nvGrpSpPr>
+          <p:cNvPr id="14" name="Group 13">
+            <a:extLst>
+              <a:ext uri="{FF2B5EF4-FFF2-40B4-BE49-F238E27FC236}">
+                <a16:creationId xmlns:a16="http://schemas.microsoft.com/office/drawing/2014/main" id="{C2B19A80-3DBC-C242-B06D-2F9F425BAFF0}"/>
+              </a:ext>
+            </a:extLst>
+          </p:cNvPr>
+          <p:cNvGrpSpPr/>
+          <p:nvPr/>
+        </p:nvGrpSpPr>
+        <p:grpSpPr>
+          <a:xfrm>
+            <a:off x="3731709" y="1867792"/>
+            <a:ext cx="4058052" cy="3938698"/>
+            <a:chOff x="4947052" y="1929838"/>
+            <a:chExt cx="4058052" cy="3938698"/>
+          </a:xfrm>
+        </p:grpSpPr>
+        <p:pic>
+          <p:nvPicPr>
+            <p:cNvPr id="5" name="Picture 4">
+              <a:extLst>
+                <a:ext uri="{FF2B5EF4-FFF2-40B4-BE49-F238E27FC236}">
+                  <a16:creationId xmlns:a16="http://schemas.microsoft.com/office/drawing/2014/main" id="{C08F3692-62B2-634C-AC3A-32747D4568D7}"/>
+                </a:ext>
+              </a:extLst>
+            </p:cNvPr>
+            <p:cNvPicPr>
+              <a:picLocks noChangeAspect="1"/>
+            </p:cNvPicPr>
+            <p:nvPr/>
+          </p:nvPicPr>
+          <p:blipFill>
+            <a:blip r:embed="rId2"/>
+            <a:stretch>
+              <a:fillRect/>
+            </a:stretch>
+          </p:blipFill>
+          <p:spPr>
+            <a:xfrm>
+              <a:off x="4947052" y="1929838"/>
+              <a:ext cx="4058052" cy="3938698"/>
+            </a:xfrm>
+            <a:prstGeom prst="rect">
+              <a:avLst/>
+            </a:prstGeom>
+          </p:spPr>
+        </p:pic>
+        <p:sp>
+          <p:nvSpPr>
+            <p:cNvPr id="7" name="Oval 6">
+              <a:extLst>
+                <a:ext uri="{FF2B5EF4-FFF2-40B4-BE49-F238E27FC236}">
+                  <a16:creationId xmlns:a16="http://schemas.microsoft.com/office/drawing/2014/main" id="{EDCEBC65-66E8-9E48-85A9-9995FE7C87A5}"/>
+                </a:ext>
+              </a:extLst>
+            </p:cNvPr>
+            <p:cNvSpPr/>
+            <p:nvPr/>
+          </p:nvSpPr>
+          <p:spPr>
+            <a:xfrm>
+              <a:off x="7627716" y="2349661"/>
+              <a:ext cx="879676" cy="775504"/>
+            </a:xfrm>
+            <a:prstGeom prst="ellipse">
+              <a:avLst/>
+            </a:prstGeom>
+            <a:noFill/>
+            <a:ln w="38100">
+              <a:solidFill>
+                <a:schemeClr val="accent1"/>
+              </a:solidFill>
+            </a:ln>
+          </p:spPr>
+          <p:style>
+            <a:lnRef idx="2">
+              <a:schemeClr val="accent1">
+                <a:shade val="50000"/>
+              </a:schemeClr>
+            </a:lnRef>
+            <a:fillRef idx="1">
+              <a:schemeClr val="accent1"/>
+            </a:fillRef>
+            <a:effectRef idx="0">
+              <a:schemeClr val="accent1"/>
+            </a:effectRef>
+            <a:fontRef idx="minor">
+              <a:schemeClr val="lt1"/>
+            </a:fontRef>
+          </p:style>
+          <p:txBody>
+            <a:bodyPr rtlCol="0" anchor="ctr"/>
+            <a:lstStyle/>
+            <a:p>
+              <a:pPr algn="ctr"/>
+              <a:endParaRPr lang="en-US"/>
+            </a:p>
+          </p:txBody>
+        </p:sp>
+        <p:sp>
+          <p:nvSpPr>
+            <p:cNvPr id="8" name="TextBox 7">
+              <a:extLst>
+                <a:ext uri="{FF2B5EF4-FFF2-40B4-BE49-F238E27FC236}">
+                  <a16:creationId xmlns:a16="http://schemas.microsoft.com/office/drawing/2014/main" id="{E7AD1266-4F54-F343-858C-71464B666E66}"/>
+                </a:ext>
+              </a:extLst>
+            </p:cNvPr>
+            <p:cNvSpPr txBox="1"/>
+            <p:nvPr/>
+          </p:nvSpPr>
+          <p:spPr>
+            <a:xfrm>
+              <a:off x="7358449" y="2039503"/>
+              <a:ext cx="1418209" cy="369332"/>
+            </a:xfrm>
+            <a:prstGeom prst="rect">
+              <a:avLst/>
+            </a:prstGeom>
+            <a:noFill/>
+          </p:spPr>
+          <p:txBody>
+            <a:bodyPr wrap="none" rtlCol="0">
+              <a:spAutoFit/>
+            </a:bodyPr>
+            <a:lstStyle/>
+            <a:p>
+              <a:r>
+                <a:rPr lang="en-US">
+                  <a:solidFill>
+                    <a:schemeClr val="accent1"/>
+                  </a:solidFill>
+                </a:rPr>
+                <a:t>False Positive</a:t>
+              </a:r>
+            </a:p>
+          </p:txBody>
+        </p:sp>
+        <p:sp>
+          <p:nvSpPr>
+            <p:cNvPr id="9" name="Oval 8">
+              <a:extLst>
+                <a:ext uri="{FF2B5EF4-FFF2-40B4-BE49-F238E27FC236}">
+                  <a16:creationId xmlns:a16="http://schemas.microsoft.com/office/drawing/2014/main" id="{4A7AD855-66E3-D149-BA79-0A6591DEBBAF}"/>
+                </a:ext>
+              </a:extLst>
+            </p:cNvPr>
+            <p:cNvSpPr/>
+            <p:nvPr/>
+          </p:nvSpPr>
+          <p:spPr>
+            <a:xfrm>
+              <a:off x="6159287" y="3746046"/>
+              <a:ext cx="879676" cy="775504"/>
+            </a:xfrm>
+            <a:prstGeom prst="ellipse">
+              <a:avLst/>
+            </a:prstGeom>
+            <a:noFill/>
+            <a:ln w="38100">
+              <a:solidFill>
+                <a:schemeClr val="accent1"/>
+              </a:solidFill>
+            </a:ln>
+          </p:spPr>
+          <p:style>
+            <a:lnRef idx="2">
+              <a:schemeClr val="accent1">
+                <a:shade val="50000"/>
+              </a:schemeClr>
+            </a:lnRef>
+            <a:fillRef idx="1">
+              <a:schemeClr val="accent1"/>
+            </a:fillRef>
+            <a:effectRef idx="0">
+              <a:schemeClr val="accent1"/>
+            </a:effectRef>
+            <a:fontRef idx="minor">
+              <a:schemeClr val="lt1"/>
+            </a:fontRef>
+          </p:style>
+          <p:txBody>
+            <a:bodyPr rtlCol="0" anchor="ctr"/>
+            <a:lstStyle/>
+            <a:p>
+              <a:pPr algn="ctr"/>
+              <a:endParaRPr lang="en-US"/>
+            </a:p>
+          </p:txBody>
+        </p:sp>
+        <p:sp>
+          <p:nvSpPr>
+            <p:cNvPr id="10" name="TextBox 9">
+              <a:extLst>
+                <a:ext uri="{FF2B5EF4-FFF2-40B4-BE49-F238E27FC236}">
+                  <a16:creationId xmlns:a16="http://schemas.microsoft.com/office/drawing/2014/main" id="{D750CA00-72FA-2B4A-B432-8FB644E8D348}"/>
+                </a:ext>
+              </a:extLst>
+            </p:cNvPr>
+            <p:cNvSpPr txBox="1"/>
+            <p:nvPr/>
+          </p:nvSpPr>
+          <p:spPr>
+            <a:xfrm>
+              <a:off x="5940240" y="4521550"/>
+              <a:ext cx="1526572" cy="369332"/>
+            </a:xfrm>
+            <a:prstGeom prst="rect">
+              <a:avLst/>
+            </a:prstGeom>
+            <a:noFill/>
+          </p:spPr>
+          <p:txBody>
+            <a:bodyPr wrap="none" rtlCol="0">
+              <a:spAutoFit/>
+            </a:bodyPr>
+            <a:lstStyle/>
+            <a:p>
+              <a:r>
+                <a:rPr lang="en-US">
+                  <a:solidFill>
+                    <a:schemeClr val="accent1"/>
+                  </a:solidFill>
+                </a:rPr>
+                <a:t>False Negative</a:t>
+              </a:r>
+            </a:p>
+          </p:txBody>
+        </p:sp>
+      </p:grpSp>
+      <p:graphicFrame>
+        <p:nvGraphicFramePr>
+          <p:cNvPr id="11" name="Table 10">
+            <a:extLst>
+              <a:ext uri="{FF2B5EF4-FFF2-40B4-BE49-F238E27FC236}">
+                <a16:creationId xmlns:a16="http://schemas.microsoft.com/office/drawing/2014/main" id="{0804A9F4-4A0E-A64B-B07D-9630385E487A}"/>
+              </a:ext>
+            </a:extLst>
+          </p:cNvPr>
+          <p:cNvGraphicFramePr>
+            <a:graphicFrameLocks noGrp="1"/>
+          </p:cNvGraphicFramePr>
+          <p:nvPr>
+            <p:extLst>
+              <p:ext uri="{D42A27DB-BD31-4B8C-83A1-F6EECF244321}">
+                <p14:modId xmlns:p14="http://schemas.microsoft.com/office/powerpoint/2010/main" val="213188906"/>
+              </p:ext>
+            </p:extLst>
+          </p:nvPr>
+        </p:nvGraphicFramePr>
+        <p:xfrm>
+          <a:off x="8267372" y="1987545"/>
+          <a:ext cx="3585850" cy="2595880"/>
+        </p:xfrm>
+        <a:graphic>
+          <a:graphicData uri="http://schemas.openxmlformats.org/drawingml/2006/table">
+            <a:tbl>
+              <a:tblPr firstRow="1" bandRow="1">
+                <a:tableStyleId>{21E4AEA4-8DFA-4A89-87EB-49C32662AFE0}</a:tableStyleId>
+              </a:tblPr>
+              <a:tblGrid>
+                <a:gridCol w="2348768">
+                  <a:extLst>
+                    <a:ext uri="{9D8B030D-6E8A-4147-A177-3AD203B41FA5}">
+                      <a16:colId xmlns:a16="http://schemas.microsoft.com/office/drawing/2014/main" val="199649732"/>
+                    </a:ext>
+                  </a:extLst>
+                </a:gridCol>
+                <a:gridCol w="1237082">
+                  <a:extLst>
+                    <a:ext uri="{9D8B030D-6E8A-4147-A177-3AD203B41FA5}">
+                      <a16:colId xmlns:a16="http://schemas.microsoft.com/office/drawing/2014/main" val="2690815869"/>
+                    </a:ext>
+                  </a:extLst>
+                </a:gridCol>
+              </a:tblGrid>
+              <a:tr h="370840">
+                <a:tc>
+                  <a:txBody>
+                    <a:bodyPr/>
+                    <a:lstStyle/>
+                    <a:p>
+                      <a:r>
+                        <a:rPr lang="en-US"/>
+                        <a:t>Metric</a:t>
+                      </a:r>
+                    </a:p>
+                  </a:txBody>
+                  <a:tcPr/>
+                </a:tc>
+                <a:tc>
+                  <a:txBody>
+                    <a:bodyPr/>
+                    <a:lstStyle/>
+                    <a:p>
+                      <a:r>
+                        <a:rPr lang="en-US"/>
+                        <a:t>Value</a:t>
+                      </a:r>
+                    </a:p>
+                  </a:txBody>
+                  <a:tcPr/>
+                </a:tc>
+                <a:extLst>
+                  <a:ext uri="{0D108BD9-81ED-4DB2-BD59-A6C34878D82A}">
+                    <a16:rowId xmlns:a16="http://schemas.microsoft.com/office/drawing/2014/main" val="2354328514"/>
+                  </a:ext>
+                </a:extLst>
+              </a:tr>
+              <a:tr h="370840">
+                <a:tc>
+                  <a:txBody>
+                    <a:bodyPr/>
+                    <a:lstStyle/>
+                    <a:p>
+                      <a:r>
+                        <a:rPr lang="en-US">
+                          <a:latin typeface="Courier" pitchFamily="2" charset="0"/>
+                        </a:rPr>
+                        <a:t>F1 – train</a:t>
+                      </a:r>
+                    </a:p>
+                  </a:txBody>
+                  <a:tcPr/>
+                </a:tc>
+                <a:tc>
+                  <a:txBody>
+                    <a:bodyPr/>
+                    <a:lstStyle/>
+                    <a:p>
+                      <a:r>
+                        <a:rPr lang="en-US">
+                          <a:latin typeface="Courier" pitchFamily="2" charset="0"/>
+                        </a:rPr>
+                        <a:t>0.2196</a:t>
+                      </a:r>
+                    </a:p>
+                  </a:txBody>
+                  <a:tcPr/>
+                </a:tc>
+                <a:extLst>
+                  <a:ext uri="{0D108BD9-81ED-4DB2-BD59-A6C34878D82A}">
+                    <a16:rowId xmlns:a16="http://schemas.microsoft.com/office/drawing/2014/main" val="377812322"/>
+                  </a:ext>
+                </a:extLst>
+              </a:tr>
+              <a:tr h="370840">
+                <a:tc>
+                  <a:txBody>
+                    <a:bodyPr/>
+                    <a:lstStyle/>
+                    <a:p>
+                      <a:r>
+                        <a:rPr lang="en-US">
+                          <a:latin typeface="Courier" pitchFamily="2" charset="0"/>
+                        </a:rPr>
+                        <a:t>F1 – test</a:t>
+                      </a:r>
+                    </a:p>
+                  </a:txBody>
+                  <a:tcPr/>
+                </a:tc>
+                <a:tc>
+                  <a:txBody>
+                    <a:bodyPr/>
+                    <a:lstStyle/>
+                    <a:p>
+                      <a:r>
+                        <a:rPr lang="en-US">
+                          <a:latin typeface="Courier" pitchFamily="2" charset="0"/>
+                        </a:rPr>
+                        <a:t>0.2016</a:t>
+                      </a:r>
+                    </a:p>
+                  </a:txBody>
+                  <a:tcPr/>
+                </a:tc>
+                <a:extLst>
+                  <a:ext uri="{0D108BD9-81ED-4DB2-BD59-A6C34878D82A}">
+                    <a16:rowId xmlns:a16="http://schemas.microsoft.com/office/drawing/2014/main" val="3356658858"/>
+                  </a:ext>
+                </a:extLst>
+              </a:tr>
+              <a:tr h="370840">
+                <a:tc>
+                  <a:txBody>
+                    <a:bodyPr/>
+                    <a:lstStyle/>
+                    <a:p>
+                      <a:r>
+                        <a:rPr lang="en-US">
+                          <a:latin typeface="Courier" pitchFamily="2" charset="0"/>
+                        </a:rPr>
+                        <a:t>Precision</a:t>
+                      </a:r>
+                    </a:p>
+                  </a:txBody>
+                  <a:tcPr/>
+                </a:tc>
+                <a:tc>
+                  <a:txBody>
+                    <a:bodyPr/>
+                    <a:lstStyle/>
+                    <a:p>
+                      <a:r>
+                        <a:rPr lang="en-US">
+                          <a:latin typeface="Courier" pitchFamily="2" charset="0"/>
+                        </a:rPr>
+                        <a:t>0.9938</a:t>
+                      </a:r>
+                    </a:p>
+                  </a:txBody>
+                  <a:tcPr/>
+                </a:tc>
+                <a:extLst>
+                  <a:ext uri="{0D108BD9-81ED-4DB2-BD59-A6C34878D82A}">
+                    <a16:rowId xmlns:a16="http://schemas.microsoft.com/office/drawing/2014/main" val="643092910"/>
+                  </a:ext>
+                </a:extLst>
+              </a:tr>
+              <a:tr h="370840">
+                <a:tc>
+                  <a:txBody>
+                    <a:bodyPr/>
+                    <a:lstStyle/>
+                    <a:p>
+                      <a:r>
+                        <a:rPr lang="en-US">
+                          <a:latin typeface="Courier" pitchFamily="2" charset="0"/>
+                        </a:rPr>
+                        <a:t>Recall</a:t>
+                      </a:r>
+                    </a:p>
+                  </a:txBody>
+                  <a:tcPr/>
+                </a:tc>
+                <a:tc>
+                  <a:txBody>
+                    <a:bodyPr/>
+                    <a:lstStyle/>
+                    <a:p>
+                      <a:r>
+                        <a:rPr lang="en-US">
+                          <a:latin typeface="Courier" pitchFamily="2" charset="0"/>
+                        </a:rPr>
+                        <a:t>0.1121</a:t>
+                      </a:r>
+                    </a:p>
+                  </a:txBody>
+                  <a:tcPr/>
+                </a:tc>
+                <a:extLst>
+                  <a:ext uri="{0D108BD9-81ED-4DB2-BD59-A6C34878D82A}">
+                    <a16:rowId xmlns:a16="http://schemas.microsoft.com/office/drawing/2014/main" val="2856794137"/>
+                  </a:ext>
+                </a:extLst>
+              </a:tr>
+              <a:tr h="370840">
+                <a:tc>
+                  <a:txBody>
+                    <a:bodyPr/>
+                    <a:lstStyle/>
+                    <a:p>
+                      <a:r>
+                        <a:rPr lang="en-US">
+                          <a:latin typeface="Courier" pitchFamily="2" charset="0"/>
+                        </a:rPr>
+                        <a:t>False Pos Rate</a:t>
+                      </a:r>
+                    </a:p>
+                  </a:txBody>
+                  <a:tcPr/>
+                </a:tc>
+                <a:tc>
+                  <a:txBody>
+                    <a:bodyPr/>
+                    <a:lstStyle/>
+                    <a:p>
+                      <a:r>
+                        <a:rPr lang="en-US">
+                          <a:latin typeface="Courier" pitchFamily="2" charset="0"/>
+                        </a:rPr>
+                        <a:t>8.06e-7</a:t>
+                      </a:r>
+                    </a:p>
+                  </a:txBody>
+                  <a:tcPr/>
+                </a:tc>
+                <a:extLst>
+                  <a:ext uri="{0D108BD9-81ED-4DB2-BD59-A6C34878D82A}">
+                    <a16:rowId xmlns:a16="http://schemas.microsoft.com/office/drawing/2014/main" val="3499064274"/>
+                  </a:ext>
+                </a:extLst>
+              </a:tr>
+              <a:tr h="370840">
+                <a:tc>
+                  <a:txBody>
+                    <a:bodyPr/>
+                    <a:lstStyle/>
+                    <a:p>
+                      <a:endParaRPr lang="en-US">
+                        <a:latin typeface="Courier" pitchFamily="2" charset="0"/>
+                      </a:endParaRPr>
+                    </a:p>
+                  </a:txBody>
+                  <a:tcPr/>
+                </a:tc>
+                <a:tc>
+                  <a:txBody>
+                    <a:bodyPr/>
+                    <a:lstStyle/>
+                    <a:p>
+                      <a:endParaRPr lang="en-US">
+                        <a:latin typeface="Courier" pitchFamily="2" charset="0"/>
+                      </a:endParaRPr>
+                    </a:p>
+                  </a:txBody>
+                  <a:tcPr/>
+                </a:tc>
+                <a:extLst>
+                  <a:ext uri="{0D108BD9-81ED-4DB2-BD59-A6C34878D82A}">
+                    <a16:rowId xmlns:a16="http://schemas.microsoft.com/office/drawing/2014/main" val="3403100411"/>
+                  </a:ext>
+                </a:extLst>
+              </a:tr>
+            </a:tbl>
+          </a:graphicData>
+        </a:graphic>
+      </p:graphicFrame>
+      <p:sp>
+        <p:nvSpPr>
+          <p:cNvPr id="15" name="Oval 14">
+            <a:extLst>
+              <a:ext uri="{FF2B5EF4-FFF2-40B4-BE49-F238E27FC236}">
+                <a16:creationId xmlns:a16="http://schemas.microsoft.com/office/drawing/2014/main" id="{26873A76-8028-FF45-92E4-C558B9F821C2}"/>
+              </a:ext>
+            </a:extLst>
+          </p:cNvPr>
+          <p:cNvSpPr/>
+          <p:nvPr/>
+        </p:nvSpPr>
+        <p:spPr>
+          <a:xfrm>
+            <a:off x="6412373" y="3659300"/>
+            <a:ext cx="879676" cy="775504"/>
+          </a:xfrm>
+          <a:prstGeom prst="ellipse">
+            <a:avLst/>
+          </a:prstGeom>
+          <a:noFill/>
+          <a:ln w="38100">
+            <a:solidFill>
+              <a:srgbClr val="00B050"/>
+            </a:solidFill>
+          </a:ln>
+        </p:spPr>
+        <p:style>
+          <a:lnRef idx="2">
+            <a:schemeClr val="accent1">
+              <a:shade val="50000"/>
+            </a:schemeClr>
+          </a:lnRef>
+          <a:fillRef idx="1">
+            <a:schemeClr val="accent1"/>
+          </a:fillRef>
+          <a:effectRef idx="0">
+            <a:schemeClr val="accent1"/>
+          </a:effectRef>
+          <a:fontRef idx="minor">
+            <a:schemeClr val="lt1"/>
+          </a:fontRef>
+        </p:style>
+        <p:txBody>
+          <a:bodyPr rtlCol="0" anchor="ctr"/>
+          <a:lstStyle/>
+          <a:p>
+            <a:pPr algn="ctr"/>
+            <a:endParaRPr lang="en-US">
+              <a:solidFill>
+                <a:srgbClr val="00B050"/>
+              </a:solidFill>
+            </a:endParaRPr>
+          </a:p>
+        </p:txBody>
+      </p:sp>
+      <p:sp>
+        <p:nvSpPr>
+          <p:cNvPr id="16" name="TextBox 15">
+            <a:extLst>
+              <a:ext uri="{FF2B5EF4-FFF2-40B4-BE49-F238E27FC236}">
+                <a16:creationId xmlns:a16="http://schemas.microsoft.com/office/drawing/2014/main" id="{67D78B06-29C6-CA49-9B35-16149C66F904}"/>
+              </a:ext>
+            </a:extLst>
+          </p:cNvPr>
+          <p:cNvSpPr txBox="1"/>
+          <p:nvPr/>
+        </p:nvSpPr>
+        <p:spPr>
+          <a:xfrm>
+            <a:off x="6289210" y="4468612"/>
+            <a:ext cx="1002839" cy="369332"/>
+          </a:xfrm>
+          <a:prstGeom prst="rect">
+            <a:avLst/>
+          </a:prstGeom>
+          <a:noFill/>
+        </p:spPr>
+        <p:txBody>
+          <a:bodyPr wrap="none" rtlCol="0">
+            <a:spAutoFit/>
+          </a:bodyPr>
+          <a:lstStyle/>
+          <a:p>
+            <a:r>
+              <a:rPr lang="en-US">
+                <a:solidFill>
+                  <a:srgbClr val="00B050"/>
+                </a:solidFill>
+              </a:rPr>
+              <a:t>True Pos</a:t>
+            </a:r>
+          </a:p>
+        </p:txBody>
+      </p:sp>
+    </p:spTree>
+    <p:extLst>
+      <p:ext uri="{BB962C8B-B14F-4D97-AF65-F5344CB8AC3E}">
+        <p14:creationId xmlns:p14="http://schemas.microsoft.com/office/powerpoint/2010/main" val="1217331592"/>
       </p:ext>
     </p:extLst>
   </p:cSld>
@@ -4297,7 +6133,12 @@
             <p:ph type="title"/>
           </p:nvPr>
         </p:nvSpPr>
-        <p:spPr/>
+        <p:spPr>
+          <a:xfrm>
+            <a:off x="2286001" y="457200"/>
+            <a:ext cx="7726679" cy="914400"/>
+          </a:xfrm>
+        </p:spPr>
         <p:txBody>
           <a:bodyPr/>
           <a:lstStyle/>
@@ -4443,7 +6284,9 @@
         </p:nvSpPr>
         <p:spPr/>
         <p:txBody>
-          <a:bodyPr/>
+          <a:bodyPr>
+            <a:noAutofit/>
+          </a:bodyPr>
           <a:lstStyle/>
           <a:p>
             <a:r>
@@ -4504,7 +6347,21 @@
             <a:pPr lvl="1"/>
             <a:r>
               <a:rPr lang="en-US"/>
-              <a:t>Chose one cc_index file at random from Nov 2019 index (&gt;300 total in month)</a:t>
+              <a:t>Chose one cc_index file at random from Nov 2019 index </a:t>
+            </a:r>
+          </a:p>
+          <a:p>
+            <a:pPr lvl="2"/>
+            <a:r>
+              <a:rPr lang="en-US"/>
+              <a:t>&gt;300 total in month</a:t>
+            </a:r>
+          </a:p>
+          <a:p>
+            <a:pPr lvl="2"/>
+            <a:r>
+              <a:rPr lang="en-US"/>
+              <a:t>Each file contains 7-10 million URLs</a:t>
             </a:r>
           </a:p>
           <a:p>
@@ -4512,6 +6369,19 @@
             <a:r>
               <a:rPr lang="en-US"/>
               <a:t>This was still not randomized enough! (more later)</a:t>
+            </a:r>
+          </a:p>
+          <a:p>
+            <a:r>
+              <a:rPr lang="en-US"/>
+              <a:t>Rate of Phising URLs:</a:t>
+            </a:r>
+          </a:p>
+          <a:p>
+            <a:pPr lvl="1"/>
+            <a:r>
+              <a:rPr lang="en-US"/>
+              <a:t>Literature</a:t>
             </a:r>
           </a:p>
         </p:txBody>
@@ -5351,36 +7221,633 @@
           </a:p>
         </p:txBody>
       </p:sp>
-      <p:pic>
-        <p:nvPicPr>
-          <p:cNvPr id="3" name="Picture 2">
+      <p:graphicFrame>
+        <p:nvGraphicFramePr>
+          <p:cNvPr id="4" name="Table 3">
             <a:extLst>
               <a:ext uri="{FF2B5EF4-FFF2-40B4-BE49-F238E27FC236}">
-                <a16:creationId xmlns:a16="http://schemas.microsoft.com/office/drawing/2014/main" id="{9DC671BE-E16D-F04B-AC57-7325D2CDED95}"/>
+                <a16:creationId xmlns:a16="http://schemas.microsoft.com/office/drawing/2014/main" id="{EF9A2478-065D-0A40-9B7C-5D644BFABE6B}"/>
               </a:ext>
             </a:extLst>
           </p:cNvPr>
-          <p:cNvPicPr>
-            <a:picLocks noChangeAspect="1"/>
-          </p:cNvPicPr>
+          <p:cNvGraphicFramePr>
+            <a:graphicFrameLocks noGrp="1"/>
+          </p:cNvGraphicFramePr>
+          <p:nvPr>
+            <p:extLst>
+              <p:ext uri="{D42A27DB-BD31-4B8C-83A1-F6EECF244321}">
+                <p14:modId xmlns:p14="http://schemas.microsoft.com/office/powerpoint/2010/main" val="3163905988"/>
+              </p:ext>
+            </p:extLst>
+          </p:nvPr>
+        </p:nvGraphicFramePr>
+        <p:xfrm>
+          <a:off x="1696554" y="2183136"/>
+          <a:ext cx="8166775" cy="2397760"/>
+        </p:xfrm>
+        <a:graphic>
+          <a:graphicData uri="http://schemas.openxmlformats.org/drawingml/2006/table">
+            <a:tbl>
+              <a:tblPr firstRow="1" bandRow="1">
+                <a:tableStyleId>{5C22544A-7EE6-4342-B048-85BDC9FD1C3A}</a:tableStyleId>
+              </a:tblPr>
+              <a:tblGrid>
+                <a:gridCol w="1633355">
+                  <a:extLst>
+                    <a:ext uri="{9D8B030D-6E8A-4147-A177-3AD203B41FA5}">
+                      <a16:colId xmlns:a16="http://schemas.microsoft.com/office/drawing/2014/main" val="2509210312"/>
+                    </a:ext>
+                  </a:extLst>
+                </a:gridCol>
+                <a:gridCol w="1633355">
+                  <a:extLst>
+                    <a:ext uri="{9D8B030D-6E8A-4147-A177-3AD203B41FA5}">
+                      <a16:colId xmlns:a16="http://schemas.microsoft.com/office/drawing/2014/main" val="3254073200"/>
+                    </a:ext>
+                  </a:extLst>
+                </a:gridCol>
+                <a:gridCol w="1633355">
+                  <a:extLst>
+                    <a:ext uri="{9D8B030D-6E8A-4147-A177-3AD203B41FA5}">
+                      <a16:colId xmlns:a16="http://schemas.microsoft.com/office/drawing/2014/main" val="3737747277"/>
+                    </a:ext>
+                  </a:extLst>
+                </a:gridCol>
+                <a:gridCol w="1633355">
+                  <a:extLst>
+                    <a:ext uri="{9D8B030D-6E8A-4147-A177-3AD203B41FA5}">
+                      <a16:colId xmlns:a16="http://schemas.microsoft.com/office/drawing/2014/main" val="1978481166"/>
+                    </a:ext>
+                  </a:extLst>
+                </a:gridCol>
+                <a:gridCol w="1633355">
+                  <a:extLst>
+                    <a:ext uri="{9D8B030D-6E8A-4147-A177-3AD203B41FA5}">
+                      <a16:colId xmlns:a16="http://schemas.microsoft.com/office/drawing/2014/main" val="1789703061"/>
+                    </a:ext>
+                  </a:extLst>
+                </a:gridCol>
+              </a:tblGrid>
+              <a:tr h="370840">
+                <a:tc>
+                  <a:txBody>
+                    <a:bodyPr/>
+                    <a:lstStyle/>
+                    <a:p>
+                      <a:r>
+                        <a:rPr lang="en-US">
+                          <a:latin typeface="Courier New" panose="02070309020205020404" pitchFamily="49" charset="0"/>
+                          <a:cs typeface="Courier New" panose="02070309020205020404" pitchFamily="49" charset="0"/>
+                        </a:rPr>
+                        <a:t>Metrix</a:t>
+                      </a:r>
+                    </a:p>
+                  </a:txBody>
+                  <a:tcPr/>
+                </a:tc>
+                <a:tc>
+                  <a:txBody>
+                    <a:bodyPr/>
+                    <a:lstStyle/>
+                    <a:p>
+                      <a:r>
+                        <a:rPr lang="en-US">
+                          <a:latin typeface="Courier New" panose="02070309020205020404" pitchFamily="49" charset="0"/>
+                          <a:cs typeface="Courier New" panose="02070309020205020404" pitchFamily="49" charset="0"/>
+                        </a:rPr>
+                        <a:t>Logistic Regression (1, 2)</a:t>
+                      </a:r>
+                    </a:p>
+                  </a:txBody>
+                  <a:tcPr/>
+                </a:tc>
+                <a:tc>
+                  <a:txBody>
+                    <a:bodyPr/>
+                    <a:lstStyle/>
+                    <a:p>
+                      <a:r>
+                        <a:rPr lang="en-US">
+                          <a:latin typeface="Courier New" panose="02070309020205020404" pitchFamily="49" charset="0"/>
+                          <a:cs typeface="Courier New" panose="02070309020205020404" pitchFamily="49" charset="0"/>
+                        </a:rPr>
+                        <a:t>Naïve Bayes </a:t>
+                      </a:r>
+                      <a:br>
+                        <a:rPr lang="en-US">
+                          <a:latin typeface="Courier New" panose="02070309020205020404" pitchFamily="49" charset="0"/>
+                          <a:cs typeface="Courier New" panose="02070309020205020404" pitchFamily="49" charset="0"/>
+                        </a:rPr>
+                      </a:br>
+                      <a:r>
+                        <a:rPr lang="en-US">
+                          <a:latin typeface="Courier New" panose="02070309020205020404" pitchFamily="49" charset="0"/>
+                          <a:cs typeface="Courier New" panose="02070309020205020404" pitchFamily="49" charset="0"/>
+                        </a:rPr>
+                        <a:t>(1)</a:t>
+                      </a:r>
+                    </a:p>
+                  </a:txBody>
+                  <a:tcPr/>
+                </a:tc>
+                <a:tc>
+                  <a:txBody>
+                    <a:bodyPr/>
+                    <a:lstStyle/>
+                    <a:p>
+                      <a:r>
+                        <a:rPr lang="en-US">
+                          <a:latin typeface="Courier New" panose="02070309020205020404" pitchFamily="49" charset="0"/>
+                          <a:cs typeface="Courier New" panose="02070309020205020404" pitchFamily="49" charset="0"/>
+                        </a:rPr>
+                        <a:t>Random Forest </a:t>
+                      </a:r>
+                      <a:br>
+                        <a:rPr lang="en-US">
+                          <a:latin typeface="Courier New" panose="02070309020205020404" pitchFamily="49" charset="0"/>
+                          <a:cs typeface="Courier New" panose="02070309020205020404" pitchFamily="49" charset="0"/>
+                        </a:rPr>
+                      </a:br>
+                      <a:r>
+                        <a:rPr lang="en-US">
+                          <a:latin typeface="Courier New" panose="02070309020205020404" pitchFamily="49" charset="0"/>
+                          <a:cs typeface="Courier New" panose="02070309020205020404" pitchFamily="49" charset="0"/>
+                        </a:rPr>
+                        <a:t>(3)</a:t>
+                      </a:r>
+                    </a:p>
+                  </a:txBody>
+                  <a:tcPr/>
+                </a:tc>
+                <a:tc>
+                  <a:txBody>
+                    <a:bodyPr/>
+                    <a:lstStyle/>
+                    <a:p>
+                      <a:r>
+                        <a:rPr lang="en-US">
+                          <a:latin typeface="Courier New" panose="02070309020205020404" pitchFamily="49" charset="0"/>
+                          <a:cs typeface="Courier New" panose="02070309020205020404" pitchFamily="49" charset="0"/>
+                        </a:rPr>
+                        <a:t>Random Forest – Tuned (4)</a:t>
+                      </a:r>
+                    </a:p>
+                  </a:txBody>
+                  <a:tcPr/>
+                </a:tc>
+                <a:extLst>
+                  <a:ext uri="{0D108BD9-81ED-4DB2-BD59-A6C34878D82A}">
+                    <a16:rowId xmlns:a16="http://schemas.microsoft.com/office/drawing/2014/main" val="3052580293"/>
+                  </a:ext>
+                </a:extLst>
+              </a:tr>
+              <a:tr h="370840">
+                <a:tc>
+                  <a:txBody>
+                    <a:bodyPr/>
+                    <a:lstStyle/>
+                    <a:p>
+                      <a:r>
+                        <a:rPr lang="en-US">
+                          <a:latin typeface="Courier New" panose="02070309020205020404" pitchFamily="49" charset="0"/>
+                          <a:cs typeface="Courier New" panose="02070309020205020404" pitchFamily="49" charset="0"/>
+                        </a:rPr>
+                        <a:t>F1-score</a:t>
+                      </a:r>
+                    </a:p>
+                  </a:txBody>
+                  <a:tcPr/>
+                </a:tc>
+                <a:tc>
+                  <a:txBody>
+                    <a:bodyPr/>
+                    <a:lstStyle/>
+                    <a:p>
+                      <a:r>
+                        <a:rPr lang="en-US">
+                          <a:latin typeface="Courier New" panose="02070309020205020404" pitchFamily="49" charset="0"/>
+                          <a:cs typeface="Courier New" panose="02070309020205020404" pitchFamily="49" charset="0"/>
+                        </a:rPr>
+                        <a:t>0.0379</a:t>
+                      </a:r>
+                    </a:p>
+                  </a:txBody>
+                  <a:tcPr/>
+                </a:tc>
+                <a:tc>
+                  <a:txBody>
+                    <a:bodyPr/>
+                    <a:lstStyle/>
+                    <a:p>
+                      <a:r>
+                        <a:rPr lang="en-US">
+                          <a:latin typeface="Courier New" panose="02070309020205020404" pitchFamily="49" charset="0"/>
+                          <a:cs typeface="Courier New" panose="02070309020205020404" pitchFamily="49" charset="0"/>
+                        </a:rPr>
+                        <a:t>0.0437</a:t>
+                      </a:r>
+                    </a:p>
+                  </a:txBody>
+                  <a:tcPr/>
+                </a:tc>
+                <a:tc>
+                  <a:txBody>
+                    <a:bodyPr/>
+                    <a:lstStyle/>
+                    <a:p>
+                      <a:r>
+                        <a:rPr lang="en-US">
+                          <a:latin typeface="Courier New" panose="02070309020205020404" pitchFamily="49" charset="0"/>
+                          <a:cs typeface="Courier New" panose="02070309020205020404" pitchFamily="49" charset="0"/>
+                        </a:rPr>
+                        <a:t>0.2844</a:t>
+                      </a:r>
+                    </a:p>
+                  </a:txBody>
+                  <a:tcPr/>
+                </a:tc>
+                <a:tc>
+                  <a:txBody>
+                    <a:bodyPr/>
+                    <a:lstStyle/>
+                    <a:p>
+                      <a:r>
+                        <a:rPr lang="en-US">
+                          <a:latin typeface="Courier New" panose="02070309020205020404" pitchFamily="49" charset="0"/>
+                          <a:cs typeface="Courier New" panose="02070309020205020404" pitchFamily="49" charset="0"/>
+                        </a:rPr>
+                        <a:t>0.2016</a:t>
+                      </a:r>
+                    </a:p>
+                  </a:txBody>
+                  <a:tcPr/>
+                </a:tc>
+                <a:extLst>
+                  <a:ext uri="{0D108BD9-81ED-4DB2-BD59-A6C34878D82A}">
+                    <a16:rowId xmlns:a16="http://schemas.microsoft.com/office/drawing/2014/main" val="1844396110"/>
+                  </a:ext>
+                </a:extLst>
+              </a:tr>
+              <a:tr h="370840">
+                <a:tc>
+                  <a:txBody>
+                    <a:bodyPr/>
+                    <a:lstStyle/>
+                    <a:p>
+                      <a:r>
+                        <a:rPr lang="en-US">
+                          <a:latin typeface="Courier New" panose="02070309020205020404" pitchFamily="49" charset="0"/>
+                          <a:cs typeface="Courier New" panose="02070309020205020404" pitchFamily="49" charset="0"/>
+                        </a:rPr>
+                        <a:t>Precision</a:t>
+                      </a:r>
+                    </a:p>
+                  </a:txBody>
+                  <a:tcPr/>
+                </a:tc>
+                <a:tc>
+                  <a:txBody>
+                    <a:bodyPr/>
+                    <a:lstStyle/>
+                    <a:p>
+                      <a:r>
+                        <a:rPr lang="en-US">
+                          <a:latin typeface="Courier New" panose="02070309020205020404" pitchFamily="49" charset="0"/>
+                          <a:cs typeface="Courier New" panose="02070309020205020404" pitchFamily="49" charset="0"/>
+                        </a:rPr>
+                        <a:t>0.8878</a:t>
+                      </a:r>
+                    </a:p>
+                  </a:txBody>
+                  <a:tcPr/>
+                </a:tc>
+                <a:tc>
+                  <a:txBody>
+                    <a:bodyPr/>
+                    <a:lstStyle/>
+                    <a:p>
+                      <a:r>
+                        <a:rPr lang="en-US">
+                          <a:latin typeface="Courier New" panose="02070309020205020404" pitchFamily="49" charset="0"/>
+                          <a:cs typeface="Courier New" panose="02070309020205020404" pitchFamily="49" charset="0"/>
+                        </a:rPr>
+                        <a:t>0.0288</a:t>
+                      </a:r>
+                    </a:p>
+                  </a:txBody>
+                  <a:tcPr/>
+                </a:tc>
+                <a:tc>
+                  <a:txBody>
+                    <a:bodyPr/>
+                    <a:lstStyle/>
+                    <a:p>
+                      <a:r>
+                        <a:rPr lang="en-US">
+                          <a:latin typeface="Courier New" panose="02070309020205020404" pitchFamily="49" charset="0"/>
+                          <a:cs typeface="Courier New" panose="02070309020205020404" pitchFamily="49" charset="0"/>
+                        </a:rPr>
+                        <a:t>0.9167</a:t>
+                      </a:r>
+                    </a:p>
+                  </a:txBody>
+                  <a:tcPr/>
+                </a:tc>
+                <a:tc>
+                  <a:txBody>
+                    <a:bodyPr/>
+                    <a:lstStyle/>
+                    <a:p>
+                      <a:r>
+                        <a:rPr lang="en-US">
+                          <a:latin typeface="Courier New" panose="02070309020205020404" pitchFamily="49" charset="0"/>
+                          <a:cs typeface="Courier New" panose="02070309020205020404" pitchFamily="49" charset="0"/>
+                        </a:rPr>
+                        <a:t>0.9938</a:t>
+                      </a:r>
+                    </a:p>
+                  </a:txBody>
+                  <a:tcPr/>
+                </a:tc>
+                <a:extLst>
+                  <a:ext uri="{0D108BD9-81ED-4DB2-BD59-A6C34878D82A}">
+                    <a16:rowId xmlns:a16="http://schemas.microsoft.com/office/drawing/2014/main" val="3897894306"/>
+                  </a:ext>
+                </a:extLst>
+              </a:tr>
+              <a:tr h="370840">
+                <a:tc>
+                  <a:txBody>
+                    <a:bodyPr/>
+                    <a:lstStyle/>
+                    <a:p>
+                      <a:r>
+                        <a:rPr lang="en-US">
+                          <a:latin typeface="Courier New" panose="02070309020205020404" pitchFamily="49" charset="0"/>
+                          <a:cs typeface="Courier New" panose="02070309020205020404" pitchFamily="49" charset="0"/>
+                        </a:rPr>
+                        <a:t>Recall</a:t>
+                      </a:r>
+                    </a:p>
+                  </a:txBody>
+                  <a:tcPr/>
+                </a:tc>
+                <a:tc>
+                  <a:txBody>
+                    <a:bodyPr/>
+                    <a:lstStyle/>
+                    <a:p>
+                      <a:r>
+                        <a:rPr lang="en-US">
+                          <a:latin typeface="Courier New" panose="02070309020205020404" pitchFamily="49" charset="0"/>
+                          <a:cs typeface="Courier New" panose="02070309020205020404" pitchFamily="49" charset="0"/>
+                        </a:rPr>
+                        <a:t>0.0193</a:t>
+                      </a:r>
+                    </a:p>
+                  </a:txBody>
+                  <a:tcPr/>
+                </a:tc>
+                <a:tc>
+                  <a:txBody>
+                    <a:bodyPr/>
+                    <a:lstStyle/>
+                    <a:p>
+                      <a:r>
+                        <a:rPr lang="en-US">
+                          <a:latin typeface="Courier New" panose="02070309020205020404" pitchFamily="49" charset="0"/>
+                          <a:cs typeface="Courier New" panose="02070309020205020404" pitchFamily="49" charset="0"/>
+                        </a:rPr>
+                        <a:t>0.0908</a:t>
+                      </a:r>
+                    </a:p>
+                  </a:txBody>
+                  <a:tcPr/>
+                </a:tc>
+                <a:tc>
+                  <a:txBody>
+                    <a:bodyPr/>
+                    <a:lstStyle/>
+                    <a:p>
+                      <a:r>
+                        <a:rPr lang="en-US">
+                          <a:latin typeface="Courier New" panose="02070309020205020404" pitchFamily="49" charset="0"/>
+                          <a:cs typeface="Courier New" panose="02070309020205020404" pitchFamily="49" charset="0"/>
+                        </a:rPr>
+                        <a:t>0.1684</a:t>
+                      </a:r>
+                    </a:p>
+                  </a:txBody>
+                  <a:tcPr/>
+                </a:tc>
+                <a:tc>
+                  <a:txBody>
+                    <a:bodyPr/>
+                    <a:lstStyle/>
+                    <a:p>
+                      <a:r>
+                        <a:rPr lang="en-US">
+                          <a:latin typeface="Courier New" panose="02070309020205020404" pitchFamily="49" charset="0"/>
+                          <a:cs typeface="Courier New" panose="02070309020205020404" pitchFamily="49" charset="0"/>
+                        </a:rPr>
+                        <a:t>0.1112</a:t>
+                      </a:r>
+                    </a:p>
+                  </a:txBody>
+                  <a:tcPr/>
+                </a:tc>
+                <a:extLst>
+                  <a:ext uri="{0D108BD9-81ED-4DB2-BD59-A6C34878D82A}">
+                    <a16:rowId xmlns:a16="http://schemas.microsoft.com/office/drawing/2014/main" val="3156103453"/>
+                  </a:ext>
+                </a:extLst>
+              </a:tr>
+              <a:tr h="370840">
+                <a:tc>
+                  <a:txBody>
+                    <a:bodyPr/>
+                    <a:lstStyle/>
+                    <a:p>
+                      <a:r>
+                        <a:rPr lang="en-US">
+                          <a:latin typeface="Courier New" panose="02070309020205020404" pitchFamily="49" charset="0"/>
+                          <a:cs typeface="Courier New" panose="02070309020205020404" pitchFamily="49" charset="0"/>
+                        </a:rPr>
+                        <a:t>FPR</a:t>
+                      </a:r>
+                    </a:p>
+                  </a:txBody>
+                  <a:tcPr/>
+                </a:tc>
+                <a:tc>
+                  <a:txBody>
+                    <a:bodyPr/>
+                    <a:lstStyle/>
+                    <a:p>
+                      <a:r>
+                        <a:rPr lang="en-US">
+                          <a:latin typeface="Courier New" panose="02070309020205020404" pitchFamily="49" charset="0"/>
+                          <a:cs typeface="Courier New" panose="02070309020205020404" pitchFamily="49" charset="0"/>
+                        </a:rPr>
+                        <a:t>3.36e-6</a:t>
+                      </a:r>
+                    </a:p>
+                  </a:txBody>
+                  <a:tcPr/>
+                </a:tc>
+                <a:tc>
+                  <a:txBody>
+                    <a:bodyPr/>
+                    <a:lstStyle/>
+                    <a:p>
+                      <a:r>
+                        <a:rPr lang="en-US">
+                          <a:latin typeface="Courier New" panose="02070309020205020404" pitchFamily="49" charset="0"/>
+                          <a:cs typeface="Courier New" panose="02070309020205020404" pitchFamily="49" charset="0"/>
+                        </a:rPr>
+                        <a:t>3.40e-3</a:t>
+                      </a:r>
+                    </a:p>
+                  </a:txBody>
+                  <a:tcPr/>
+                </a:tc>
+                <a:tc>
+                  <a:txBody>
+                    <a:bodyPr/>
+                    <a:lstStyle/>
+                    <a:p>
+                      <a:r>
+                        <a:rPr lang="en-US">
+                          <a:latin typeface="Courier New" panose="02070309020205020404" pitchFamily="49" charset="0"/>
+                          <a:cs typeface="Courier New" panose="02070309020205020404" pitchFamily="49" charset="0"/>
+                        </a:rPr>
+                        <a:t>1.61e-5</a:t>
+                      </a:r>
+                    </a:p>
+                  </a:txBody>
+                  <a:tcPr/>
+                </a:tc>
+                <a:tc>
+                  <a:txBody>
+                    <a:bodyPr/>
+                    <a:lstStyle/>
+                    <a:p>
+                      <a:pPr marL="0" marR="0" lvl="0" indent="0" algn="l" defTabSz="914400" rtl="0" eaLnBrk="1" fontAlgn="auto" latinLnBrk="0" hangingPunct="1">
+                        <a:lnSpc>
+                          <a:spcPct val="100000"/>
+                        </a:lnSpc>
+                        <a:spcBef>
+                          <a:spcPts val="0"/>
+                        </a:spcBef>
+                        <a:spcAft>
+                          <a:spcPts val="0"/>
+                        </a:spcAft>
+                        <a:buClrTx/>
+                        <a:buSzTx/>
+                        <a:buFontTx/>
+                        <a:buNone/>
+                        <a:tabLst/>
+                        <a:defRPr/>
+                      </a:pPr>
+                      <a:r>
+                        <a:rPr lang="en-US">
+                          <a:latin typeface="Courier New" panose="02070309020205020404" pitchFamily="49" charset="0"/>
+                          <a:cs typeface="Courier New" panose="02070309020205020404" pitchFamily="49" charset="0"/>
+                        </a:rPr>
+                        <a:t>8.06e-7</a:t>
+                      </a:r>
+                    </a:p>
+                  </a:txBody>
+                  <a:tcPr/>
+                </a:tc>
+                <a:extLst>
+                  <a:ext uri="{0D108BD9-81ED-4DB2-BD59-A6C34878D82A}">
+                    <a16:rowId xmlns:a16="http://schemas.microsoft.com/office/drawing/2014/main" val="2777505709"/>
+                  </a:ext>
+                </a:extLst>
+              </a:tr>
+            </a:tbl>
+          </a:graphicData>
+        </a:graphic>
+      </p:graphicFrame>
+      <p:sp>
+        <p:nvSpPr>
+          <p:cNvPr id="5" name="TextBox 4">
+            <a:extLst>
+              <a:ext uri="{FF2B5EF4-FFF2-40B4-BE49-F238E27FC236}">
+                <a16:creationId xmlns:a16="http://schemas.microsoft.com/office/drawing/2014/main" id="{AFF0DF6F-BD87-434C-B476-10F74410C310}"/>
+              </a:ext>
+            </a:extLst>
+          </p:cNvPr>
+          <p:cNvSpPr txBox="1"/>
           <p:nvPr/>
-        </p:nvPicPr>
-        <p:blipFill>
-          <a:blip r:embed="rId2"/>
-          <a:stretch>
-            <a:fillRect/>
-          </a:stretch>
-        </p:blipFill>
+        </p:nvSpPr>
         <p:spPr>
           <a:xfrm>
-            <a:off x="546100" y="1876340"/>
-            <a:ext cx="5549900" cy="4711700"/>
+            <a:off x="2927889" y="5189056"/>
+            <a:ext cx="6682470" cy="1754326"/>
           </a:xfrm>
           <a:prstGeom prst="rect">
             <a:avLst/>
           </a:prstGeom>
+          <a:noFill/>
         </p:spPr>
-      </p:pic>
+        <p:txBody>
+          <a:bodyPr wrap="none" rtlCol="0">
+            <a:spAutoFit/>
+          </a:bodyPr>
+          <a:lstStyle/>
+          <a:p>
+            <a:pPr marL="342900" indent="-342900">
+              <a:buAutoNum type="arabicParenBoth"/>
+            </a:pPr>
+            <a:r>
+              <a:rPr lang="en-US"/>
+              <a:t>Average of 5-fold cross-validation on subset (20%) of training data</a:t>
+            </a:r>
+          </a:p>
+          <a:p>
+            <a:pPr marL="342900" indent="-342900">
+              <a:buAutoNum type="arabicParenBoth"/>
+            </a:pPr>
+            <a:r>
+              <a:rPr lang="en-US"/>
+              <a:t>Did not converge</a:t>
+            </a:r>
+          </a:p>
+          <a:p>
+            <a:pPr marL="342900" indent="-342900">
+              <a:buAutoNum type="arabicParenBoth"/>
+            </a:pPr>
+            <a:r>
+              <a:rPr lang="en-US"/>
+              <a:t>n_estimators = 100, no limit on max depth, criterion = gini</a:t>
+            </a:r>
+          </a:p>
+          <a:p>
+            <a:pPr marL="342900" indent="-342900">
+              <a:buFontTx/>
+              <a:buAutoNum type="arabicParenBoth"/>
+            </a:pPr>
+            <a:r>
+              <a:rPr lang="en-US"/>
+              <a:t>n_estimators = 100, max_depth = 10, criterion = entropy</a:t>
+            </a:r>
+          </a:p>
+          <a:p>
+            <a:pPr marL="342900" indent="-342900">
+              <a:buAutoNum type="arabicParenBoth"/>
+            </a:pPr>
+            <a:endParaRPr lang="en-US"/>
+          </a:p>
+          <a:p>
+            <a:pPr marL="342900" indent="-342900">
+              <a:buAutoNum type="arabicParenBoth"/>
+            </a:pPr>
+            <a:endParaRPr lang="en-US"/>
+          </a:p>
+        </p:txBody>
+      </p:sp>
     </p:spTree>
     <p:extLst>
       <p:ext uri="{BB962C8B-B14F-4D97-AF65-F5344CB8AC3E}">
@@ -5416,7 +7883,7 @@
           <p:cNvPr id="2" name="Title 1">
             <a:extLst>
               <a:ext uri="{FF2B5EF4-FFF2-40B4-BE49-F238E27FC236}">
-                <a16:creationId xmlns:a16="http://schemas.microsoft.com/office/drawing/2014/main" id="{1A63C039-AE5C-3841-B6F9-C9410B01591F}"/>
+                <a16:creationId xmlns:a16="http://schemas.microsoft.com/office/drawing/2014/main" id="{20F3B432-91FC-0042-80AA-F8DA114FD276}"/>
               </a:ext>
             </a:extLst>
           </p:cNvPr>
@@ -5429,8 +7896,8 @@
         </p:nvSpPr>
         <p:spPr>
           <a:xfrm>
-            <a:off x="2243493" y="581633"/>
-            <a:ext cx="7729728" cy="1188720"/>
+            <a:off x="2231136" y="501705"/>
+            <a:ext cx="7729728" cy="875682"/>
           </a:xfrm>
         </p:spPr>
         <p:txBody>
@@ -5439,236 +7906,145 @@
           <a:p>
             <a:r>
               <a:rPr lang="en-US"/>
-              <a:t>FEATURES – potential additional</a:t>
-            </a:r>
-          </a:p>
-        </p:txBody>
-      </p:sp>
-      <p:sp>
-        <p:nvSpPr>
-          <p:cNvPr id="3" name="Content Placeholder 2">
+              <a:t>Final Model evaluation</a:t>
+            </a:r>
+          </a:p>
+        </p:txBody>
+      </p:sp>
+      <p:pic>
+        <p:nvPicPr>
+          <p:cNvPr id="4" name="Picture 3">
             <a:extLst>
               <a:ext uri="{FF2B5EF4-FFF2-40B4-BE49-F238E27FC236}">
-                <a16:creationId xmlns:a16="http://schemas.microsoft.com/office/drawing/2014/main" id="{CA683D1B-39FA-8147-A4DF-FA50DB03DEDD}"/>
+                <a16:creationId xmlns:a16="http://schemas.microsoft.com/office/drawing/2014/main" id="{4AD2803C-3889-984E-A36E-24A43FAFAC5A}"/>
               </a:ext>
             </a:extLst>
           </p:cNvPr>
-          <p:cNvSpPr>
-            <a:spLocks noGrp="1"/>
-          </p:cNvSpPr>
-          <p:nvPr>
-            <p:ph sz="half" idx="1"/>
-          </p:nvPr>
-        </p:nvSpPr>
+          <p:cNvPicPr>
+            <a:picLocks noChangeAspect="1"/>
+          </p:cNvPicPr>
+          <p:nvPr/>
+        </p:nvPicPr>
+        <p:blipFill>
+          <a:blip r:embed="rId2"/>
+          <a:stretch>
+            <a:fillRect/>
+          </a:stretch>
+        </p:blipFill>
         <p:spPr>
           <a:xfrm>
-            <a:off x="1581912" y="2075935"/>
-            <a:ext cx="4271771" cy="3991233"/>
+            <a:off x="949203" y="2329005"/>
+            <a:ext cx="4912893" cy="3643533"/>
           </a:xfrm>
+          <a:prstGeom prst="rect">
+            <a:avLst/>
+          </a:prstGeom>
         </p:spPr>
-        <p:txBody>
-          <a:bodyPr>
-            <a:normAutofit lnSpcReduction="10000"/>
-          </a:bodyPr>
-          <a:lstStyle/>
-          <a:p>
-            <a:r>
-              <a:rPr lang="en-US"/>
-              <a:t>Additional URL-based features</a:t>
-            </a:r>
-          </a:p>
-          <a:p>
-            <a:pPr lvl="1"/>
-            <a:r>
-              <a:rPr lang="en-US"/>
-              <a:t>Levenstein distance from English (other language?) word</a:t>
-            </a:r>
-          </a:p>
-          <a:p>
-            <a:pPr lvl="1"/>
-            <a:r>
-              <a:rPr lang="en-US"/>
-              <a:t>Expand shortened URLs</a:t>
-            </a:r>
-          </a:p>
-          <a:p>
-            <a:pPr lvl="1"/>
-            <a:r>
-              <a:rPr lang="en-US"/>
-              <a:t>Own ‘suspicious’ list</a:t>
-            </a:r>
-          </a:p>
-          <a:p>
-            <a:r>
-              <a:rPr lang="en-US"/>
-              <a:t>Web page</a:t>
-            </a:r>
-          </a:p>
-          <a:p>
-            <a:pPr lvl="1"/>
-            <a:r>
-              <a:rPr lang="en-US"/>
-              <a:t>Title (NLP)</a:t>
-            </a:r>
-          </a:p>
-          <a:p>
-            <a:pPr lvl="1"/>
-            <a:r>
-              <a:rPr lang="en-US"/>
-              <a:t>Size / length</a:t>
-            </a:r>
-          </a:p>
-          <a:p>
-            <a:pPr lvl="1"/>
-            <a:r>
-              <a:rPr lang="en-US"/>
-              <a:t># of redirects to load</a:t>
-            </a:r>
-          </a:p>
-          <a:p>
-            <a:pPr lvl="1"/>
-            <a:r>
-              <a:rPr lang="en-US"/>
-              <a:t>DOM properties</a:t>
-            </a:r>
-          </a:p>
-          <a:p>
-            <a:pPr lvl="1"/>
-            <a:r>
-              <a:rPr lang="en-US"/>
-              <a:t>Page Rank / keyword analysis</a:t>
-            </a:r>
-          </a:p>
-          <a:p>
-            <a:pPr lvl="1"/>
-            <a:endParaRPr lang="en-US"/>
-          </a:p>
-        </p:txBody>
-      </p:sp>
-      <p:sp>
-        <p:nvSpPr>
-          <p:cNvPr id="4" name="Content Placeholder 3">
+      </p:pic>
+      <p:pic>
+        <p:nvPicPr>
+          <p:cNvPr id="5" name="Picture 4">
             <a:extLst>
               <a:ext uri="{FF2B5EF4-FFF2-40B4-BE49-F238E27FC236}">
-                <a16:creationId xmlns:a16="http://schemas.microsoft.com/office/drawing/2014/main" id="{0A158B60-DC8A-B24F-BDFA-084B8F392D5C}"/>
+                <a16:creationId xmlns:a16="http://schemas.microsoft.com/office/drawing/2014/main" id="{2B58AB24-F64E-B94C-8013-848E657FECB2}"/>
               </a:ext>
             </a:extLst>
           </p:cNvPr>
-          <p:cNvSpPr>
-            <a:spLocks noGrp="1"/>
-          </p:cNvSpPr>
-          <p:nvPr>
-            <p:ph sz="half" idx="2"/>
-          </p:nvPr>
-        </p:nvSpPr>
+          <p:cNvPicPr>
+            <a:picLocks noChangeAspect="1"/>
+          </p:cNvPicPr>
+          <p:nvPr/>
+        </p:nvPicPr>
+        <p:blipFill>
+          <a:blip r:embed="rId3"/>
+          <a:stretch>
+            <a:fillRect/>
+          </a:stretch>
+        </p:blipFill>
         <p:spPr>
           <a:xfrm>
-            <a:off x="6313602" y="2075934"/>
-            <a:ext cx="4270247" cy="3991233"/>
+            <a:off x="6096000" y="2329004"/>
+            <a:ext cx="4998750" cy="3643533"/>
           </a:xfrm>
+          <a:prstGeom prst="rect">
+            <a:avLst/>
+          </a:prstGeom>
         </p:spPr>
-        <p:txBody>
-          <a:bodyPr>
-            <a:normAutofit lnSpcReduction="10000"/>
+      </p:pic>
+      <p:sp>
+        <p:nvSpPr>
+          <p:cNvPr id="6" name="TextBox 5">
+            <a:extLst>
+              <a:ext uri="{FF2B5EF4-FFF2-40B4-BE49-F238E27FC236}">
+                <a16:creationId xmlns:a16="http://schemas.microsoft.com/office/drawing/2014/main" id="{33004B51-27C5-224A-A85C-1F2D5987C8DC}"/>
+              </a:ext>
+            </a:extLst>
+          </p:cNvPr>
+          <p:cNvSpPr txBox="1"/>
+          <p:nvPr/>
+        </p:nvSpPr>
+        <p:spPr>
+          <a:xfrm>
+            <a:off x="2106592" y="1770927"/>
+            <a:ext cx="2620461" cy="369332"/>
+          </a:xfrm>
+          <a:prstGeom prst="rect">
+            <a:avLst/>
+          </a:prstGeom>
+          <a:noFill/>
+        </p:spPr>
+        <p:txBody>
+          <a:bodyPr wrap="none" rtlCol="0">
+            <a:spAutoFit/>
           </a:bodyPr>
           <a:lstStyle/>
           <a:p>
             <a:r>
-              <a:rPr lang="en-US"/>
-              <a:t>Domain</a:t>
-            </a:r>
-          </a:p>
-          <a:p>
-            <a:pPr lvl="1"/>
-            <a:r>
-              <a:rPr lang="en-US"/>
-              <a:t>Length of time registered</a:t>
-            </a:r>
-          </a:p>
-          <a:p>
-            <a:pPr lvl="1"/>
-            <a:r>
-              <a:rPr lang="en-US"/>
-              <a:t>Registrant name hidden</a:t>
-            </a:r>
-          </a:p>
-          <a:p>
-            <a:r>
-              <a:rPr lang="en-US"/>
-              <a:t>Graph/linkage analysis</a:t>
-            </a:r>
-          </a:p>
-          <a:p>
-            <a:pPr lvl="1"/>
-            <a:r>
-              <a:rPr lang="en-US"/>
-              <a:t>Linkage to / from</a:t>
-            </a:r>
-          </a:p>
-          <a:p>
-            <a:pPr lvl="1"/>
-            <a:r>
-              <a:rPr lang="en-US"/>
-              <a:t># search results for domain</a:t>
-            </a:r>
-          </a:p>
-          <a:p>
-            <a:pPr lvl="1"/>
-            <a:endParaRPr lang="en-US"/>
-          </a:p>
-          <a:p>
-            <a:pPr lvl="1"/>
-            <a:endParaRPr lang="en-US"/>
-          </a:p>
-          <a:p>
-            <a:r>
-              <a:rPr lang="en-US"/>
-              <a:t>RESOURCES:</a:t>
-            </a:r>
-          </a:p>
-          <a:p>
-            <a:pPr lvl="1"/>
-            <a:r>
-              <a:rPr lang="en-US"/>
-              <a:t>ICANN (</a:t>
-            </a:r>
-            <a:r>
-              <a:rPr lang="en-US">
-                <a:hlinkClick r:id="rId3"/>
-              </a:rPr>
-              <a:t>https://lookup.icann.org/lookup</a:t>
-            </a:r>
-            <a:r>
-              <a:rPr lang="en-US"/>
-              <a:t>)</a:t>
-            </a:r>
-          </a:p>
-          <a:p>
-            <a:pPr lvl="1"/>
-            <a:r>
-              <a:rPr lang="en-US"/>
-              <a:t>WHOIS (</a:t>
-            </a:r>
-            <a:r>
-              <a:rPr lang="en-US">
-                <a:hlinkClick r:id="rId4"/>
-              </a:rPr>
-              <a:t>https://www.whois.net/</a:t>
-            </a:r>
-            <a:r>
-              <a:rPr lang="en-US"/>
-              <a:t>)</a:t>
-            </a:r>
-          </a:p>
-          <a:p>
-            <a:endParaRPr lang="en-US"/>
+              <a:rPr lang="en-US" b="1"/>
+              <a:t>Precision-Recall Curve</a:t>
+            </a:r>
+          </a:p>
+        </p:txBody>
+      </p:sp>
+      <p:sp>
+        <p:nvSpPr>
+          <p:cNvPr id="7" name="TextBox 6">
+            <a:extLst>
+              <a:ext uri="{FF2B5EF4-FFF2-40B4-BE49-F238E27FC236}">
+                <a16:creationId xmlns:a16="http://schemas.microsoft.com/office/drawing/2014/main" id="{419ECF04-9BCA-D04B-8C2A-32C4A2864F4E}"/>
+              </a:ext>
+            </a:extLst>
+          </p:cNvPr>
+          <p:cNvSpPr txBox="1"/>
+          <p:nvPr/>
+        </p:nvSpPr>
+        <p:spPr>
+          <a:xfrm>
+            <a:off x="7162450" y="1770927"/>
+            <a:ext cx="2865849" cy="369332"/>
+          </a:xfrm>
+          <a:prstGeom prst="rect">
+            <a:avLst/>
+          </a:prstGeom>
+          <a:noFill/>
+        </p:spPr>
+        <p:txBody>
+          <a:bodyPr wrap="none" rtlCol="0">
+            <a:spAutoFit/>
+          </a:bodyPr>
+          <a:lstStyle/>
+          <a:p>
+            <a:r>
+              <a:rPr lang="en-US" b="1"/>
+              <a:t>Cost Function (example)</a:t>
+            </a:r>
           </a:p>
         </p:txBody>
       </p:sp>
     </p:spTree>
     <p:extLst>
       <p:ext uri="{BB962C8B-B14F-4D97-AF65-F5344CB8AC3E}">
-        <p14:creationId xmlns:p14="http://schemas.microsoft.com/office/powerpoint/2010/main" val="638821798"/>
+        <p14:creationId xmlns:p14="http://schemas.microsoft.com/office/powerpoint/2010/main" val="3742588891"/>
       </p:ext>
     </p:extLst>
   </p:cSld>

--- a/docs/Presentation.pptx
+++ b/docs/Presentation.pptx
@@ -5,7 +5,7 @@
     <p:sldMasterId id="2147483660" r:id="rId1"/>
   </p:sldMasterIdLst>
   <p:notesMasterIdLst>
-    <p:notesMasterId r:id="rId18"/>
+    <p:notesMasterId r:id="rId21"/>
   </p:notesMasterIdLst>
   <p:sldIdLst>
     <p:sldId id="256" r:id="rId2"/>
@@ -16,14 +16,17 @@
     <p:sldId id="263" r:id="rId7"/>
     <p:sldId id="260" r:id="rId8"/>
     <p:sldId id="266" r:id="rId9"/>
-    <p:sldId id="269" r:id="rId10"/>
-    <p:sldId id="271" r:id="rId11"/>
-    <p:sldId id="270" r:id="rId12"/>
-    <p:sldId id="261" r:id="rId13"/>
-    <p:sldId id="265" r:id="rId14"/>
-    <p:sldId id="264" r:id="rId15"/>
-    <p:sldId id="267" r:id="rId16"/>
-    <p:sldId id="268" r:id="rId17"/>
+    <p:sldId id="274" r:id="rId10"/>
+    <p:sldId id="269" r:id="rId11"/>
+    <p:sldId id="271" r:id="rId12"/>
+    <p:sldId id="272" r:id="rId13"/>
+    <p:sldId id="270" r:id="rId14"/>
+    <p:sldId id="261" r:id="rId15"/>
+    <p:sldId id="265" r:id="rId16"/>
+    <p:sldId id="264" r:id="rId17"/>
+    <p:sldId id="273" r:id="rId18"/>
+    <p:sldId id="267" r:id="rId19"/>
+    <p:sldId id="268" r:id="rId20"/>
   </p:sldIdLst>
   <p:sldSz cx="12192000" cy="6858000"/>
   <p:notesSz cx="6858000" cy="9144000"/>
@@ -130,6 +133,482 @@
 </p:presentation>
 </file>
 
+<file path=ppt/revisionInfo.xml><?xml version="1.0" encoding="utf-8"?>
+<p1510:revInfo xmlns:a="http://schemas.openxmlformats.org/drawingml/2006/main" xmlns:r="http://schemas.openxmlformats.org/officeDocument/2006/relationships" xmlns:p1510="http://schemas.microsoft.com/office/powerpoint/2015/10/main">
+  <p1510:revLst>
+    <p1510:client id="{2E07F154-E418-48D3-B9C3-C5A2B3AD439E}" v="45" dt="2019-12-12T19:58:44.445"/>
+  </p1510:revLst>
+</p1510:revInfo>
+</file>
+
+<file path=ppt/changesInfos/changesInfo1.xml><?xml version="1.0" encoding="utf-8"?>
+<pc:chgInfo xmlns:a="http://schemas.openxmlformats.org/drawingml/2006/main" xmlns:r="http://schemas.openxmlformats.org/officeDocument/2006/relationships" xmlns:ac="http://schemas.microsoft.com/office/drawing/2013/main/command" xmlns:pc="http://schemas.microsoft.com/office/powerpoint/2013/main/command">
+  <pc:docChgLst>
+    <pc:chgData name="Frederick, Kendra" userId="46b225b0-66c1-4c45-b146-80e8e800b3c0" providerId="ADAL" clId="{2E07F154-E418-48D3-B9C3-C5A2B3AD439E}"/>
+    <pc:docChg chg="undo custSel addSld modSld sldOrd">
+      <pc:chgData name="Frederick, Kendra" userId="46b225b0-66c1-4c45-b146-80e8e800b3c0" providerId="ADAL" clId="{2E07F154-E418-48D3-B9C3-C5A2B3AD439E}" dt="2019-12-12T19:58:44.444" v="578"/>
+      <pc:docMkLst>
+        <pc:docMk/>
+      </pc:docMkLst>
+      <pc:sldChg chg="modSp">
+        <pc:chgData name="Frederick, Kendra" userId="46b225b0-66c1-4c45-b146-80e8e800b3c0" providerId="ADAL" clId="{2E07F154-E418-48D3-B9C3-C5A2B3AD439E}" dt="2019-12-12T19:10:26.007" v="4" actId="14100"/>
+        <pc:sldMkLst>
+          <pc:docMk/>
+          <pc:sldMk cId="677750090" sldId="257"/>
+        </pc:sldMkLst>
+        <pc:spChg chg="mod">
+          <ac:chgData name="Frederick, Kendra" userId="46b225b0-66c1-4c45-b146-80e8e800b3c0" providerId="ADAL" clId="{2E07F154-E418-48D3-B9C3-C5A2B3AD439E}" dt="2019-12-12T19:10:26.007" v="4" actId="14100"/>
+          <ac:spMkLst>
+            <pc:docMk/>
+            <pc:sldMk cId="677750090" sldId="257"/>
+            <ac:spMk id="2" creationId="{8A8A262D-FB65-2646-8BFA-1DCAD9218EEE}"/>
+          </ac:spMkLst>
+        </pc:spChg>
+      </pc:sldChg>
+      <pc:sldChg chg="modSp">
+        <pc:chgData name="Frederick, Kendra" userId="46b225b0-66c1-4c45-b146-80e8e800b3c0" providerId="ADAL" clId="{2E07F154-E418-48D3-B9C3-C5A2B3AD439E}" dt="2019-12-12T19:11:36.549" v="13" actId="1076"/>
+        <pc:sldMkLst>
+          <pc:docMk/>
+          <pc:sldMk cId="1554287694" sldId="258"/>
+        </pc:sldMkLst>
+        <pc:spChg chg="mod">
+          <ac:chgData name="Frederick, Kendra" userId="46b225b0-66c1-4c45-b146-80e8e800b3c0" providerId="ADAL" clId="{2E07F154-E418-48D3-B9C3-C5A2B3AD439E}" dt="2019-12-12T19:11:31.854" v="12" actId="1076"/>
+          <ac:spMkLst>
+            <pc:docMk/>
+            <pc:sldMk cId="1554287694" sldId="258"/>
+            <ac:spMk id="2" creationId="{090FC1E9-5F20-2340-BA0C-2EECDF6F2206}"/>
+          </ac:spMkLst>
+        </pc:spChg>
+        <pc:spChg chg="mod">
+          <ac:chgData name="Frederick, Kendra" userId="46b225b0-66c1-4c45-b146-80e8e800b3c0" providerId="ADAL" clId="{2E07F154-E418-48D3-B9C3-C5A2B3AD439E}" dt="2019-12-12T19:11:36.549" v="13" actId="1076"/>
+          <ac:spMkLst>
+            <pc:docMk/>
+            <pc:sldMk cId="1554287694" sldId="258"/>
+            <ac:spMk id="3" creationId="{B4F9E1E4-8EF3-BC41-8968-F388CF124429}"/>
+          </ac:spMkLst>
+        </pc:spChg>
+      </pc:sldChg>
+      <pc:sldChg chg="modSp">
+        <pc:chgData name="Frederick, Kendra" userId="46b225b0-66c1-4c45-b146-80e8e800b3c0" providerId="ADAL" clId="{2E07F154-E418-48D3-B9C3-C5A2B3AD439E}" dt="2019-12-12T19:16:40.584" v="175" actId="20577"/>
+        <pc:sldMkLst>
+          <pc:docMk/>
+          <pc:sldMk cId="3864775188" sldId="259"/>
+        </pc:sldMkLst>
+        <pc:spChg chg="mod">
+          <ac:chgData name="Frederick, Kendra" userId="46b225b0-66c1-4c45-b146-80e8e800b3c0" providerId="ADAL" clId="{2E07F154-E418-48D3-B9C3-C5A2B3AD439E}" dt="2019-12-12T19:11:48.160" v="19" actId="1076"/>
+          <ac:spMkLst>
+            <pc:docMk/>
+            <pc:sldMk cId="3864775188" sldId="259"/>
+            <ac:spMk id="2" creationId="{62C91579-61BF-674D-99B4-168197967E9C}"/>
+          </ac:spMkLst>
+        </pc:spChg>
+        <pc:spChg chg="mod">
+          <ac:chgData name="Frederick, Kendra" userId="46b225b0-66c1-4c45-b146-80e8e800b3c0" providerId="ADAL" clId="{2E07F154-E418-48D3-B9C3-C5A2B3AD439E}" dt="2019-12-12T19:16:40.584" v="175" actId="20577"/>
+          <ac:spMkLst>
+            <pc:docMk/>
+            <pc:sldMk cId="3864775188" sldId="259"/>
+            <ac:spMk id="3" creationId="{73C1D7BC-A9D1-C344-B05F-41412E4F2470}"/>
+          </ac:spMkLst>
+        </pc:spChg>
+      </pc:sldChg>
+      <pc:sldChg chg="modSp">
+        <pc:chgData name="Frederick, Kendra" userId="46b225b0-66c1-4c45-b146-80e8e800b3c0" providerId="ADAL" clId="{2E07F154-E418-48D3-B9C3-C5A2B3AD439E}" dt="2019-12-12T19:19:18.594" v="207" actId="20577"/>
+        <pc:sldMkLst>
+          <pc:docMk/>
+          <pc:sldMk cId="1479351257" sldId="260"/>
+        </pc:sldMkLst>
+        <pc:spChg chg="mod">
+          <ac:chgData name="Frederick, Kendra" userId="46b225b0-66c1-4c45-b146-80e8e800b3c0" providerId="ADAL" clId="{2E07F154-E418-48D3-B9C3-C5A2B3AD439E}" dt="2019-12-12T19:19:01.091" v="195" actId="1076"/>
+          <ac:spMkLst>
+            <pc:docMk/>
+            <pc:sldMk cId="1479351257" sldId="260"/>
+            <ac:spMk id="2" creationId="{2ECA3613-7224-2447-BB0E-F9160943A7F1}"/>
+          </ac:spMkLst>
+        </pc:spChg>
+        <pc:spChg chg="mod">
+          <ac:chgData name="Frederick, Kendra" userId="46b225b0-66c1-4c45-b146-80e8e800b3c0" providerId="ADAL" clId="{2E07F154-E418-48D3-B9C3-C5A2B3AD439E}" dt="2019-12-12T19:19:18.594" v="207" actId="20577"/>
+          <ac:spMkLst>
+            <pc:docMk/>
+            <pc:sldMk cId="1479351257" sldId="260"/>
+            <ac:spMk id="5" creationId="{8906492E-6B27-6A48-8B5C-8BC58544B5E7}"/>
+          </ac:spMkLst>
+        </pc:spChg>
+      </pc:sldChg>
+      <pc:sldChg chg="modSp">
+        <pc:chgData name="Frederick, Kendra" userId="46b225b0-66c1-4c45-b146-80e8e800b3c0" providerId="ADAL" clId="{2E07F154-E418-48D3-B9C3-C5A2B3AD439E}" dt="2019-12-12T19:49:43.517" v="409" actId="1076"/>
+        <pc:sldMkLst>
+          <pc:docMk/>
+          <pc:sldMk cId="638821798" sldId="261"/>
+        </pc:sldMkLst>
+        <pc:spChg chg="mod">
+          <ac:chgData name="Frederick, Kendra" userId="46b225b0-66c1-4c45-b146-80e8e800b3c0" providerId="ADAL" clId="{2E07F154-E418-48D3-B9C3-C5A2B3AD439E}" dt="2019-12-12T19:49:43.517" v="409" actId="1076"/>
+          <ac:spMkLst>
+            <pc:docMk/>
+            <pc:sldMk cId="638821798" sldId="261"/>
+            <ac:spMk id="7" creationId="{9F5234E5-66CA-FB40-B3E1-A7E5351E4DC5}"/>
+          </ac:spMkLst>
+        </pc:spChg>
+      </pc:sldChg>
+      <pc:sldChg chg="modSp">
+        <pc:chgData name="Frederick, Kendra" userId="46b225b0-66c1-4c45-b146-80e8e800b3c0" providerId="ADAL" clId="{2E07F154-E418-48D3-B9C3-C5A2B3AD439E}" dt="2019-12-12T19:17:47.571" v="183" actId="1076"/>
+        <pc:sldMkLst>
+          <pc:docMk/>
+          <pc:sldMk cId="3206130458" sldId="262"/>
+        </pc:sldMkLst>
+        <pc:spChg chg="mod">
+          <ac:chgData name="Frederick, Kendra" userId="46b225b0-66c1-4c45-b146-80e8e800b3c0" providerId="ADAL" clId="{2E07F154-E418-48D3-B9C3-C5A2B3AD439E}" dt="2019-12-12T19:17:47.571" v="183" actId="1076"/>
+          <ac:spMkLst>
+            <pc:docMk/>
+            <pc:sldMk cId="3206130458" sldId="262"/>
+            <ac:spMk id="2" creationId="{1327E9F2-A4A1-B740-9B58-892A40E89083}"/>
+          </ac:spMkLst>
+        </pc:spChg>
+      </pc:sldChg>
+      <pc:sldChg chg="modSp">
+        <pc:chgData name="Frederick, Kendra" userId="46b225b0-66c1-4c45-b146-80e8e800b3c0" providerId="ADAL" clId="{2E07F154-E418-48D3-B9C3-C5A2B3AD439E}" dt="2019-12-12T19:18:22.851" v="189" actId="1076"/>
+        <pc:sldMkLst>
+          <pc:docMk/>
+          <pc:sldMk cId="456505107" sldId="263"/>
+        </pc:sldMkLst>
+        <pc:spChg chg="mod">
+          <ac:chgData name="Frederick, Kendra" userId="46b225b0-66c1-4c45-b146-80e8e800b3c0" providerId="ADAL" clId="{2E07F154-E418-48D3-B9C3-C5A2B3AD439E}" dt="2019-12-12T19:18:22.851" v="189" actId="1076"/>
+          <ac:spMkLst>
+            <pc:docMk/>
+            <pc:sldMk cId="456505107" sldId="263"/>
+            <ac:spMk id="2" creationId="{6D0A3CDC-23D8-DB44-A25A-2B2EBE3ED23D}"/>
+          </ac:spMkLst>
+        </pc:spChg>
+      </pc:sldChg>
+      <pc:sldChg chg="modSp">
+        <pc:chgData name="Frederick, Kendra" userId="46b225b0-66c1-4c45-b146-80e8e800b3c0" providerId="ADAL" clId="{2E07F154-E418-48D3-B9C3-C5A2B3AD439E}" dt="2019-12-12T19:50:37.412" v="472" actId="20577"/>
+        <pc:sldMkLst>
+          <pc:docMk/>
+          <pc:sldMk cId="3225992162" sldId="264"/>
+        </pc:sldMkLst>
+        <pc:spChg chg="mod">
+          <ac:chgData name="Frederick, Kendra" userId="46b225b0-66c1-4c45-b146-80e8e800b3c0" providerId="ADAL" clId="{2E07F154-E418-48D3-B9C3-C5A2B3AD439E}" dt="2019-12-12T19:50:37.412" v="472" actId="20577"/>
+          <ac:spMkLst>
+            <pc:docMk/>
+            <pc:sldMk cId="3225992162" sldId="264"/>
+            <ac:spMk id="2" creationId="{86631A11-A0E3-B141-A734-A45BB526CC3B}"/>
+          </ac:spMkLst>
+        </pc:spChg>
+      </pc:sldChg>
+      <pc:sldChg chg="addSp modSp">
+        <pc:chgData name="Frederick, Kendra" userId="46b225b0-66c1-4c45-b146-80e8e800b3c0" providerId="ADAL" clId="{2E07F154-E418-48D3-B9C3-C5A2B3AD439E}" dt="2019-12-12T19:50:21.309" v="467" actId="20577"/>
+        <pc:sldMkLst>
+          <pc:docMk/>
+          <pc:sldMk cId="4077622182" sldId="265"/>
+        </pc:sldMkLst>
+        <pc:spChg chg="mod">
+          <ac:chgData name="Frederick, Kendra" userId="46b225b0-66c1-4c45-b146-80e8e800b3c0" providerId="ADAL" clId="{2E07F154-E418-48D3-B9C3-C5A2B3AD439E}" dt="2019-12-12T19:49:52.171" v="413" actId="1076"/>
+          <ac:spMkLst>
+            <pc:docMk/>
+            <pc:sldMk cId="4077622182" sldId="265"/>
+            <ac:spMk id="2" creationId="{8E5DDE81-5CA0-CB47-88AB-2ECA9B61D10C}"/>
+          </ac:spMkLst>
+        </pc:spChg>
+        <pc:spChg chg="add mod">
+          <ac:chgData name="Frederick, Kendra" userId="46b225b0-66c1-4c45-b146-80e8e800b3c0" providerId="ADAL" clId="{2E07F154-E418-48D3-B9C3-C5A2B3AD439E}" dt="2019-12-12T19:50:21.309" v="467" actId="20577"/>
+          <ac:spMkLst>
+            <pc:docMk/>
+            <pc:sldMk cId="4077622182" sldId="265"/>
+            <ac:spMk id="3" creationId="{36195225-15CD-4504-816D-CA34A24304A1}"/>
+          </ac:spMkLst>
+        </pc:spChg>
+        <pc:picChg chg="mod">
+          <ac:chgData name="Frederick, Kendra" userId="46b225b0-66c1-4c45-b146-80e8e800b3c0" providerId="ADAL" clId="{2E07F154-E418-48D3-B9C3-C5A2B3AD439E}" dt="2019-12-12T19:50:00.421" v="415" actId="1076"/>
+          <ac:picMkLst>
+            <pc:docMk/>
+            <pc:sldMk cId="4077622182" sldId="265"/>
+            <ac:picMk id="5" creationId="{6EEAE6CF-C760-114D-88D0-53A0A09BB4EA}"/>
+          </ac:picMkLst>
+        </pc:picChg>
+      </pc:sldChg>
+      <pc:sldChg chg="modSp">
+        <pc:chgData name="Frederick, Kendra" userId="46b225b0-66c1-4c45-b146-80e8e800b3c0" providerId="ADAL" clId="{2E07F154-E418-48D3-B9C3-C5A2B3AD439E}" dt="2019-12-12T19:19:55.223" v="227" actId="1076"/>
+        <pc:sldMkLst>
+          <pc:docMk/>
+          <pc:sldMk cId="2616934015" sldId="266"/>
+        </pc:sldMkLst>
+        <pc:spChg chg="mod">
+          <ac:chgData name="Frederick, Kendra" userId="46b225b0-66c1-4c45-b146-80e8e800b3c0" providerId="ADAL" clId="{2E07F154-E418-48D3-B9C3-C5A2B3AD439E}" dt="2019-12-12T19:19:45.290" v="225" actId="1076"/>
+          <ac:spMkLst>
+            <pc:docMk/>
+            <pc:sldMk cId="2616934015" sldId="266"/>
+            <ac:spMk id="2" creationId="{DE9EA540-011A-3742-865C-C4DAE01C2A15}"/>
+          </ac:spMkLst>
+        </pc:spChg>
+        <pc:spChg chg="mod">
+          <ac:chgData name="Frederick, Kendra" userId="46b225b0-66c1-4c45-b146-80e8e800b3c0" providerId="ADAL" clId="{2E07F154-E418-48D3-B9C3-C5A2B3AD439E}" dt="2019-12-12T19:19:55.223" v="227" actId="1076"/>
+          <ac:spMkLst>
+            <pc:docMk/>
+            <pc:sldMk cId="2616934015" sldId="266"/>
+            <ac:spMk id="5" creationId="{AFF0DF6F-BD87-434C-B476-10F74410C310}"/>
+          </ac:spMkLst>
+        </pc:spChg>
+        <pc:graphicFrameChg chg="mod">
+          <ac:chgData name="Frederick, Kendra" userId="46b225b0-66c1-4c45-b146-80e8e800b3c0" providerId="ADAL" clId="{2E07F154-E418-48D3-B9C3-C5A2B3AD439E}" dt="2019-12-12T19:19:52.959" v="226" actId="1076"/>
+          <ac:graphicFrameMkLst>
+            <pc:docMk/>
+            <pc:sldMk cId="2616934015" sldId="266"/>
+            <ac:graphicFrameMk id="4" creationId="{EF9A2478-065D-0A40-9B7C-5D644BFABE6B}"/>
+          </ac:graphicFrameMkLst>
+        </pc:graphicFrameChg>
+      </pc:sldChg>
+      <pc:sldChg chg="addSp modSp">
+        <pc:chgData name="Frederick, Kendra" userId="46b225b0-66c1-4c45-b146-80e8e800b3c0" providerId="ADAL" clId="{2E07F154-E418-48D3-B9C3-C5A2B3AD439E}" dt="2019-12-12T19:51:29.515" v="521" actId="20577"/>
+        <pc:sldMkLst>
+          <pc:docMk/>
+          <pc:sldMk cId="2974474177" sldId="267"/>
+        </pc:sldMkLst>
+        <pc:spChg chg="add mod">
+          <ac:chgData name="Frederick, Kendra" userId="46b225b0-66c1-4c45-b146-80e8e800b3c0" providerId="ADAL" clId="{2E07F154-E418-48D3-B9C3-C5A2B3AD439E}" dt="2019-12-12T19:51:29.515" v="521" actId="20577"/>
+          <ac:spMkLst>
+            <pc:docMk/>
+            <pc:sldMk cId="2974474177" sldId="267"/>
+            <ac:spMk id="3" creationId="{EEAA9D4C-D850-4EC6-A063-E40212C85C98}"/>
+          </ac:spMkLst>
+        </pc:spChg>
+      </pc:sldChg>
+      <pc:sldChg chg="addSp modSp">
+        <pc:chgData name="Frederick, Kendra" userId="46b225b0-66c1-4c45-b146-80e8e800b3c0" providerId="ADAL" clId="{2E07F154-E418-48D3-B9C3-C5A2B3AD439E}" dt="2019-12-12T19:51:45.442" v="546" actId="1076"/>
+        <pc:sldMkLst>
+          <pc:docMk/>
+          <pc:sldMk cId="1217331592" sldId="268"/>
+        </pc:sldMkLst>
+        <pc:spChg chg="add mod">
+          <ac:chgData name="Frederick, Kendra" userId="46b225b0-66c1-4c45-b146-80e8e800b3c0" providerId="ADAL" clId="{2E07F154-E418-48D3-B9C3-C5A2B3AD439E}" dt="2019-12-12T19:51:45.442" v="546" actId="1076"/>
+          <ac:spMkLst>
+            <pc:docMk/>
+            <pc:sldMk cId="1217331592" sldId="268"/>
+            <ac:spMk id="4" creationId="{027C6303-5225-4EC2-BB0B-E9A4C08CE967}"/>
+          </ac:spMkLst>
+        </pc:spChg>
+      </pc:sldChg>
+      <pc:sldChg chg="addSp modSp modAnim">
+        <pc:chgData name="Frederick, Kendra" userId="46b225b0-66c1-4c45-b146-80e8e800b3c0" providerId="ADAL" clId="{2E07F154-E418-48D3-B9C3-C5A2B3AD439E}" dt="2019-12-12T19:39:34.573" v="300" actId="1076"/>
+        <pc:sldMkLst>
+          <pc:docMk/>
+          <pc:sldMk cId="3742588891" sldId="269"/>
+        </pc:sldMkLst>
+        <pc:spChg chg="mod">
+          <ac:chgData name="Frederick, Kendra" userId="46b225b0-66c1-4c45-b146-80e8e800b3c0" providerId="ADAL" clId="{2E07F154-E418-48D3-B9C3-C5A2B3AD439E}" dt="2019-12-12T19:38:08.503" v="282" actId="14100"/>
+          <ac:spMkLst>
+            <pc:docMk/>
+            <pc:sldMk cId="3742588891" sldId="269"/>
+            <ac:spMk id="2" creationId="{20F3B432-91FC-0042-80AA-F8DA114FD276}"/>
+          </ac:spMkLst>
+        </pc:spChg>
+        <pc:spChg chg="add mod">
+          <ac:chgData name="Frederick, Kendra" userId="46b225b0-66c1-4c45-b146-80e8e800b3c0" providerId="ADAL" clId="{2E07F154-E418-48D3-B9C3-C5A2B3AD439E}" dt="2019-12-12T19:37:59.373" v="278" actId="1037"/>
+          <ac:spMkLst>
+            <pc:docMk/>
+            <pc:sldMk cId="3742588891" sldId="269"/>
+            <ac:spMk id="9" creationId="{B1E03ED9-7343-4299-949E-3787B69E188A}"/>
+          </ac:spMkLst>
+        </pc:spChg>
+        <pc:spChg chg="add mod">
+          <ac:chgData name="Frederick, Kendra" userId="46b225b0-66c1-4c45-b146-80e8e800b3c0" providerId="ADAL" clId="{2E07F154-E418-48D3-B9C3-C5A2B3AD439E}" dt="2019-12-12T19:39:34.573" v="300" actId="1076"/>
+          <ac:spMkLst>
+            <pc:docMk/>
+            <pc:sldMk cId="3742588891" sldId="269"/>
+            <ac:spMk id="14" creationId="{9D3F5DA9-3C32-4971-99A2-D697CBCEBA98}"/>
+          </ac:spMkLst>
+        </pc:spChg>
+        <pc:cxnChg chg="add mod">
+          <ac:chgData name="Frederick, Kendra" userId="46b225b0-66c1-4c45-b146-80e8e800b3c0" providerId="ADAL" clId="{2E07F154-E418-48D3-B9C3-C5A2B3AD439E}" dt="2019-12-12T19:37:51.965" v="270" actId="1038"/>
+          <ac:cxnSpMkLst>
+            <pc:docMk/>
+            <pc:sldMk cId="3742588891" sldId="269"/>
+            <ac:cxnSpMk id="8" creationId="{FFDE9F7A-E505-4DFA-ADAB-B9A87C1841F8}"/>
+          </ac:cxnSpMkLst>
+        </pc:cxnChg>
+      </pc:sldChg>
+      <pc:sldChg chg="modSp">
+        <pc:chgData name="Frederick, Kendra" userId="46b225b0-66c1-4c45-b146-80e8e800b3c0" providerId="ADAL" clId="{2E07F154-E418-48D3-B9C3-C5A2B3AD439E}" dt="2019-12-12T19:49:24.459" v="406" actId="20577"/>
+        <pc:sldMkLst>
+          <pc:docMk/>
+          <pc:sldMk cId="393610802" sldId="270"/>
+        </pc:sldMkLst>
+        <pc:spChg chg="mod">
+          <ac:chgData name="Frederick, Kendra" userId="46b225b0-66c1-4c45-b146-80e8e800b3c0" providerId="ADAL" clId="{2E07F154-E418-48D3-B9C3-C5A2B3AD439E}" dt="2019-12-12T19:49:24.459" v="406" actId="20577"/>
+          <ac:spMkLst>
+            <pc:docMk/>
+            <pc:sldMk cId="393610802" sldId="270"/>
+            <ac:spMk id="3" creationId="{43B626B8-0930-FD44-B7C4-848F2D2227B0}"/>
+          </ac:spMkLst>
+        </pc:spChg>
+        <pc:spChg chg="mod">
+          <ac:chgData name="Frederick, Kendra" userId="46b225b0-66c1-4c45-b146-80e8e800b3c0" providerId="ADAL" clId="{2E07F154-E418-48D3-B9C3-C5A2B3AD439E}" dt="2019-12-12T19:49:15.859" v="401" actId="1076"/>
+          <ac:spMkLst>
+            <pc:docMk/>
+            <pc:sldMk cId="393610802" sldId="270"/>
+            <ac:spMk id="4" creationId="{98B9FD84-B092-4641-9A99-825B6EAA275B}"/>
+          </ac:spMkLst>
+        </pc:spChg>
+      </pc:sldChg>
+      <pc:sldChg chg="addSp modSp modAnim">
+        <pc:chgData name="Frederick, Kendra" userId="46b225b0-66c1-4c45-b146-80e8e800b3c0" providerId="ADAL" clId="{2E07F154-E418-48D3-B9C3-C5A2B3AD439E}" dt="2019-12-12T19:38:57.151" v="298" actId="207"/>
+        <pc:sldMkLst>
+          <pc:docMk/>
+          <pc:sldMk cId="1341364427" sldId="271"/>
+        </pc:sldMkLst>
+        <pc:spChg chg="mod">
+          <ac:chgData name="Frederick, Kendra" userId="46b225b0-66c1-4c45-b146-80e8e800b3c0" providerId="ADAL" clId="{2E07F154-E418-48D3-B9C3-C5A2B3AD439E}" dt="2019-12-12T19:38:18.809" v="285" actId="14100"/>
+          <ac:spMkLst>
+            <pc:docMk/>
+            <pc:sldMk cId="1341364427" sldId="271"/>
+            <ac:spMk id="2" creationId="{8474903E-F545-4345-A2FB-BE02E9312EBB}"/>
+          </ac:spMkLst>
+        </pc:spChg>
+        <pc:spChg chg="add mod">
+          <ac:chgData name="Frederick, Kendra" userId="46b225b0-66c1-4c45-b146-80e8e800b3c0" providerId="ADAL" clId="{2E07F154-E418-48D3-B9C3-C5A2B3AD439E}" dt="2019-12-12T19:38:57.151" v="298" actId="207"/>
+          <ac:spMkLst>
+            <pc:docMk/>
+            <pc:sldMk cId="1341364427" sldId="271"/>
+            <ac:spMk id="12" creationId="{7526FCEF-F772-4807-80FD-3E9E5A79CF46}"/>
+          </ac:spMkLst>
+        </pc:spChg>
+      </pc:sldChg>
+      <pc:sldChg chg="addSp delSp modSp add modNotesTx">
+        <pc:chgData name="Frederick, Kendra" userId="46b225b0-66c1-4c45-b146-80e8e800b3c0" providerId="ADAL" clId="{2E07F154-E418-48D3-B9C3-C5A2B3AD439E}" dt="2019-12-12T19:54:50.589" v="568" actId="1076"/>
+        <pc:sldMkLst>
+          <pc:docMk/>
+          <pc:sldMk cId="1216451595" sldId="272"/>
+        </pc:sldMkLst>
+        <pc:spChg chg="del">
+          <ac:chgData name="Frederick, Kendra" userId="46b225b0-66c1-4c45-b146-80e8e800b3c0" providerId="ADAL" clId="{2E07F154-E418-48D3-B9C3-C5A2B3AD439E}" dt="2019-12-12T19:44:16.196" v="302" actId="478"/>
+          <ac:spMkLst>
+            <pc:docMk/>
+            <pc:sldMk cId="1216451595" sldId="272"/>
+            <ac:spMk id="2" creationId="{72C04FA7-D00B-4565-9660-2F245885C78A}"/>
+          </ac:spMkLst>
+        </pc:spChg>
+        <pc:spChg chg="del">
+          <ac:chgData name="Frederick, Kendra" userId="46b225b0-66c1-4c45-b146-80e8e800b3c0" providerId="ADAL" clId="{2E07F154-E418-48D3-B9C3-C5A2B3AD439E}" dt="2019-12-12T19:44:23.870" v="306"/>
+          <ac:spMkLst>
+            <pc:docMk/>
+            <pc:sldMk cId="1216451595" sldId="272"/>
+            <ac:spMk id="3" creationId="{F424771E-0CA0-4109-B708-90311943A27D}"/>
+          </ac:spMkLst>
+        </pc:spChg>
+        <pc:spChg chg="del">
+          <ac:chgData name="Frederick, Kendra" userId="46b225b0-66c1-4c45-b146-80e8e800b3c0" providerId="ADAL" clId="{2E07F154-E418-48D3-B9C3-C5A2B3AD439E}" dt="2019-12-12T19:44:23.870" v="306"/>
+          <ac:spMkLst>
+            <pc:docMk/>
+            <pc:sldMk cId="1216451595" sldId="272"/>
+            <ac:spMk id="4" creationId="{29680FB5-1D11-470E-86DA-0EFC7E64B420}"/>
+          </ac:spMkLst>
+        </pc:spChg>
+        <pc:spChg chg="add mod">
+          <ac:chgData name="Frederick, Kendra" userId="46b225b0-66c1-4c45-b146-80e8e800b3c0" providerId="ADAL" clId="{2E07F154-E418-48D3-B9C3-C5A2B3AD439E}" dt="2019-12-12T19:44:43.044" v="330" actId="20577"/>
+          <ac:spMkLst>
+            <pc:docMk/>
+            <pc:sldMk cId="1216451595" sldId="272"/>
+            <ac:spMk id="5" creationId="{B32553F3-BEDA-4AA5-A4E2-831465E9023E}"/>
+          </ac:spMkLst>
+        </pc:spChg>
+        <pc:picChg chg="add del mod">
+          <ac:chgData name="Frederick, Kendra" userId="46b225b0-66c1-4c45-b146-80e8e800b3c0" providerId="ADAL" clId="{2E07F154-E418-48D3-B9C3-C5A2B3AD439E}" dt="2019-12-12T19:54:44.359" v="564" actId="478"/>
+          <ac:picMkLst>
+            <pc:docMk/>
+            <pc:sldMk cId="1216451595" sldId="272"/>
+            <ac:picMk id="1026" creationId="{322F43EA-BCFF-49C8-8F8C-D023C92A9344}"/>
+          </ac:picMkLst>
+        </pc:picChg>
+        <pc:picChg chg="add mod">
+          <ac:chgData name="Frederick, Kendra" userId="46b225b0-66c1-4c45-b146-80e8e800b3c0" providerId="ADAL" clId="{2E07F154-E418-48D3-B9C3-C5A2B3AD439E}" dt="2019-12-12T19:54:50.589" v="568" actId="1076"/>
+          <ac:picMkLst>
+            <pc:docMk/>
+            <pc:sldMk cId="1216451595" sldId="272"/>
+            <ac:picMk id="1027" creationId="{B9087D19-6D6D-4A96-91AC-74BBAC3DD9AD}"/>
+          </ac:picMkLst>
+        </pc:picChg>
+      </pc:sldChg>
+      <pc:sldChg chg="addSp delSp modSp add setBg">
+        <pc:chgData name="Frederick, Kendra" userId="46b225b0-66c1-4c45-b146-80e8e800b3c0" providerId="ADAL" clId="{2E07F154-E418-48D3-B9C3-C5A2B3AD439E}" dt="2019-12-12T19:51:11.404" v="487" actId="478"/>
+        <pc:sldMkLst>
+          <pc:docMk/>
+          <pc:sldMk cId="2805601405" sldId="273"/>
+        </pc:sldMkLst>
+        <pc:spChg chg="del">
+          <ac:chgData name="Frederick, Kendra" userId="46b225b0-66c1-4c45-b146-80e8e800b3c0" providerId="ADAL" clId="{2E07F154-E418-48D3-B9C3-C5A2B3AD439E}" dt="2019-12-12T19:50:44.595" v="473"/>
+          <ac:spMkLst>
+            <pc:docMk/>
+            <pc:sldMk cId="2805601405" sldId="273"/>
+            <ac:spMk id="2" creationId="{ECF57FC3-7995-410E-8982-5298C725A146}"/>
+          </ac:spMkLst>
+        </pc:spChg>
+        <pc:spChg chg="del">
+          <ac:chgData name="Frederick, Kendra" userId="46b225b0-66c1-4c45-b146-80e8e800b3c0" providerId="ADAL" clId="{2E07F154-E418-48D3-B9C3-C5A2B3AD439E}" dt="2019-12-12T19:50:44.595" v="473"/>
+          <ac:spMkLst>
+            <pc:docMk/>
+            <pc:sldMk cId="2805601405" sldId="273"/>
+            <ac:spMk id="3" creationId="{7D7E728A-B747-462F-BA8E-4AB9D9F63048}"/>
+          </ac:spMkLst>
+        </pc:spChg>
+        <pc:spChg chg="add mod">
+          <ac:chgData name="Frederick, Kendra" userId="46b225b0-66c1-4c45-b146-80e8e800b3c0" providerId="ADAL" clId="{2E07F154-E418-48D3-B9C3-C5A2B3AD439E}" dt="2019-12-12T19:51:07.132" v="486" actId="20577"/>
+          <ac:spMkLst>
+            <pc:docMk/>
+            <pc:sldMk cId="2805601405" sldId="273"/>
+            <ac:spMk id="4" creationId="{5C0CD122-E347-4361-AE07-E7011642E845}"/>
+          </ac:spMkLst>
+        </pc:spChg>
+        <pc:spChg chg="add del mod">
+          <ac:chgData name="Frederick, Kendra" userId="46b225b0-66c1-4c45-b146-80e8e800b3c0" providerId="ADAL" clId="{2E07F154-E418-48D3-B9C3-C5A2B3AD439E}" dt="2019-12-12T19:51:11.404" v="487" actId="478"/>
+          <ac:spMkLst>
+            <pc:docMk/>
+            <pc:sldMk cId="2805601405" sldId="273"/>
+            <ac:spMk id="5" creationId="{3A342AC3-C609-4A20-9776-324A4F41F169}"/>
+          </ac:spMkLst>
+        </pc:spChg>
+      </pc:sldChg>
+      <pc:sldChg chg="addSp delSp modSp add ord">
+        <pc:chgData name="Frederick, Kendra" userId="46b225b0-66c1-4c45-b146-80e8e800b3c0" providerId="ADAL" clId="{2E07F154-E418-48D3-B9C3-C5A2B3AD439E}" dt="2019-12-12T19:58:44.444" v="578"/>
+        <pc:sldMkLst>
+          <pc:docMk/>
+          <pc:sldMk cId="237996111" sldId="274"/>
+        </pc:sldMkLst>
+        <pc:spChg chg="mod">
+          <ac:chgData name="Frederick, Kendra" userId="46b225b0-66c1-4c45-b146-80e8e800b3c0" providerId="ADAL" clId="{2E07F154-E418-48D3-B9C3-C5A2B3AD439E}" dt="2019-12-12T19:58:37.176" v="576" actId="1076"/>
+          <ac:spMkLst>
+            <pc:docMk/>
+            <pc:sldMk cId="237996111" sldId="274"/>
+            <ac:spMk id="2" creationId="{4AACECB1-D033-4E4B-9751-7F74CDB85CE2}"/>
+          </ac:spMkLst>
+        </pc:spChg>
+        <pc:spChg chg="del">
+          <ac:chgData name="Frederick, Kendra" userId="46b225b0-66c1-4c45-b146-80e8e800b3c0" providerId="ADAL" clId="{2E07F154-E418-48D3-B9C3-C5A2B3AD439E}" dt="2019-12-12T19:52:12.219" v="563"/>
+          <ac:spMkLst>
+            <pc:docMk/>
+            <pc:sldMk cId="237996111" sldId="274"/>
+            <ac:spMk id="3" creationId="{C02BBFEA-55DC-42CF-BA0A-DF1CDE500936}"/>
+          </ac:spMkLst>
+        </pc:spChg>
+        <pc:spChg chg="del">
+          <ac:chgData name="Frederick, Kendra" userId="46b225b0-66c1-4c45-b146-80e8e800b3c0" providerId="ADAL" clId="{2E07F154-E418-48D3-B9C3-C5A2B3AD439E}" dt="2019-12-12T19:52:12.219" v="563"/>
+          <ac:spMkLst>
+            <pc:docMk/>
+            <pc:sldMk cId="237996111" sldId="274"/>
+            <ac:spMk id="4" creationId="{F6D0AF42-1391-472B-BA13-EDC2D6A23AA6}"/>
+          </ac:spMkLst>
+        </pc:spChg>
+        <pc:picChg chg="add mod">
+          <ac:chgData name="Frederick, Kendra" userId="46b225b0-66c1-4c45-b146-80e8e800b3c0" providerId="ADAL" clId="{2E07F154-E418-48D3-B9C3-C5A2B3AD439E}" dt="2019-12-12T19:58:13.052" v="570" actId="1076"/>
+          <ac:picMkLst>
+            <pc:docMk/>
+            <pc:sldMk cId="237996111" sldId="274"/>
+            <ac:picMk id="2050" creationId="{31AAF0CE-4883-4015-9C37-D59A97FFCEC5}"/>
+          </ac:picMkLst>
+        </pc:picChg>
+      </pc:sldChg>
+    </pc:docChg>
+  </pc:docChgLst>
+</pc:chgInfo>
+</file>
+
 <file path=ppt/notesMasters/notesMaster1.xml><?xml version="1.0" encoding="utf-8"?>
 <p:notesMaster xmlns:a="http://schemas.openxmlformats.org/drawingml/2006/main" xmlns:r="http://schemas.openxmlformats.org/officeDocument/2006/relationships" xmlns:p="http://schemas.openxmlformats.org/presentationml/2006/main">
   <p:cSld>
@@ -211,7 +690,7 @@
           </a:lstStyle>
           <a:p>
             <a:fld id="{8720514E-8D2F-1C4D-8E27-1D1EA480D016}" type="datetimeFigureOut">
-              <a:t>12/10/19</a:t>
+              <a:t>12/12/2019</a:t>
             </a:fld>
             <a:endParaRPr lang="en-US"/>
           </a:p>
@@ -819,6 +1298,93 @@
           <a:lstStyle/>
           <a:p>
             <a:r>
+              <a:rPr lang="en-US" dirty="0"/>
+              <a:t>As none are categorical, we can trust these FI’s.</a:t>
+            </a:r>
+          </a:p>
+        </p:txBody>
+      </p:sp>
+      <p:sp>
+        <p:nvSpPr>
+          <p:cNvPr id="4" name="Slide Number Placeholder 3"/>
+          <p:cNvSpPr>
+            <a:spLocks noGrp="1"/>
+          </p:cNvSpPr>
+          <p:nvPr>
+            <p:ph type="sldNum" sz="quarter" idx="5"/>
+          </p:nvPr>
+        </p:nvSpPr>
+        <p:spPr/>
+        <p:txBody>
+          <a:bodyPr/>
+          <a:lstStyle/>
+          <a:p>
+            <a:fld id="{0108ECC4-B911-874A-9B65-750057DA25D0}" type="slidenum">
+              <a:rPr lang="en-US" smtClean="0"/>
+              <a:t>12</a:t>
+            </a:fld>
+            <a:endParaRPr lang="en-US"/>
+          </a:p>
+        </p:txBody>
+      </p:sp>
+    </p:spTree>
+    <p:extLst>
+      <p:ext uri="{BB962C8B-B14F-4D97-AF65-F5344CB8AC3E}">
+        <p14:creationId xmlns:p14="http://schemas.microsoft.com/office/powerpoint/2010/main" val="3124326945"/>
+      </p:ext>
+    </p:extLst>
+  </p:cSld>
+  <p:clrMapOvr>
+    <a:masterClrMapping/>
+  </p:clrMapOvr>
+</p:notes>
+</file>
+
+<file path=ppt/notesSlides/notesSlide4.xml><?xml version="1.0" encoding="utf-8"?>
+<p:notes xmlns:a="http://schemas.openxmlformats.org/drawingml/2006/main" xmlns:r="http://schemas.openxmlformats.org/officeDocument/2006/relationships" xmlns:p="http://schemas.openxmlformats.org/presentationml/2006/main">
+  <p:cSld>
+    <p:spTree>
+      <p:nvGrpSpPr>
+        <p:cNvPr id="1" name=""/>
+        <p:cNvGrpSpPr/>
+        <p:nvPr/>
+      </p:nvGrpSpPr>
+      <p:grpSpPr>
+        <a:xfrm>
+          <a:off x="0" y="0"/>
+          <a:ext cx="0" cy="0"/>
+          <a:chOff x="0" y="0"/>
+          <a:chExt cx="0" cy="0"/>
+        </a:xfrm>
+      </p:grpSpPr>
+      <p:sp>
+        <p:nvSpPr>
+          <p:cNvPr id="2" name="Slide Image Placeholder 1"/>
+          <p:cNvSpPr>
+            <a:spLocks noGrp="1" noRot="1" noChangeAspect="1"/>
+          </p:cNvSpPr>
+          <p:nvPr>
+            <p:ph type="sldImg"/>
+          </p:nvPr>
+        </p:nvSpPr>
+        <p:spPr/>
+      </p:sp>
+      <p:sp>
+        <p:nvSpPr>
+          <p:cNvPr id="3" name="Notes Placeholder 2"/>
+          <p:cNvSpPr>
+            <a:spLocks noGrp="1"/>
+          </p:cNvSpPr>
+          <p:nvPr>
+            <p:ph type="body" idx="1"/>
+          </p:nvPr>
+        </p:nvSpPr>
+        <p:spPr/>
+        <p:txBody>
+          <a:bodyPr/>
+          <a:lstStyle/>
+          <a:p>
+            <a:r>
               <a:rPr lang="en-US"/>
               <a:t>Page Rank: / # search results for domain / Alexa Rank</a:t>
             </a:r>
@@ -841,7 +1407,7 @@
           <a:lstStyle/>
           <a:p>
             <a:fld id="{0108ECC4-B911-874A-9B65-750057DA25D0}" type="slidenum">
-              <a:t>12</a:t>
+              <a:t>14</a:t>
             </a:fld>
             <a:endParaRPr lang="en-US"/>
           </a:p>
@@ -1012,7 +1578,7 @@
           <a:lstStyle/>
           <a:p>
             <a:fld id="{25AA2725-C980-9E41-8C67-2E94227B55D7}" type="datetimeFigureOut">
-              <a:t>12/10/19</a:t>
+              <a:t>12/12/2019</a:t>
             </a:fld>
             <a:endParaRPr lang="en-US"/>
           </a:p>
@@ -1178,7 +1744,7 @@
           <a:lstStyle/>
           <a:p>
             <a:fld id="{25AA2725-C980-9E41-8C67-2E94227B55D7}" type="datetimeFigureOut">
-              <a:t>12/10/19</a:t>
+              <a:t>12/12/2019</a:t>
             </a:fld>
             <a:endParaRPr lang="en-US"/>
           </a:p>
@@ -1354,7 +1920,7 @@
           <a:lstStyle/>
           <a:p>
             <a:fld id="{25AA2725-C980-9E41-8C67-2E94227B55D7}" type="datetimeFigureOut">
-              <a:t>12/10/19</a:t>
+              <a:t>12/12/2019</a:t>
             </a:fld>
             <a:endParaRPr lang="en-US"/>
           </a:p>
@@ -1520,7 +2086,7 @@
           <a:lstStyle/>
           <a:p>
             <a:fld id="{25AA2725-C980-9E41-8C67-2E94227B55D7}" type="datetimeFigureOut">
-              <a:t>12/10/19</a:t>
+              <a:t>12/12/2019</a:t>
             </a:fld>
             <a:endParaRPr lang="en-US"/>
           </a:p>
@@ -1777,7 +2343,7 @@
           <a:lstStyle/>
           <a:p>
             <a:fld id="{25AA2725-C980-9E41-8C67-2E94227B55D7}" type="datetimeFigureOut">
-              <a:t>12/10/19</a:t>
+              <a:t>12/12/2019</a:t>
             </a:fld>
             <a:endParaRPr lang="en-US"/>
           </a:p>
@@ -2004,7 +2570,7 @@
           <a:lstStyle/>
           <a:p>
             <a:fld id="{25AA2725-C980-9E41-8C67-2E94227B55D7}" type="datetimeFigureOut">
-              <a:t>12/10/19</a:t>
+              <a:t>12/12/2019</a:t>
             </a:fld>
             <a:endParaRPr lang="en-US"/>
           </a:p>
@@ -2359,7 +2925,7 @@
           <a:lstStyle/>
           <a:p>
             <a:fld id="{25AA2725-C980-9E41-8C67-2E94227B55D7}" type="datetimeFigureOut">
-              <a:t>12/10/19</a:t>
+              <a:t>12/12/2019</a:t>
             </a:fld>
             <a:endParaRPr lang="en-US"/>
           </a:p>
@@ -2496,7 +3062,7 @@
           <a:lstStyle/>
           <a:p>
             <a:fld id="{25AA2725-C980-9E41-8C67-2E94227B55D7}" type="datetimeFigureOut">
-              <a:t>12/10/19</a:t>
+              <a:t>12/12/2019</a:t>
             </a:fld>
             <a:endParaRPr lang="en-US"/>
           </a:p>
@@ -2589,7 +3155,7 @@
           <a:lstStyle/>
           <a:p>
             <a:fld id="{25AA2725-C980-9E41-8C67-2E94227B55D7}" type="datetimeFigureOut">
-              <a:t>12/10/19</a:t>
+              <a:t>12/12/2019</a:t>
             </a:fld>
             <a:endParaRPr lang="en-US"/>
           </a:p>
@@ -2942,7 +3508,7 @@
           <a:lstStyle/>
           <a:p>
             <a:fld id="{25AA2725-C980-9E41-8C67-2E94227B55D7}" type="datetimeFigureOut">
-              <a:t>12/10/19</a:t>
+              <a:t>12/12/2019</a:t>
             </a:fld>
             <a:endParaRPr lang="en-US"/>
           </a:p>
@@ -3295,7 +3861,7 @@
           </a:lstStyle>
           <a:p>
             <a:fld id="{25AA2725-C980-9E41-8C67-2E94227B55D7}" type="datetimeFigureOut">
-              <a:t>12/10/19</a:t>
+              <a:t>12/12/2019</a:t>
             </a:fld>
             <a:endParaRPr lang="en-US"/>
           </a:p>
@@ -3533,7 +4099,7 @@
           </a:lstStyle>
           <a:p>
             <a:fld id="{25AA2725-C980-9E41-8C67-2E94227B55D7}" type="datetimeFigureOut">
-              <a:t>12/10/19</a:t>
+              <a:t>12/12/2019</a:t>
             </a:fld>
             <a:endParaRPr lang="en-US"/>
           </a:p>
@@ -4084,6 +4650,430 @@
           <a:chExt cx="0" cy="0"/>
         </a:xfrm>
       </p:grpSpPr>
+      <p:sp>
+        <p:nvSpPr>
+          <p:cNvPr id="2" name="Title 1">
+            <a:extLst>
+              <a:ext uri="{FF2B5EF4-FFF2-40B4-BE49-F238E27FC236}">
+                <a16:creationId xmlns:a16="http://schemas.microsoft.com/office/drawing/2014/main" id="{20F3B432-91FC-0042-80AA-F8DA114FD276}"/>
+              </a:ext>
+            </a:extLst>
+          </p:cNvPr>
+          <p:cNvSpPr>
+            <a:spLocks noGrp="1"/>
+          </p:cNvSpPr>
+          <p:nvPr>
+            <p:ph type="title"/>
+          </p:nvPr>
+        </p:nvSpPr>
+        <p:spPr>
+          <a:xfrm>
+            <a:off x="2286000" y="457200"/>
+            <a:ext cx="7772400" cy="914400"/>
+          </a:xfrm>
+        </p:spPr>
+        <p:txBody>
+          <a:bodyPr/>
+          <a:lstStyle/>
+          <a:p>
+            <a:r>
+              <a:rPr lang="en-US"/>
+              <a:t>Final Model evaluation</a:t>
+            </a:r>
+          </a:p>
+        </p:txBody>
+      </p:sp>
+      <p:pic>
+        <p:nvPicPr>
+          <p:cNvPr id="4" name="Picture 3">
+            <a:extLst>
+              <a:ext uri="{FF2B5EF4-FFF2-40B4-BE49-F238E27FC236}">
+                <a16:creationId xmlns:a16="http://schemas.microsoft.com/office/drawing/2014/main" id="{4AD2803C-3889-984E-A36E-24A43FAFAC5A}"/>
+              </a:ext>
+            </a:extLst>
+          </p:cNvPr>
+          <p:cNvPicPr>
+            <a:picLocks noChangeAspect="1"/>
+          </p:cNvPicPr>
+          <p:nvPr/>
+        </p:nvPicPr>
+        <p:blipFill>
+          <a:blip r:embed="rId2"/>
+          <a:stretch>
+            <a:fillRect/>
+          </a:stretch>
+        </p:blipFill>
+        <p:spPr>
+          <a:xfrm>
+            <a:off x="949203" y="2329005"/>
+            <a:ext cx="4912893" cy="3643533"/>
+          </a:xfrm>
+          <a:prstGeom prst="rect">
+            <a:avLst/>
+          </a:prstGeom>
+        </p:spPr>
+      </p:pic>
+      <p:pic>
+        <p:nvPicPr>
+          <p:cNvPr id="5" name="Picture 4">
+            <a:extLst>
+              <a:ext uri="{FF2B5EF4-FFF2-40B4-BE49-F238E27FC236}">
+                <a16:creationId xmlns:a16="http://schemas.microsoft.com/office/drawing/2014/main" id="{2B58AB24-F64E-B94C-8013-848E657FECB2}"/>
+              </a:ext>
+            </a:extLst>
+          </p:cNvPr>
+          <p:cNvPicPr>
+            <a:picLocks noChangeAspect="1"/>
+          </p:cNvPicPr>
+          <p:nvPr/>
+        </p:nvPicPr>
+        <p:blipFill>
+          <a:blip r:embed="rId3"/>
+          <a:stretch>
+            <a:fillRect/>
+          </a:stretch>
+        </p:blipFill>
+        <p:spPr>
+          <a:xfrm>
+            <a:off x="6096000" y="2329004"/>
+            <a:ext cx="4998750" cy="3643533"/>
+          </a:xfrm>
+          <a:prstGeom prst="rect">
+            <a:avLst/>
+          </a:prstGeom>
+        </p:spPr>
+      </p:pic>
+      <p:sp>
+        <p:nvSpPr>
+          <p:cNvPr id="6" name="TextBox 5">
+            <a:extLst>
+              <a:ext uri="{FF2B5EF4-FFF2-40B4-BE49-F238E27FC236}">
+                <a16:creationId xmlns:a16="http://schemas.microsoft.com/office/drawing/2014/main" id="{33004B51-27C5-224A-A85C-1F2D5987C8DC}"/>
+              </a:ext>
+            </a:extLst>
+          </p:cNvPr>
+          <p:cNvSpPr txBox="1"/>
+          <p:nvPr/>
+        </p:nvSpPr>
+        <p:spPr>
+          <a:xfrm>
+            <a:off x="2106592" y="1770927"/>
+            <a:ext cx="2620461" cy="369332"/>
+          </a:xfrm>
+          <a:prstGeom prst="rect">
+            <a:avLst/>
+          </a:prstGeom>
+          <a:noFill/>
+        </p:spPr>
+        <p:txBody>
+          <a:bodyPr wrap="none" rtlCol="0">
+            <a:spAutoFit/>
+          </a:bodyPr>
+          <a:lstStyle/>
+          <a:p>
+            <a:r>
+              <a:rPr lang="en-US" b="1"/>
+              <a:t>Precision-Recall Curve</a:t>
+            </a:r>
+          </a:p>
+        </p:txBody>
+      </p:sp>
+      <p:sp>
+        <p:nvSpPr>
+          <p:cNvPr id="7" name="TextBox 6">
+            <a:extLst>
+              <a:ext uri="{FF2B5EF4-FFF2-40B4-BE49-F238E27FC236}">
+                <a16:creationId xmlns:a16="http://schemas.microsoft.com/office/drawing/2014/main" id="{419ECF04-9BCA-D04B-8C2A-32C4A2864F4E}"/>
+              </a:ext>
+            </a:extLst>
+          </p:cNvPr>
+          <p:cNvSpPr txBox="1"/>
+          <p:nvPr/>
+        </p:nvSpPr>
+        <p:spPr>
+          <a:xfrm>
+            <a:off x="7162450" y="1770927"/>
+            <a:ext cx="2865849" cy="369332"/>
+          </a:xfrm>
+          <a:prstGeom prst="rect">
+            <a:avLst/>
+          </a:prstGeom>
+          <a:noFill/>
+        </p:spPr>
+        <p:txBody>
+          <a:bodyPr wrap="none" rtlCol="0">
+            <a:spAutoFit/>
+          </a:bodyPr>
+          <a:lstStyle/>
+          <a:p>
+            <a:r>
+              <a:rPr lang="en-US" b="1"/>
+              <a:t>Cost Function (example)</a:t>
+            </a:r>
+          </a:p>
+        </p:txBody>
+      </p:sp>
+      <p:cxnSp>
+        <p:nvCxnSpPr>
+          <p:cNvPr id="8" name="Straight Arrow Connector 7">
+            <a:extLst>
+              <a:ext uri="{FF2B5EF4-FFF2-40B4-BE49-F238E27FC236}">
+                <a16:creationId xmlns:a16="http://schemas.microsoft.com/office/drawing/2014/main" id="{FFDE9F7A-E505-4DFA-ADAB-B9A87C1841F8}"/>
+              </a:ext>
+            </a:extLst>
+          </p:cNvPr>
+          <p:cNvCxnSpPr>
+            <a:cxnSpLocks/>
+          </p:cNvCxnSpPr>
+          <p:nvPr/>
+        </p:nvCxnSpPr>
+        <p:spPr>
+          <a:xfrm flipH="1">
+            <a:off x="8078874" y="4411226"/>
+            <a:ext cx="241159" cy="713433"/>
+          </a:xfrm>
+          <a:prstGeom prst="straightConnector1">
+            <a:avLst/>
+          </a:prstGeom>
+          <a:ln>
+            <a:tailEnd type="triangle"/>
+          </a:ln>
+        </p:spPr>
+        <p:style>
+          <a:lnRef idx="3">
+            <a:schemeClr val="accent1"/>
+          </a:lnRef>
+          <a:fillRef idx="0">
+            <a:schemeClr val="accent1"/>
+          </a:fillRef>
+          <a:effectRef idx="2">
+            <a:schemeClr val="accent1"/>
+          </a:effectRef>
+          <a:fontRef idx="minor">
+            <a:schemeClr val="tx1"/>
+          </a:fontRef>
+        </p:style>
+      </p:cxnSp>
+      <p:sp>
+        <p:nvSpPr>
+          <p:cNvPr id="9" name="TextBox 8">
+            <a:extLst>
+              <a:ext uri="{FF2B5EF4-FFF2-40B4-BE49-F238E27FC236}">
+                <a16:creationId xmlns:a16="http://schemas.microsoft.com/office/drawing/2014/main" id="{B1E03ED9-7343-4299-949E-3787B69E188A}"/>
+              </a:ext>
+            </a:extLst>
+          </p:cNvPr>
+          <p:cNvSpPr txBox="1"/>
+          <p:nvPr/>
+        </p:nvSpPr>
+        <p:spPr>
+          <a:xfrm>
+            <a:off x="8259745" y="4122140"/>
+            <a:ext cx="2558906" cy="369332"/>
+          </a:xfrm>
+          <a:prstGeom prst="rect">
+            <a:avLst/>
+          </a:prstGeom>
+          <a:noFill/>
+        </p:spPr>
+        <p:txBody>
+          <a:bodyPr wrap="none" rtlCol="0">
+            <a:spAutoFit/>
+          </a:bodyPr>
+          <a:lstStyle/>
+          <a:p>
+            <a:r>
+              <a:rPr lang="en-US" dirty="0">
+                <a:solidFill>
+                  <a:schemeClr val="accent1"/>
+                </a:solidFill>
+              </a:rPr>
+              <a:t>Optimal threshold = 0.20</a:t>
+            </a:r>
+          </a:p>
+        </p:txBody>
+      </p:sp>
+      <p:sp>
+        <p:nvSpPr>
+          <p:cNvPr id="14" name="Oval 13">
+            <a:extLst>
+              <a:ext uri="{FF2B5EF4-FFF2-40B4-BE49-F238E27FC236}">
+                <a16:creationId xmlns:a16="http://schemas.microsoft.com/office/drawing/2014/main" id="{9D3F5DA9-3C32-4971-99A2-D697CBCEBA98}"/>
+              </a:ext>
+            </a:extLst>
+          </p:cNvPr>
+          <p:cNvSpPr/>
+          <p:nvPr/>
+        </p:nvSpPr>
+        <p:spPr>
+          <a:xfrm>
+            <a:off x="2401557" y="2692958"/>
+            <a:ext cx="200967" cy="200967"/>
+          </a:xfrm>
+          <a:prstGeom prst="ellipse">
+            <a:avLst/>
+          </a:prstGeom>
+        </p:spPr>
+        <p:style>
+          <a:lnRef idx="2">
+            <a:schemeClr val="accent1">
+              <a:shade val="50000"/>
+            </a:schemeClr>
+          </a:lnRef>
+          <a:fillRef idx="1">
+            <a:schemeClr val="accent1"/>
+          </a:fillRef>
+          <a:effectRef idx="0">
+            <a:schemeClr val="accent1"/>
+          </a:effectRef>
+          <a:fontRef idx="minor">
+            <a:schemeClr val="lt1"/>
+          </a:fontRef>
+        </p:style>
+        <p:txBody>
+          <a:bodyPr rtlCol="0" anchor="ctr"/>
+          <a:lstStyle/>
+          <a:p>
+            <a:pPr algn="ctr"/>
+            <a:endParaRPr lang="en-US"/>
+          </a:p>
+        </p:txBody>
+      </p:sp>
+    </p:spTree>
+    <p:extLst>
+      <p:ext uri="{BB962C8B-B14F-4D97-AF65-F5344CB8AC3E}">
+        <p14:creationId xmlns:p14="http://schemas.microsoft.com/office/powerpoint/2010/main" val="3742588891"/>
+      </p:ext>
+    </p:extLst>
+  </p:cSld>
+  <p:clrMapOvr>
+    <a:masterClrMapping/>
+  </p:clrMapOvr>
+  <p:timing>
+    <p:tnLst>
+      <p:par>
+        <p:cTn id="1" dur="indefinite" restart="never" nodeType="tmRoot">
+          <p:childTnLst>
+            <p:seq concurrent="1" nextAc="seek">
+              <p:cTn id="2" dur="indefinite" nodeType="mainSeq">
+                <p:childTnLst>
+                  <p:par>
+                    <p:cTn id="3" fill="hold">
+                      <p:stCondLst>
+                        <p:cond delay="indefinite"/>
+                      </p:stCondLst>
+                      <p:childTnLst>
+                        <p:par>
+                          <p:cTn id="4" fill="hold">
+                            <p:stCondLst>
+                              <p:cond delay="0"/>
+                            </p:stCondLst>
+                            <p:childTnLst>
+                              <p:par>
+                                <p:cTn id="5" presetID="1" presetClass="entr" presetSubtype="0" fill="hold" grpId="0" nodeType="clickEffect">
+                                  <p:stCondLst>
+                                    <p:cond delay="0"/>
+                                  </p:stCondLst>
+                                  <p:childTnLst>
+                                    <p:set>
+                                      <p:cBhvr>
+                                        <p:cTn id="6" dur="1" fill="hold">
+                                          <p:stCondLst>
+                                            <p:cond delay="0"/>
+                                          </p:stCondLst>
+                                        </p:cTn>
+                                        <p:tgtEl>
+                                          <p:spTgt spid="9"/>
+                                        </p:tgtEl>
+                                        <p:attrNameLst>
+                                          <p:attrName>style.visibility</p:attrName>
+                                        </p:attrNameLst>
+                                      </p:cBhvr>
+                                      <p:to>
+                                        <p:strVal val="visible"/>
+                                      </p:to>
+                                    </p:set>
+                                  </p:childTnLst>
+                                </p:cTn>
+                              </p:par>
+                              <p:par>
+                                <p:cTn id="7" presetID="1" presetClass="entr" presetSubtype="0" fill="hold" nodeType="withEffect">
+                                  <p:stCondLst>
+                                    <p:cond delay="0"/>
+                                  </p:stCondLst>
+                                  <p:childTnLst>
+                                    <p:set>
+                                      <p:cBhvr>
+                                        <p:cTn id="8" dur="1" fill="hold">
+                                          <p:stCondLst>
+                                            <p:cond delay="0"/>
+                                          </p:stCondLst>
+                                        </p:cTn>
+                                        <p:tgtEl>
+                                          <p:spTgt spid="8"/>
+                                        </p:tgtEl>
+                                        <p:attrNameLst>
+                                          <p:attrName>style.visibility</p:attrName>
+                                        </p:attrNameLst>
+                                      </p:cBhvr>
+                                      <p:to>
+                                        <p:strVal val="visible"/>
+                                      </p:to>
+                                    </p:set>
+                                  </p:childTnLst>
+                                </p:cTn>
+                              </p:par>
+                            </p:childTnLst>
+                          </p:cTn>
+                        </p:par>
+                      </p:childTnLst>
+                    </p:cTn>
+                  </p:par>
+                </p:childTnLst>
+              </p:cTn>
+              <p:prevCondLst>
+                <p:cond evt="onPrev" delay="0">
+                  <p:tgtEl>
+                    <p:sldTgt/>
+                  </p:tgtEl>
+                </p:cond>
+              </p:prevCondLst>
+              <p:nextCondLst>
+                <p:cond evt="onNext" delay="0">
+                  <p:tgtEl>
+                    <p:sldTgt/>
+                  </p:tgtEl>
+                </p:cond>
+              </p:nextCondLst>
+            </p:seq>
+          </p:childTnLst>
+        </p:cTn>
+      </p:par>
+    </p:tnLst>
+    <p:bldLst>
+      <p:bldP spid="9" grpId="0"/>
+    </p:bldLst>
+  </p:timing>
+</p:sld>
+</file>
+
+<file path=ppt/slides/slide11.xml><?xml version="1.0" encoding="utf-8"?>
+<p:sld xmlns:a="http://schemas.openxmlformats.org/drawingml/2006/main" xmlns:r="http://schemas.openxmlformats.org/officeDocument/2006/relationships" xmlns:p="http://schemas.openxmlformats.org/presentationml/2006/main">
+  <p:cSld>
+    <p:spTree>
+      <p:nvGrpSpPr>
+        <p:cNvPr id="1" name=""/>
+        <p:cNvGrpSpPr/>
+        <p:nvPr/>
+      </p:nvGrpSpPr>
+      <p:grpSpPr>
+        <a:xfrm>
+          <a:off x="0" y="0"/>
+          <a:ext cx="0" cy="0"/>
+          <a:chOff x="0" y="0"/>
+          <a:chExt cx="0" cy="0"/>
+        </a:xfrm>
+      </p:grpSpPr>
       <p:pic>
         <p:nvPicPr>
           <p:cNvPr id="6" name="Picture 5">
@@ -4133,12 +5123,12 @@
         <p:spPr>
           <a:xfrm>
             <a:off x="2286000" y="457200"/>
-            <a:ext cx="7772400" cy="731520"/>
+            <a:ext cx="7772400" cy="914400"/>
           </a:xfrm>
         </p:spPr>
         <p:txBody>
           <a:bodyPr>
-            <a:normAutofit fontScale="90000"/>
+            <a:normAutofit/>
           </a:bodyPr>
           <a:lstStyle/>
           <a:p>
@@ -4657,6 +5647,46 @@
           </a:p>
         </p:txBody>
       </p:sp>
+      <p:sp>
+        <p:nvSpPr>
+          <p:cNvPr id="12" name="TextBox 11">
+            <a:extLst>
+              <a:ext uri="{FF2B5EF4-FFF2-40B4-BE49-F238E27FC236}">
+                <a16:creationId xmlns:a16="http://schemas.microsoft.com/office/drawing/2014/main" id="{7526FCEF-F772-4807-80FD-3E9E5A79CF46}"/>
+              </a:ext>
+            </a:extLst>
+          </p:cNvPr>
+          <p:cNvSpPr txBox="1"/>
+          <p:nvPr/>
+        </p:nvSpPr>
+        <p:spPr>
+          <a:xfrm>
+            <a:off x="2922734" y="5980724"/>
+            <a:ext cx="1795876" cy="369332"/>
+          </a:xfrm>
+          <a:prstGeom prst="rect">
+            <a:avLst/>
+          </a:prstGeom>
+          <a:noFill/>
+        </p:spPr>
+        <p:txBody>
+          <a:bodyPr wrap="none" rtlCol="0">
+            <a:spAutoFit/>
+          </a:bodyPr>
+          <a:lstStyle/>
+          <a:p>
+            <a:pPr algn="ctr"/>
+            <a:r>
+              <a:rPr lang="en-US" dirty="0">
+                <a:solidFill>
+                  <a:schemeClr val="accent6"/>
+                </a:solidFill>
+              </a:rPr>
+              <a:t>Threshold = 0.20</a:t>
+            </a:r>
+          </a:p>
+        </p:txBody>
+      </p:sp>
     </p:spTree>
     <p:extLst>
       <p:ext uri="{BB962C8B-B14F-4D97-AF65-F5344CB8AC3E}">
@@ -4667,116 +5697,84 @@
   <p:clrMapOvr>
     <a:masterClrMapping/>
   </p:clrMapOvr>
-</p:sld>
-</file>
-
-<file path=ppt/slides/slide11.xml><?xml version="1.0" encoding="utf-8"?>
-<p:sld xmlns:a="http://schemas.openxmlformats.org/drawingml/2006/main" xmlns:r="http://schemas.openxmlformats.org/officeDocument/2006/relationships" xmlns:p="http://schemas.openxmlformats.org/presentationml/2006/main">
-  <p:cSld>
-    <p:spTree>
-      <p:nvGrpSpPr>
-        <p:cNvPr id="1" name=""/>
-        <p:cNvGrpSpPr/>
-        <p:nvPr/>
-      </p:nvGrpSpPr>
-      <p:grpSpPr>
-        <a:xfrm>
-          <a:off x="0" y="0"/>
-          <a:ext cx="0" cy="0"/>
-          <a:chOff x="0" y="0"/>
-          <a:chExt cx="0" cy="0"/>
-        </a:xfrm>
-      </p:grpSpPr>
-      <p:sp>
-        <p:nvSpPr>
-          <p:cNvPr id="3" name="Content Placeholder 2">
-            <a:extLst>
-              <a:ext uri="{FF2B5EF4-FFF2-40B4-BE49-F238E27FC236}">
-                <a16:creationId xmlns:a16="http://schemas.microsoft.com/office/drawing/2014/main" id="{43B626B8-0930-FD44-B7C4-848F2D2227B0}"/>
-              </a:ext>
-            </a:extLst>
-          </p:cNvPr>
-          <p:cNvSpPr>
-            <a:spLocks noGrp="1"/>
-          </p:cNvSpPr>
-          <p:nvPr>
-            <p:ph idx="1"/>
-          </p:nvPr>
-        </p:nvSpPr>
-        <p:spPr>
-          <a:xfrm>
-            <a:off x="2231136" y="1770928"/>
-            <a:ext cx="7729728" cy="3969100"/>
-          </a:xfrm>
-        </p:spPr>
-        <p:txBody>
-          <a:bodyPr>
-            <a:normAutofit/>
-          </a:bodyPr>
-          <a:lstStyle/>
-          <a:p>
-            <a:r>
-              <a:rPr lang="en-US" sz="2400"/>
-              <a:t>Better randomization of Benign URLs</a:t>
-            </a:r>
-          </a:p>
-          <a:p>
-            <a:r>
-              <a:rPr lang="en-US" sz="2400"/>
-              <a:t>Stack with Multinomial Naïve Bayes model fit on NLP features (TF-IDF of path “tokens”)</a:t>
-            </a:r>
-          </a:p>
-          <a:p>
-            <a:r>
-              <a:rPr lang="en-US" sz="2400"/>
-              <a:t>Additional Features</a:t>
-            </a:r>
-          </a:p>
-        </p:txBody>
-      </p:sp>
-      <p:sp>
-        <p:nvSpPr>
-          <p:cNvPr id="4" name="Title 1">
-            <a:extLst>
-              <a:ext uri="{FF2B5EF4-FFF2-40B4-BE49-F238E27FC236}">
-                <a16:creationId xmlns:a16="http://schemas.microsoft.com/office/drawing/2014/main" id="{98B9FD84-B092-4641-9A99-825B6EAA275B}"/>
-              </a:ext>
-            </a:extLst>
-          </p:cNvPr>
-          <p:cNvSpPr>
-            <a:spLocks noGrp="1"/>
-          </p:cNvSpPr>
-          <p:nvPr>
-            <p:ph type="title"/>
-          </p:nvPr>
-        </p:nvSpPr>
-        <p:spPr>
-          <a:xfrm>
-            <a:off x="2231136" y="501705"/>
-            <a:ext cx="7729728" cy="914400"/>
-          </a:xfrm>
-        </p:spPr>
-        <p:txBody>
-          <a:bodyPr/>
-          <a:lstStyle/>
-          <a:p>
-            <a:r>
-              <a:rPr lang="en-US"/>
-              <a:t>Future work</a:t>
-            </a:r>
-          </a:p>
-        </p:txBody>
-      </p:sp>
-    </p:spTree>
-    <p:extLst>
-      <p:ext uri="{BB962C8B-B14F-4D97-AF65-F5344CB8AC3E}">
-        <p14:creationId xmlns:p14="http://schemas.microsoft.com/office/powerpoint/2010/main" val="393610802"/>
-      </p:ext>
-    </p:extLst>
-  </p:cSld>
-  <p:clrMapOvr>
-    <a:masterClrMapping/>
-  </p:clrMapOvr>
+  <p:timing>
+    <p:tnLst>
+      <p:par>
+        <p:cTn id="1" dur="indefinite" restart="never" nodeType="tmRoot">
+          <p:childTnLst>
+            <p:seq concurrent="1" nextAc="seek">
+              <p:cTn id="2" dur="indefinite" nodeType="mainSeq">
+                <p:childTnLst>
+                  <p:par>
+                    <p:cTn id="3" fill="hold">
+                      <p:stCondLst>
+                        <p:cond delay="indefinite"/>
+                      </p:stCondLst>
+                      <p:childTnLst>
+                        <p:par>
+                          <p:cTn id="4" fill="hold">
+                            <p:stCondLst>
+                              <p:cond delay="0"/>
+                            </p:stCondLst>
+                            <p:childTnLst>
+                              <p:par>
+                                <p:cTn id="5" presetID="1" presetClass="entr" presetSubtype="0" fill="hold" grpId="0" nodeType="clickEffect">
+                                  <p:stCondLst>
+                                    <p:cond delay="0"/>
+                                  </p:stCondLst>
+                                  <p:childTnLst>
+                                    <p:set>
+                                      <p:cBhvr>
+                                        <p:cTn id="6" dur="1" fill="hold">
+                                          <p:stCondLst>
+                                            <p:cond delay="0"/>
+                                          </p:stCondLst>
+                                        </p:cTn>
+                                        <p:tgtEl>
+                                          <p:spTgt spid="12"/>
+                                        </p:tgtEl>
+                                        <p:attrNameLst>
+                                          <p:attrName>style.visibility</p:attrName>
+                                        </p:attrNameLst>
+                                      </p:cBhvr>
+                                      <p:to>
+                                        <p:strVal val="visible"/>
+                                      </p:to>
+                                    </p:set>
+                                  </p:childTnLst>
+                                </p:cTn>
+                              </p:par>
+                            </p:childTnLst>
+                          </p:cTn>
+                        </p:par>
+                      </p:childTnLst>
+                    </p:cTn>
+                  </p:par>
+                </p:childTnLst>
+              </p:cTn>
+              <p:prevCondLst>
+                <p:cond evt="onPrev" delay="0">
+                  <p:tgtEl>
+                    <p:sldTgt/>
+                  </p:tgtEl>
+                </p:cond>
+              </p:prevCondLst>
+              <p:nextCondLst>
+                <p:cond evt="onNext" delay="0">
+                  <p:tgtEl>
+                    <p:sldTgt/>
+                  </p:tgtEl>
+                </p:cond>
+              </p:nextCondLst>
+            </p:seq>
+          </p:childTnLst>
+        </p:cTn>
+      </p:par>
+    </p:tnLst>
+    <p:bldLst>
+      <p:bldP spid="12" grpId="0"/>
+    </p:bldLst>
+  </p:timing>
 </p:sld>
 </file>
 
@@ -4799,10 +5797,10 @@
       </p:grpSpPr>
       <p:sp>
         <p:nvSpPr>
-          <p:cNvPr id="3" name="Content Placeholder 2">
+          <p:cNvPr id="5" name="Title 1">
             <a:extLst>
               <a:ext uri="{FF2B5EF4-FFF2-40B4-BE49-F238E27FC236}">
-                <a16:creationId xmlns:a16="http://schemas.microsoft.com/office/drawing/2014/main" id="{CA683D1B-39FA-8147-A4DF-FA50DB03DEDD}"/>
+                <a16:creationId xmlns:a16="http://schemas.microsoft.com/office/drawing/2014/main" id="{B32553F3-BEDA-4AA5-A4E2-831465E9023E}"/>
               </a:ext>
             </a:extLst>
           </p:cNvPr>
@@ -4810,234 +5808,13 @@
             <a:spLocks noGrp="1"/>
           </p:cNvSpPr>
           <p:nvPr>
-            <p:ph sz="half" idx="1"/>
+            <p:ph type="title"/>
           </p:nvPr>
         </p:nvSpPr>
         <p:spPr>
           <a:xfrm>
-            <a:off x="1581912" y="2075935"/>
-            <a:ext cx="4271771" cy="3991233"/>
-          </a:xfrm>
-        </p:spPr>
-        <p:txBody>
-          <a:bodyPr>
-            <a:normAutofit lnSpcReduction="10000"/>
-          </a:bodyPr>
-          <a:lstStyle/>
-          <a:p>
-            <a:r>
-              <a:rPr lang="en-US"/>
-              <a:t>Additional URL-based features</a:t>
-            </a:r>
-          </a:p>
-          <a:p>
-            <a:pPr lvl="1"/>
-            <a:r>
-              <a:rPr lang="en-US"/>
-              <a:t>Levenshtein distance from English (other language?) word</a:t>
-            </a:r>
-          </a:p>
-          <a:p>
-            <a:pPr lvl="1"/>
-            <a:r>
-              <a:rPr lang="en-US"/>
-              <a:t>Expand shortened URLs</a:t>
-            </a:r>
-          </a:p>
-          <a:p>
-            <a:pPr lvl="1"/>
-            <a:r>
-              <a:rPr lang="en-US"/>
-              <a:t>Own ‘suspicious’ list</a:t>
-            </a:r>
-          </a:p>
-          <a:p>
-            <a:r>
-              <a:rPr lang="en-US"/>
-              <a:t>Web page</a:t>
-            </a:r>
-          </a:p>
-          <a:p>
-            <a:pPr lvl="1"/>
-            <a:r>
-              <a:rPr lang="en-US"/>
-              <a:t>Title (NLP)</a:t>
-            </a:r>
-          </a:p>
-          <a:p>
-            <a:pPr lvl="1"/>
-            <a:r>
-              <a:rPr lang="en-US"/>
-              <a:t>Size / length</a:t>
-            </a:r>
-          </a:p>
-          <a:p>
-            <a:pPr lvl="1"/>
-            <a:r>
-              <a:rPr lang="en-US"/>
-              <a:t># of redirects to load</a:t>
-            </a:r>
-          </a:p>
-          <a:p>
-            <a:pPr lvl="1"/>
-            <a:r>
-              <a:rPr lang="en-US"/>
-              <a:t>DOM properties</a:t>
-            </a:r>
-          </a:p>
-          <a:p>
-            <a:pPr lvl="1"/>
-            <a:r>
-              <a:rPr lang="en-US"/>
-              <a:t>Page Rank / keyword analysis</a:t>
-            </a:r>
-          </a:p>
-          <a:p>
-            <a:pPr lvl="1"/>
-            <a:endParaRPr lang="en-US"/>
-          </a:p>
-        </p:txBody>
-      </p:sp>
-      <p:sp>
-        <p:nvSpPr>
-          <p:cNvPr id="4" name="Content Placeholder 3">
-            <a:extLst>
-              <a:ext uri="{FF2B5EF4-FFF2-40B4-BE49-F238E27FC236}">
-                <a16:creationId xmlns:a16="http://schemas.microsoft.com/office/drawing/2014/main" id="{0A158B60-DC8A-B24F-BDFA-084B8F392D5C}"/>
-              </a:ext>
-            </a:extLst>
-          </p:cNvPr>
-          <p:cNvSpPr>
-            <a:spLocks noGrp="1"/>
-          </p:cNvSpPr>
-          <p:nvPr>
-            <p:ph sz="half" idx="2"/>
-          </p:nvPr>
-        </p:nvSpPr>
-        <p:spPr>
-          <a:xfrm>
-            <a:off x="6313602" y="2075934"/>
-            <a:ext cx="4270247" cy="3991233"/>
-          </a:xfrm>
-        </p:spPr>
-        <p:txBody>
-          <a:bodyPr>
-            <a:normAutofit lnSpcReduction="10000"/>
-          </a:bodyPr>
-          <a:lstStyle/>
-          <a:p>
-            <a:r>
-              <a:rPr lang="en-US"/>
-              <a:t>Domain</a:t>
-            </a:r>
-          </a:p>
-          <a:p>
-            <a:pPr lvl="1"/>
-            <a:r>
-              <a:rPr lang="en-US"/>
-              <a:t>Length of time registered</a:t>
-            </a:r>
-          </a:p>
-          <a:p>
-            <a:pPr lvl="1"/>
-            <a:r>
-              <a:rPr lang="en-US"/>
-              <a:t>Registrant name hidden</a:t>
-            </a:r>
-          </a:p>
-          <a:p>
-            <a:r>
-              <a:rPr lang="en-US"/>
-              <a:t>Graph/linkage analysis</a:t>
-            </a:r>
-          </a:p>
-          <a:p>
-            <a:pPr lvl="1"/>
-            <a:r>
-              <a:rPr lang="en-US"/>
-              <a:t>Linkage to / from</a:t>
-            </a:r>
-          </a:p>
-          <a:p>
-            <a:pPr lvl="1"/>
-            <a:r>
-              <a:rPr lang="en-US"/>
-              <a:t># search results for domain</a:t>
-            </a:r>
-          </a:p>
-          <a:p>
-            <a:pPr lvl="1"/>
-            <a:endParaRPr lang="en-US"/>
-          </a:p>
-          <a:p>
-            <a:pPr lvl="1"/>
-            <a:endParaRPr lang="en-US"/>
-          </a:p>
-          <a:p>
-            <a:r>
-              <a:rPr lang="en-US"/>
-              <a:t>RESOURCES:</a:t>
-            </a:r>
-          </a:p>
-          <a:p>
-            <a:pPr lvl="1"/>
-            <a:r>
-              <a:rPr lang="en-US"/>
-              <a:t>ICANN (</a:t>
-            </a:r>
-            <a:r>
-              <a:rPr lang="en-US">
-                <a:hlinkClick r:id="rId3"/>
-              </a:rPr>
-              <a:t>https://lookup.icann.org/lookup</a:t>
-            </a:r>
-            <a:r>
-              <a:rPr lang="en-US"/>
-              <a:t>)</a:t>
-            </a:r>
-          </a:p>
-          <a:p>
-            <a:pPr lvl="1"/>
-            <a:r>
-              <a:rPr lang="en-US"/>
-              <a:t>WHOIS (</a:t>
-            </a:r>
-            <a:r>
-              <a:rPr lang="en-US">
-                <a:hlinkClick r:id="rId4"/>
-              </a:rPr>
-              <a:t>https://www.whois.net/</a:t>
-            </a:r>
-            <a:r>
-              <a:rPr lang="en-US"/>
-              <a:t>)</a:t>
-            </a:r>
-          </a:p>
-          <a:p>
-            <a:endParaRPr lang="en-US"/>
-          </a:p>
-        </p:txBody>
-      </p:sp>
-      <p:sp>
-        <p:nvSpPr>
-          <p:cNvPr id="7" name="Title 1">
-            <a:extLst>
-              <a:ext uri="{FF2B5EF4-FFF2-40B4-BE49-F238E27FC236}">
-                <a16:creationId xmlns:a16="http://schemas.microsoft.com/office/drawing/2014/main" id="{9F5234E5-66CA-FB40-B3E1-A7E5351E4DC5}"/>
-              </a:ext>
-            </a:extLst>
-          </p:cNvPr>
-          <p:cNvSpPr>
-            <a:spLocks noGrp="1"/>
-          </p:cNvSpPr>
-          <p:nvPr>
-            <p:ph type="title"/>
-          </p:nvPr>
-        </p:nvSpPr>
-        <p:spPr>
-          <a:xfrm>
-            <a:off x="2231136" y="501705"/>
-            <a:ext cx="7729728" cy="914400"/>
+            <a:off x="2286000" y="457200"/>
+            <a:ext cx="7772400" cy="914400"/>
           </a:xfrm>
         </p:spPr>
         <p:txBody>
@@ -5047,16 +5824,76 @@
           <a:lstStyle/>
           <a:p>
             <a:r>
-              <a:rPr lang="en-US"/>
-              <a:t>POTENTIAL ADDITIONAL FEATURES</a:t>
-            </a:r>
-          </a:p>
-        </p:txBody>
-      </p:sp>
+              <a:rPr lang="en-US" dirty="0"/>
+              <a:t>FEATURE IMPORTANCE</a:t>
+            </a:r>
+          </a:p>
+        </p:txBody>
+      </p:sp>
+      <p:pic>
+        <p:nvPicPr>
+          <p:cNvPr id="1027" name="Picture 3">
+            <a:extLst>
+              <a:ext uri="{FF2B5EF4-FFF2-40B4-BE49-F238E27FC236}">
+                <a16:creationId xmlns:a16="http://schemas.microsoft.com/office/drawing/2014/main" id="{B9087D19-6D6D-4A96-91AC-74BBAC3DD9AD}"/>
+              </a:ext>
+            </a:extLst>
+          </p:cNvPr>
+          <p:cNvPicPr>
+            <a:picLocks noChangeAspect="1" noChangeArrowheads="1"/>
+          </p:cNvPicPr>
+          <p:nvPr/>
+        </p:nvPicPr>
+        <p:blipFill>
+          <a:blip r:embed="rId3">
+            <a:extLst>
+              <a:ext uri="{28A0092B-C50C-407E-A947-70E740481C1C}">
+                <a14:useLocalDpi xmlns:a14="http://schemas.microsoft.com/office/drawing/2010/main" val="0"/>
+              </a:ext>
+            </a:extLst>
+          </a:blip>
+          <a:srcRect/>
+          <a:stretch>
+            <a:fillRect/>
+          </a:stretch>
+        </p:blipFill>
+        <p:spPr bwMode="auto">
+          <a:xfrm>
+            <a:off x="2303768" y="1758406"/>
+            <a:ext cx="7584464" cy="4041143"/>
+          </a:xfrm>
+          <a:prstGeom prst="rect">
+            <a:avLst/>
+          </a:prstGeom>
+          <a:noFill/>
+          <a:ln>
+            <a:noFill/>
+          </a:ln>
+          <a:extLst>
+            <a:ext uri="{909E8E84-426E-40DD-AFC4-6F175D3DCCD1}">
+              <a14:hiddenFill xmlns:a14="http://schemas.microsoft.com/office/drawing/2010/main">
+                <a:solidFill>
+                  <a:srgbClr val="FFFFFF"/>
+                </a:solidFill>
+              </a14:hiddenFill>
+            </a:ext>
+            <a:ext uri="{91240B29-F687-4F45-9708-019B960494DF}">
+              <a14:hiddenLine xmlns:a14="http://schemas.microsoft.com/office/drawing/2010/main" w="9525">
+                <a:solidFill>
+                  <a:srgbClr val="000000"/>
+                </a:solidFill>
+                <a:miter lim="800000"/>
+                <a:headEnd/>
+                <a:tailEnd/>
+              </a14:hiddenLine>
+            </a:ext>
+          </a:extLst>
+        </p:spPr>
+      </p:pic>
     </p:spTree>
     <p:extLst>
       <p:ext uri="{BB962C8B-B14F-4D97-AF65-F5344CB8AC3E}">
-        <p14:creationId xmlns:p14="http://schemas.microsoft.com/office/powerpoint/2010/main" val="638821798"/>
+        <p14:creationId xmlns:p14="http://schemas.microsoft.com/office/powerpoint/2010/main" val="1216451595"/>
       </p:ext>
     </p:extLst>
   </p:cSld>
@@ -5085,10 +5922,10 @@
       </p:grpSpPr>
       <p:sp>
         <p:nvSpPr>
-          <p:cNvPr id="2" name="Title 1">
+          <p:cNvPr id="3" name="Content Placeholder 2">
             <a:extLst>
               <a:ext uri="{FF2B5EF4-FFF2-40B4-BE49-F238E27FC236}">
-                <a16:creationId xmlns:a16="http://schemas.microsoft.com/office/drawing/2014/main" id="{8E5DDE81-5CA0-CB47-88AB-2ECA9B61D10C}"/>
+                <a16:creationId xmlns:a16="http://schemas.microsoft.com/office/drawing/2014/main" id="{43B626B8-0930-FD44-B7C4-848F2D2227B0}"/>
               </a:ext>
             </a:extLst>
           </p:cNvPr>
@@ -5096,57 +5933,77 @@
             <a:spLocks noGrp="1"/>
           </p:cNvSpPr>
           <p:nvPr>
-            <p:ph type="title"/>
-          </p:nvPr>
-        </p:nvSpPr>
-        <p:spPr/>
-        <p:txBody>
-          <a:bodyPr/>
+            <p:ph idx="1"/>
+          </p:nvPr>
+        </p:nvSpPr>
+        <p:spPr>
+          <a:xfrm>
+            <a:off x="2231136" y="1770928"/>
+            <a:ext cx="7729728" cy="3969100"/>
+          </a:xfrm>
+        </p:spPr>
+        <p:txBody>
+          <a:bodyPr>
+            <a:normAutofit/>
+          </a:bodyPr>
           <a:lstStyle/>
           <a:p>
             <a:r>
-              <a:rPr lang="en-US"/>
-              <a:t>Custom “suspicious” words</a:t>
-            </a:r>
-          </a:p>
-        </p:txBody>
-      </p:sp>
-      <p:pic>
-        <p:nvPicPr>
-          <p:cNvPr id="5" name="Content Placeholder 4">
+              <a:rPr lang="en-US" sz="2400" dirty="0"/>
+              <a:t>Better randomization of Benign URLs</a:t>
+            </a:r>
+          </a:p>
+          <a:p>
+            <a:r>
+              <a:rPr lang="en-US" sz="2400" dirty="0"/>
+              <a:t>Stack with Multinomial Naïve Bayes model fit on NLP features (Count of path “tokens”)</a:t>
+            </a:r>
+          </a:p>
+          <a:p>
+            <a:r>
+              <a:rPr lang="en-US" sz="2400" dirty="0"/>
+              <a:t>Additional Features</a:t>
+            </a:r>
+          </a:p>
+        </p:txBody>
+      </p:sp>
+      <p:sp>
+        <p:nvSpPr>
+          <p:cNvPr id="4" name="Title 1">
             <a:extLst>
               <a:ext uri="{FF2B5EF4-FFF2-40B4-BE49-F238E27FC236}">
-                <a16:creationId xmlns:a16="http://schemas.microsoft.com/office/drawing/2014/main" id="{6EEAE6CF-C760-114D-88D0-53A0A09BB4EA}"/>
+                <a16:creationId xmlns:a16="http://schemas.microsoft.com/office/drawing/2014/main" id="{98B9FD84-B092-4641-9A99-825B6EAA275B}"/>
               </a:ext>
             </a:extLst>
           </p:cNvPr>
-          <p:cNvPicPr>
-            <a:picLocks noGrp="1" noChangeAspect="1"/>
-          </p:cNvPicPr>
-          <p:nvPr>
-            <p:ph idx="1"/>
-          </p:nvPr>
-        </p:nvPicPr>
-        <p:blipFill>
-          <a:blip r:embed="rId2"/>
-          <a:stretch>
-            <a:fillRect/>
-          </a:stretch>
-        </p:blipFill>
+          <p:cNvSpPr>
+            <a:spLocks noGrp="1"/>
+          </p:cNvSpPr>
+          <p:nvPr>
+            <p:ph type="title"/>
+          </p:nvPr>
+        </p:nvSpPr>
         <p:spPr>
           <a:xfrm>
-            <a:off x="872375" y="2792577"/>
-            <a:ext cx="10447249" cy="1136871"/>
+            <a:off x="2286000" y="457200"/>
+            <a:ext cx="7772400" cy="914400"/>
           </a:xfrm>
-          <a:prstGeom prst="rect">
-            <a:avLst/>
-          </a:prstGeom>
         </p:spPr>
-      </p:pic>
+        <p:txBody>
+          <a:bodyPr/>
+          <a:lstStyle/>
+          <a:p>
+            <a:r>
+              <a:rPr lang="en-US"/>
+              <a:t>Future work</a:t>
+            </a:r>
+          </a:p>
+        </p:txBody>
+      </p:sp>
     </p:spTree>
     <p:extLst>
       <p:ext uri="{BB962C8B-B14F-4D97-AF65-F5344CB8AC3E}">
-        <p14:creationId xmlns:p14="http://schemas.microsoft.com/office/powerpoint/2010/main" val="4077622182"/>
+        <p14:creationId xmlns:p14="http://schemas.microsoft.com/office/powerpoint/2010/main" val="393610802"/>
       </p:ext>
     </p:extLst>
   </p:cSld>
@@ -5175,6 +6032,422 @@
       </p:grpSpPr>
       <p:sp>
         <p:nvSpPr>
+          <p:cNvPr id="3" name="Content Placeholder 2">
+            <a:extLst>
+              <a:ext uri="{FF2B5EF4-FFF2-40B4-BE49-F238E27FC236}">
+                <a16:creationId xmlns:a16="http://schemas.microsoft.com/office/drawing/2014/main" id="{CA683D1B-39FA-8147-A4DF-FA50DB03DEDD}"/>
+              </a:ext>
+            </a:extLst>
+          </p:cNvPr>
+          <p:cNvSpPr>
+            <a:spLocks noGrp="1"/>
+          </p:cNvSpPr>
+          <p:nvPr>
+            <p:ph sz="half" idx="1"/>
+          </p:nvPr>
+        </p:nvSpPr>
+        <p:spPr>
+          <a:xfrm>
+            <a:off x="1581912" y="2075935"/>
+            <a:ext cx="4271771" cy="3991233"/>
+          </a:xfrm>
+        </p:spPr>
+        <p:txBody>
+          <a:bodyPr>
+            <a:normAutofit lnSpcReduction="10000"/>
+          </a:bodyPr>
+          <a:lstStyle/>
+          <a:p>
+            <a:r>
+              <a:rPr lang="en-US"/>
+              <a:t>Additional URL-based features</a:t>
+            </a:r>
+          </a:p>
+          <a:p>
+            <a:pPr lvl="1"/>
+            <a:r>
+              <a:rPr lang="en-US"/>
+              <a:t>Levenshtein distance from English (other language?) word</a:t>
+            </a:r>
+          </a:p>
+          <a:p>
+            <a:pPr lvl="1"/>
+            <a:r>
+              <a:rPr lang="en-US"/>
+              <a:t>Expand shortened URLs</a:t>
+            </a:r>
+          </a:p>
+          <a:p>
+            <a:pPr lvl="1"/>
+            <a:r>
+              <a:rPr lang="en-US"/>
+              <a:t>Own ‘suspicious’ list</a:t>
+            </a:r>
+          </a:p>
+          <a:p>
+            <a:r>
+              <a:rPr lang="en-US"/>
+              <a:t>Web page</a:t>
+            </a:r>
+          </a:p>
+          <a:p>
+            <a:pPr lvl="1"/>
+            <a:r>
+              <a:rPr lang="en-US"/>
+              <a:t>Title (NLP)</a:t>
+            </a:r>
+          </a:p>
+          <a:p>
+            <a:pPr lvl="1"/>
+            <a:r>
+              <a:rPr lang="en-US"/>
+              <a:t>Size / length</a:t>
+            </a:r>
+          </a:p>
+          <a:p>
+            <a:pPr lvl="1"/>
+            <a:r>
+              <a:rPr lang="en-US"/>
+              <a:t># of redirects to load</a:t>
+            </a:r>
+          </a:p>
+          <a:p>
+            <a:pPr lvl="1"/>
+            <a:r>
+              <a:rPr lang="en-US"/>
+              <a:t>DOM properties</a:t>
+            </a:r>
+          </a:p>
+          <a:p>
+            <a:pPr lvl="1"/>
+            <a:r>
+              <a:rPr lang="en-US"/>
+              <a:t>Page Rank / keyword analysis</a:t>
+            </a:r>
+          </a:p>
+          <a:p>
+            <a:pPr lvl="1"/>
+            <a:endParaRPr lang="en-US"/>
+          </a:p>
+        </p:txBody>
+      </p:sp>
+      <p:sp>
+        <p:nvSpPr>
+          <p:cNvPr id="4" name="Content Placeholder 3">
+            <a:extLst>
+              <a:ext uri="{FF2B5EF4-FFF2-40B4-BE49-F238E27FC236}">
+                <a16:creationId xmlns:a16="http://schemas.microsoft.com/office/drawing/2014/main" id="{0A158B60-DC8A-B24F-BDFA-084B8F392D5C}"/>
+              </a:ext>
+            </a:extLst>
+          </p:cNvPr>
+          <p:cNvSpPr>
+            <a:spLocks noGrp="1"/>
+          </p:cNvSpPr>
+          <p:nvPr>
+            <p:ph sz="half" idx="2"/>
+          </p:nvPr>
+        </p:nvSpPr>
+        <p:spPr>
+          <a:xfrm>
+            <a:off x="6313602" y="2075934"/>
+            <a:ext cx="4270247" cy="3991233"/>
+          </a:xfrm>
+        </p:spPr>
+        <p:txBody>
+          <a:bodyPr>
+            <a:normAutofit lnSpcReduction="10000"/>
+          </a:bodyPr>
+          <a:lstStyle/>
+          <a:p>
+            <a:r>
+              <a:rPr lang="en-US"/>
+              <a:t>Domain</a:t>
+            </a:r>
+          </a:p>
+          <a:p>
+            <a:pPr lvl="1"/>
+            <a:r>
+              <a:rPr lang="en-US"/>
+              <a:t>Length of time registered</a:t>
+            </a:r>
+          </a:p>
+          <a:p>
+            <a:pPr lvl="1"/>
+            <a:r>
+              <a:rPr lang="en-US"/>
+              <a:t>Registrant name hidden</a:t>
+            </a:r>
+          </a:p>
+          <a:p>
+            <a:r>
+              <a:rPr lang="en-US"/>
+              <a:t>Graph/linkage analysis</a:t>
+            </a:r>
+          </a:p>
+          <a:p>
+            <a:pPr lvl="1"/>
+            <a:r>
+              <a:rPr lang="en-US"/>
+              <a:t>Linkage to / from</a:t>
+            </a:r>
+          </a:p>
+          <a:p>
+            <a:pPr lvl="1"/>
+            <a:r>
+              <a:rPr lang="en-US"/>
+              <a:t># search results for domain</a:t>
+            </a:r>
+          </a:p>
+          <a:p>
+            <a:pPr lvl="1"/>
+            <a:endParaRPr lang="en-US"/>
+          </a:p>
+          <a:p>
+            <a:pPr lvl="1"/>
+            <a:endParaRPr lang="en-US"/>
+          </a:p>
+          <a:p>
+            <a:r>
+              <a:rPr lang="en-US"/>
+              <a:t>RESOURCES:</a:t>
+            </a:r>
+          </a:p>
+          <a:p>
+            <a:pPr lvl="1"/>
+            <a:r>
+              <a:rPr lang="en-US"/>
+              <a:t>ICANN (</a:t>
+            </a:r>
+            <a:r>
+              <a:rPr lang="en-US">
+                <a:hlinkClick r:id="rId3"/>
+              </a:rPr>
+              <a:t>https://lookup.icann.org/lookup</a:t>
+            </a:r>
+            <a:r>
+              <a:rPr lang="en-US"/>
+              <a:t>)</a:t>
+            </a:r>
+          </a:p>
+          <a:p>
+            <a:pPr lvl="1"/>
+            <a:r>
+              <a:rPr lang="en-US"/>
+              <a:t>WHOIS (</a:t>
+            </a:r>
+            <a:r>
+              <a:rPr lang="en-US">
+                <a:hlinkClick r:id="rId4"/>
+              </a:rPr>
+              <a:t>https://www.whois.net/</a:t>
+            </a:r>
+            <a:r>
+              <a:rPr lang="en-US"/>
+              <a:t>)</a:t>
+            </a:r>
+          </a:p>
+          <a:p>
+            <a:endParaRPr lang="en-US"/>
+          </a:p>
+        </p:txBody>
+      </p:sp>
+      <p:sp>
+        <p:nvSpPr>
+          <p:cNvPr id="7" name="Title 1">
+            <a:extLst>
+              <a:ext uri="{FF2B5EF4-FFF2-40B4-BE49-F238E27FC236}">
+                <a16:creationId xmlns:a16="http://schemas.microsoft.com/office/drawing/2014/main" id="{9F5234E5-66CA-FB40-B3E1-A7E5351E4DC5}"/>
+              </a:ext>
+            </a:extLst>
+          </p:cNvPr>
+          <p:cNvSpPr>
+            <a:spLocks noGrp="1"/>
+          </p:cNvSpPr>
+          <p:nvPr>
+            <p:ph type="title"/>
+          </p:nvPr>
+        </p:nvSpPr>
+        <p:spPr>
+          <a:xfrm>
+            <a:off x="2286000" y="457200"/>
+            <a:ext cx="7772400" cy="914400"/>
+          </a:xfrm>
+        </p:spPr>
+        <p:txBody>
+          <a:bodyPr>
+            <a:normAutofit/>
+          </a:bodyPr>
+          <a:lstStyle/>
+          <a:p>
+            <a:r>
+              <a:rPr lang="en-US"/>
+              <a:t>POTENTIAL ADDITIONAL FEATURES</a:t>
+            </a:r>
+          </a:p>
+        </p:txBody>
+      </p:sp>
+    </p:spTree>
+    <p:extLst>
+      <p:ext uri="{BB962C8B-B14F-4D97-AF65-F5344CB8AC3E}">
+        <p14:creationId xmlns:p14="http://schemas.microsoft.com/office/powerpoint/2010/main" val="638821798"/>
+      </p:ext>
+    </p:extLst>
+  </p:cSld>
+  <p:clrMapOvr>
+    <a:masterClrMapping/>
+  </p:clrMapOvr>
+</p:sld>
+</file>
+
+<file path=ppt/slides/slide15.xml><?xml version="1.0" encoding="utf-8"?>
+<p:sld xmlns:a="http://schemas.openxmlformats.org/drawingml/2006/main" xmlns:r="http://schemas.openxmlformats.org/officeDocument/2006/relationships" xmlns:p="http://schemas.openxmlformats.org/presentationml/2006/main">
+  <p:cSld>
+    <p:spTree>
+      <p:nvGrpSpPr>
+        <p:cNvPr id="1" name=""/>
+        <p:cNvGrpSpPr/>
+        <p:nvPr/>
+      </p:nvGrpSpPr>
+      <p:grpSpPr>
+        <a:xfrm>
+          <a:off x="0" y="0"/>
+          <a:ext cx="0" cy="0"/>
+          <a:chOff x="0" y="0"/>
+          <a:chExt cx="0" cy="0"/>
+        </a:xfrm>
+      </p:grpSpPr>
+      <p:sp>
+        <p:nvSpPr>
+          <p:cNvPr id="2" name="Title 1">
+            <a:extLst>
+              <a:ext uri="{FF2B5EF4-FFF2-40B4-BE49-F238E27FC236}">
+                <a16:creationId xmlns:a16="http://schemas.microsoft.com/office/drawing/2014/main" id="{8E5DDE81-5CA0-CB47-88AB-2ECA9B61D10C}"/>
+              </a:ext>
+            </a:extLst>
+          </p:cNvPr>
+          <p:cNvSpPr>
+            <a:spLocks noGrp="1"/>
+          </p:cNvSpPr>
+          <p:nvPr>
+            <p:ph type="title"/>
+          </p:nvPr>
+        </p:nvSpPr>
+        <p:spPr>
+          <a:xfrm>
+            <a:off x="2286000" y="457200"/>
+            <a:ext cx="7772400" cy="914400"/>
+          </a:xfrm>
+        </p:spPr>
+        <p:txBody>
+          <a:bodyPr/>
+          <a:lstStyle/>
+          <a:p>
+            <a:r>
+              <a:rPr lang="en-US"/>
+              <a:t>Custom “suspicious” words</a:t>
+            </a:r>
+          </a:p>
+        </p:txBody>
+      </p:sp>
+      <p:pic>
+        <p:nvPicPr>
+          <p:cNvPr id="5" name="Content Placeholder 4">
+            <a:extLst>
+              <a:ext uri="{FF2B5EF4-FFF2-40B4-BE49-F238E27FC236}">
+                <a16:creationId xmlns:a16="http://schemas.microsoft.com/office/drawing/2014/main" id="{6EEAE6CF-C760-114D-88D0-53A0A09BB4EA}"/>
+              </a:ext>
+            </a:extLst>
+          </p:cNvPr>
+          <p:cNvPicPr>
+            <a:picLocks noGrp="1" noChangeAspect="1"/>
+          </p:cNvPicPr>
+          <p:nvPr>
+            <p:ph idx="1"/>
+          </p:nvPr>
+        </p:nvPicPr>
+        <p:blipFill>
+          <a:blip r:embed="rId2"/>
+          <a:stretch>
+            <a:fillRect/>
+          </a:stretch>
+        </p:blipFill>
+        <p:spPr>
+          <a:xfrm>
+            <a:off x="872375" y="2697132"/>
+            <a:ext cx="10447249" cy="1136871"/>
+          </a:xfrm>
+          <a:prstGeom prst="rect">
+            <a:avLst/>
+          </a:prstGeom>
+        </p:spPr>
+      </p:pic>
+      <p:sp>
+        <p:nvSpPr>
+          <p:cNvPr id="3" name="TextBox 2">
+            <a:extLst>
+              <a:ext uri="{FF2B5EF4-FFF2-40B4-BE49-F238E27FC236}">
+                <a16:creationId xmlns:a16="http://schemas.microsoft.com/office/drawing/2014/main" id="{36195225-15CD-4504-816D-CA34A24304A1}"/>
+              </a:ext>
+            </a:extLst>
+          </p:cNvPr>
+          <p:cNvSpPr txBox="1"/>
+          <p:nvPr/>
+        </p:nvSpPr>
+        <p:spPr>
+          <a:xfrm>
+            <a:off x="2286000" y="1816274"/>
+            <a:ext cx="3487045" cy="369332"/>
+          </a:xfrm>
+          <a:prstGeom prst="rect">
+            <a:avLst/>
+          </a:prstGeom>
+          <a:noFill/>
+        </p:spPr>
+        <p:txBody>
+          <a:bodyPr wrap="none" rtlCol="0">
+            <a:spAutoFit/>
+          </a:bodyPr>
+          <a:lstStyle/>
+          <a:p>
+            <a:r>
+              <a:rPr lang="en-US" dirty="0"/>
+              <a:t>From TF-IDF vectorization of URL</a:t>
+            </a:r>
+          </a:p>
+        </p:txBody>
+      </p:sp>
+    </p:spTree>
+    <p:extLst>
+      <p:ext uri="{BB962C8B-B14F-4D97-AF65-F5344CB8AC3E}">
+        <p14:creationId xmlns:p14="http://schemas.microsoft.com/office/powerpoint/2010/main" val="4077622182"/>
+      </p:ext>
+    </p:extLst>
+  </p:cSld>
+  <p:clrMapOvr>
+    <a:masterClrMapping/>
+  </p:clrMapOvr>
+</p:sld>
+</file>
+
+<file path=ppt/slides/slide16.xml><?xml version="1.0" encoding="utf-8"?>
+<p:sld xmlns:a="http://schemas.openxmlformats.org/drawingml/2006/main" xmlns:r="http://schemas.openxmlformats.org/officeDocument/2006/relationships" xmlns:p="http://schemas.openxmlformats.org/presentationml/2006/main">
+  <p:cSld>
+    <p:spTree>
+      <p:nvGrpSpPr>
+        <p:cNvPr id="1" name=""/>
+        <p:cNvGrpSpPr/>
+        <p:nvPr/>
+      </p:nvGrpSpPr>
+      <p:grpSpPr>
+        <a:xfrm>
+          <a:off x="0" y="0"/>
+          <a:ext cx="0" cy="0"/>
+          <a:chOff x="0" y="0"/>
+          <a:chExt cx="0" cy="0"/>
+        </a:xfrm>
+      </p:grpSpPr>
+      <p:sp>
+        <p:nvSpPr>
           <p:cNvPr id="2" name="Title 1">
             <a:extLst>
               <a:ext uri="{FF2B5EF4-FFF2-40B4-BE49-F238E27FC236}">
@@ -5195,7 +6468,7 @@
           <a:lstStyle/>
           <a:p>
             <a:r>
-              <a:rPr lang="en-US"/>
+              <a:rPr lang="en-US" dirty="0"/>
               <a:t>REFERENCES</a:t>
             </a:r>
           </a:p>
@@ -5273,7 +6546,73 @@
 </p:sld>
 </file>
 
-<file path=ppt/slides/slide15.xml><?xml version="1.0" encoding="utf-8"?>
+<file path=ppt/slides/slide17.xml><?xml version="1.0" encoding="utf-8"?>
+<p:sld xmlns:a="http://schemas.openxmlformats.org/drawingml/2006/main" xmlns:r="http://schemas.openxmlformats.org/officeDocument/2006/relationships" xmlns:p="http://schemas.openxmlformats.org/presentationml/2006/main">
+  <p:cSld>
+    <p:bg>
+      <p:bgPr>
+        <a:solidFill>
+          <a:schemeClr val="accent2"/>
+        </a:solidFill>
+        <a:effectLst/>
+      </p:bgPr>
+    </p:bg>
+    <p:spTree>
+      <p:nvGrpSpPr>
+        <p:cNvPr id="1" name=""/>
+        <p:cNvGrpSpPr/>
+        <p:nvPr/>
+      </p:nvGrpSpPr>
+      <p:grpSpPr>
+        <a:xfrm>
+          <a:off x="0" y="0"/>
+          <a:ext cx="0" cy="0"/>
+          <a:chOff x="0" y="0"/>
+          <a:chExt cx="0" cy="0"/>
+        </a:xfrm>
+      </p:grpSpPr>
+      <p:sp>
+        <p:nvSpPr>
+          <p:cNvPr id="4" name="Title 3">
+            <a:extLst>
+              <a:ext uri="{FF2B5EF4-FFF2-40B4-BE49-F238E27FC236}">
+                <a16:creationId xmlns:a16="http://schemas.microsoft.com/office/drawing/2014/main" id="{5C0CD122-E347-4361-AE07-E7011642E845}"/>
+              </a:ext>
+            </a:extLst>
+          </p:cNvPr>
+          <p:cNvSpPr>
+            <a:spLocks noGrp="1"/>
+          </p:cNvSpPr>
+          <p:nvPr>
+            <p:ph type="ctrTitle"/>
+          </p:nvPr>
+        </p:nvSpPr>
+        <p:spPr/>
+        <p:txBody>
+          <a:bodyPr/>
+          <a:lstStyle/>
+          <a:p>
+            <a:r>
+              <a:rPr lang="en-US" dirty="0"/>
+              <a:t>Thank you</a:t>
+            </a:r>
+          </a:p>
+        </p:txBody>
+      </p:sp>
+    </p:spTree>
+    <p:extLst>
+      <p:ext uri="{BB962C8B-B14F-4D97-AF65-F5344CB8AC3E}">
+        <p14:creationId xmlns:p14="http://schemas.microsoft.com/office/powerpoint/2010/main" val="2805601405"/>
+      </p:ext>
+    </p:extLst>
+  </p:cSld>
+  <p:clrMapOvr>
+    <a:masterClrMapping/>
+  </p:clrMapOvr>
+</p:sld>
+</file>
+
+<file path=ppt/slides/slide18.xml><?xml version="1.0" encoding="utf-8"?>
 <p:sld xmlns:a="http://schemas.openxmlformats.org/drawingml/2006/main" xmlns:r="http://schemas.openxmlformats.org/officeDocument/2006/relationships" xmlns:p="http://schemas.openxmlformats.org/presentationml/2006/main">
   <p:cSld>
     <p:spTree>
@@ -5320,6 +6659,41 @@
           </a:prstGeom>
         </p:spPr>
       </p:pic>
+      <p:sp>
+        <p:nvSpPr>
+          <p:cNvPr id="3" name="TextBox 2">
+            <a:extLst>
+              <a:ext uri="{FF2B5EF4-FFF2-40B4-BE49-F238E27FC236}">
+                <a16:creationId xmlns:a16="http://schemas.microsoft.com/office/drawing/2014/main" id="{EEAA9D4C-D850-4EC6-A063-E40212C85C98}"/>
+              </a:ext>
+            </a:extLst>
+          </p:cNvPr>
+          <p:cNvSpPr txBox="1"/>
+          <p:nvPr/>
+        </p:nvSpPr>
+        <p:spPr>
+          <a:xfrm>
+            <a:off x="2984360" y="693336"/>
+            <a:ext cx="3262175" cy="369332"/>
+          </a:xfrm>
+          <a:prstGeom prst="rect">
+            <a:avLst/>
+          </a:prstGeom>
+          <a:noFill/>
+        </p:spPr>
+        <p:txBody>
+          <a:bodyPr wrap="none" rtlCol="0">
+            <a:spAutoFit/>
+          </a:bodyPr>
+          <a:lstStyle/>
+          <a:p>
+            <a:r>
+              <a:rPr lang="en-US" dirty="0"/>
+              <a:t>Full evaluation metrics of models</a:t>
+            </a:r>
+          </a:p>
+        </p:txBody>
+      </p:sp>
     </p:spTree>
     <p:extLst>
       <p:ext uri="{BB962C8B-B14F-4D97-AF65-F5344CB8AC3E}">
@@ -5333,7 +6707,7 @@
 </p:sld>
 </file>
 
-<file path=ppt/slides/slide16.xml><?xml version="1.0" encoding="utf-8"?>
+<file path=ppt/slides/slide19.xml><?xml version="1.0" encoding="utf-8"?>
 <p:sld xmlns:a="http://schemas.openxmlformats.org/drawingml/2006/main" xmlns:r="http://schemas.openxmlformats.org/officeDocument/2006/relationships" xmlns:p="http://schemas.openxmlformats.org/presentationml/2006/main">
   <p:cSld>
     <p:spTree>
@@ -6087,6 +7461,41 @@
           </a:p>
         </p:txBody>
       </p:sp>
+      <p:sp>
+        <p:nvSpPr>
+          <p:cNvPr id="4" name="TextBox 3">
+            <a:extLst>
+              <a:ext uri="{FF2B5EF4-FFF2-40B4-BE49-F238E27FC236}">
+                <a16:creationId xmlns:a16="http://schemas.microsoft.com/office/drawing/2014/main" id="{027C6303-5225-4EC2-BB0B-E9A4C08CE967}"/>
+              </a:ext>
+            </a:extLst>
+          </p:cNvPr>
+          <p:cNvSpPr txBox="1"/>
+          <p:nvPr/>
+        </p:nvSpPr>
+        <p:spPr>
+          <a:xfrm>
+            <a:off x="5056997" y="1394049"/>
+            <a:ext cx="2078005" cy="369332"/>
+          </a:xfrm>
+          <a:prstGeom prst="rect">
+            <a:avLst/>
+          </a:prstGeom>
+          <a:noFill/>
+        </p:spPr>
+        <p:txBody>
+          <a:bodyPr wrap="none" rtlCol="0">
+            <a:spAutoFit/>
+          </a:bodyPr>
+          <a:lstStyle/>
+          <a:p>
+            <a:r>
+              <a:rPr lang="en-US" dirty="0"/>
+              <a:t>At threshold of 0.50</a:t>
+            </a:r>
+          </a:p>
+        </p:txBody>
+      </p:sp>
     </p:spTree>
     <p:extLst>
       <p:ext uri="{BB962C8B-B14F-4D97-AF65-F5344CB8AC3E}">
@@ -6135,8 +7544,8 @@
         </p:nvSpPr>
         <p:spPr>
           <a:xfrm>
-            <a:off x="2286001" y="457200"/>
-            <a:ext cx="7726679" cy="914400"/>
+            <a:off x="2286000" y="457200"/>
+            <a:ext cx="7772400" cy="914400"/>
           </a:xfrm>
         </p:spPr>
         <p:txBody>
@@ -6254,7 +7663,12 @@
             <p:ph type="title"/>
           </p:nvPr>
         </p:nvSpPr>
-        <p:spPr/>
+        <p:spPr>
+          <a:xfrm>
+            <a:off x="2286000" y="457200"/>
+            <a:ext cx="7772400" cy="914400"/>
+          </a:xfrm>
+        </p:spPr>
         <p:txBody>
           <a:bodyPr/>
           <a:lstStyle/>
@@ -6282,7 +7696,12 @@
             <p:ph idx="1"/>
           </p:nvPr>
         </p:nvSpPr>
-        <p:spPr/>
+        <p:spPr>
+          <a:xfrm>
+            <a:off x="2231136" y="1878008"/>
+            <a:ext cx="7729728" cy="3101983"/>
+          </a:xfrm>
+        </p:spPr>
         <p:txBody>
           <a:bodyPr>
             <a:noAutofit/>
@@ -6290,24 +7709,24 @@
           <a:lstStyle/>
           <a:p>
             <a:r>
-              <a:rPr lang="en-US"/>
+              <a:rPr lang="en-US" dirty="0"/>
               <a:t>Phishing URLs:</a:t>
             </a:r>
           </a:p>
           <a:p>
             <a:pPr lvl="1"/>
             <a:r>
-              <a:rPr lang="en-US"/>
+              <a:rPr lang="en-US" dirty="0"/>
               <a:t>Supplied site (</a:t>
             </a:r>
             <a:r>
-              <a:rPr lang="en-US" u="sng">
+              <a:rPr lang="en-US" u="sng" dirty="0">
                 <a:hlinkClick r:id="rId2"/>
               </a:rPr>
               <a:t>https://openphish.com/feed.txt</a:t>
             </a:r>
             <a:r>
-              <a:rPr lang="en-US">
+              <a:rPr lang="en-US" dirty="0">
                 <a:effectLst/>
               </a:rPr>
               <a:t> )</a:t>
@@ -6316,71 +7735,87 @@
           <a:p>
             <a:pPr lvl="1"/>
             <a:r>
-              <a:rPr lang="en-US"/>
+              <a:rPr lang="en-US" dirty="0"/>
               <a:t>Additional source (</a:t>
             </a:r>
             <a:r>
-              <a:rPr lang="en-US">
+              <a:rPr lang="en-US" dirty="0">
                 <a:hlinkClick r:id="rId3"/>
               </a:rPr>
               <a:t>https://www.phishtank.com/</a:t>
             </a:r>
             <a:r>
-              <a:rPr lang="en-US"/>
+              <a:rPr lang="en-US" dirty="0"/>
               <a:t>)</a:t>
             </a:r>
           </a:p>
           <a:p>
             <a:pPr lvl="1"/>
             <a:r>
-              <a:rPr lang="en-US"/>
+              <a:rPr lang="en-US" dirty="0"/>
               <a:t>Total: 11,339 URLs </a:t>
             </a:r>
           </a:p>
           <a:p>
             <a:r>
-              <a:rPr lang="en-US"/>
+              <a:rPr lang="en-US" dirty="0"/>
               <a:t>“Benign” URLs:</a:t>
             </a:r>
           </a:p>
           <a:p>
             <a:pPr lvl="1"/>
             <a:r>
-              <a:rPr lang="en-US"/>
-              <a:t>Chose one cc_index file at random from Nov 2019 index </a:t>
+              <a:rPr lang="en-US" dirty="0"/>
+              <a:t>Chose one </a:t>
+            </a:r>
+            <a:r>
+              <a:rPr lang="en-US" dirty="0" err="1"/>
+              <a:t>cc_index</a:t>
+            </a:r>
+            <a:r>
+              <a:rPr lang="en-US" dirty="0"/>
+              <a:t> file at random from Nov 2019 index </a:t>
             </a:r>
           </a:p>
           <a:p>
             <a:pPr lvl="2"/>
             <a:r>
-              <a:rPr lang="en-US"/>
+              <a:rPr lang="en-US" dirty="0"/>
               <a:t>&gt;300 total in month</a:t>
             </a:r>
           </a:p>
           <a:p>
             <a:pPr lvl="2"/>
             <a:r>
-              <a:rPr lang="en-US"/>
+              <a:rPr lang="en-US" dirty="0"/>
               <a:t>Each file contains 7-10 million URLs</a:t>
             </a:r>
           </a:p>
           <a:p>
             <a:pPr lvl="1"/>
             <a:r>
-              <a:rPr lang="en-US"/>
+              <a:rPr lang="en-US" dirty="0"/>
               <a:t>This was still not randomized enough! (more later)</a:t>
             </a:r>
           </a:p>
           <a:p>
             <a:r>
-              <a:rPr lang="en-US"/>
-              <a:t>Rate of Phising URLs:</a:t>
+              <a:rPr lang="en-US" dirty="0"/>
+              <a:t>Rate of </a:t>
+            </a:r>
+            <a:r>
+              <a:rPr lang="en-US" dirty="0" err="1"/>
+              <a:t>Phising</a:t>
+            </a:r>
+            <a:r>
+              <a:rPr lang="en-US" dirty="0"/>
+              <a:t> URLs:</a:t>
             </a:r>
           </a:p>
           <a:p>
             <a:pPr lvl="1"/>
             <a:r>
-              <a:rPr lang="en-US"/>
+              <a:rPr lang="en-US" dirty="0"/>
               <a:t>Literature</a:t>
             </a:r>
           </a:p>
@@ -6432,7 +7867,12 @@
             <p:ph type="title"/>
           </p:nvPr>
         </p:nvSpPr>
-        <p:spPr/>
+        <p:spPr>
+          <a:xfrm>
+            <a:off x="2286000" y="457200"/>
+            <a:ext cx="7772400" cy="914400"/>
+          </a:xfrm>
+        </p:spPr>
         <p:txBody>
           <a:bodyPr/>
           <a:lstStyle/>
@@ -6462,8 +7902,8 @@
         </p:nvSpPr>
         <p:spPr>
           <a:xfrm>
-            <a:off x="2231136" y="2638044"/>
-            <a:ext cx="7729728" cy="3335373"/>
+            <a:off x="2231136" y="1761313"/>
+            <a:ext cx="7729728" cy="4076779"/>
           </a:xfrm>
         </p:spPr>
         <p:txBody>
@@ -6473,58 +7913,93 @@
           <a:lstStyle/>
           <a:p>
             <a:r>
-              <a:rPr lang="en-US"/>
+              <a:rPr lang="en-US" dirty="0"/>
               <a:t>Given time constraints, decided to restrict features to those contained within URL string</a:t>
             </a:r>
           </a:p>
           <a:p>
             <a:pPr lvl="1"/>
             <a:r>
-              <a:rPr lang="en-US"/>
+              <a:rPr lang="en-US" dirty="0"/>
               <a:t>Length of URL</a:t>
             </a:r>
           </a:p>
           <a:p>
             <a:pPr lvl="1"/>
             <a:r>
-              <a:rPr lang="en-US"/>
-              <a:t>Number of “special” characters (/ . ), digits</a:t>
+              <a:rPr lang="en-US" dirty="0"/>
+              <a:t>Number of “special” characters ($ - _ . + ! * ’(</a:t>
+            </a:r>
+            <a:r>
+              <a:rPr lang="en-US" b="1" dirty="0"/>
+              <a:t> </a:t>
+            </a:r>
+            <a:r>
+              <a:rPr lang="en-US" dirty="0"/>
+              <a:t>) </a:t>
+            </a:r>
+            <a:r>
+              <a:rPr lang="en-US" b="1" dirty="0"/>
+              <a:t>,</a:t>
+            </a:r>
+            <a:r>
+              <a:rPr lang="en-US" dirty="0"/>
+              <a:t> )</a:t>
             </a:r>
           </a:p>
           <a:p>
             <a:pPr lvl="1"/>
             <a:r>
-              <a:rPr lang="en-US"/>
-              <a:t>Unicode characters (HEX encoding)</a:t>
+              <a:rPr lang="en-US" dirty="0"/>
+              <a:t>Number of digits, dots, slashes</a:t>
             </a:r>
           </a:p>
           <a:p>
             <a:pPr lvl="1"/>
             <a:r>
-              <a:rPr lang="en-US"/>
+              <a:rPr lang="en-US" dirty="0"/>
+              <a:t>HEX encoding (%XX) present</a:t>
+            </a:r>
+          </a:p>
+          <a:p>
+            <a:pPr lvl="1"/>
+            <a:r>
+              <a:rPr lang="en-US" dirty="0"/>
               <a:t>HTTP or HTTPS</a:t>
             </a:r>
           </a:p>
           <a:p>
             <a:pPr lvl="1"/>
             <a:r>
-              <a:rPr lang="en-US"/>
-              <a:t>Top-level-domain*</a:t>
+              <a:rPr lang="en-US" dirty="0"/>
+              <a:t>Top-level-domain</a:t>
             </a:r>
           </a:p>
           <a:p>
             <a:pPr lvl="1"/>
             <a:r>
-              <a:rPr lang="en-US"/>
+              <a:rPr lang="en-US" dirty="0"/>
               <a:t>Subdomain = www or is null</a:t>
             </a:r>
           </a:p>
           <a:p>
             <a:pPr lvl="1"/>
             <a:r>
-              <a:rPr lang="en-US"/>
-              <a:t>“Supicious” words in URL (php, abuse, verification)</a:t>
-            </a:r>
+              <a:rPr lang="en-US" dirty="0"/>
+              <a:t>“Suspicious” words in URL (php, abuse, admin, verification)</a:t>
+            </a:r>
+          </a:p>
+          <a:p>
+            <a:pPr lvl="1"/>
+            <a:r>
+              <a:rPr lang="en-US" dirty="0"/>
+              <a:t>Entropy of hostname, </a:t>
+            </a:r>
+            <a:r>
+              <a:rPr lang="en-US" dirty="0" err="1"/>
+              <a:t>url</a:t>
+            </a:r>
+            <a:endParaRPr lang="en-US" dirty="0"/>
           </a:p>
         </p:txBody>
       </p:sp>
@@ -6576,8 +8051,8 @@
         </p:nvSpPr>
         <p:spPr>
           <a:xfrm>
-            <a:off x="2231136" y="385958"/>
-            <a:ext cx="7729728" cy="1188720"/>
+            <a:off x="2286000" y="457200"/>
+            <a:ext cx="7772400" cy="914400"/>
           </a:xfrm>
         </p:spPr>
         <p:txBody>
@@ -6735,8 +8210,8 @@
         </p:nvSpPr>
         <p:spPr>
           <a:xfrm>
-            <a:off x="2231135" y="517431"/>
-            <a:ext cx="7729728" cy="1188720"/>
+            <a:off x="2286000" y="457200"/>
+            <a:ext cx="7772400" cy="914400"/>
           </a:xfrm>
         </p:spPr>
         <p:txBody>
@@ -6903,8 +8378,8 @@
         </p:nvSpPr>
         <p:spPr>
           <a:xfrm>
-            <a:off x="2231136" y="532206"/>
-            <a:ext cx="7729728" cy="1188720"/>
+            <a:off x="2286000" y="457200"/>
+            <a:ext cx="7772400" cy="914400"/>
           </a:xfrm>
         </p:spPr>
         <p:txBody>
@@ -7143,17 +8618,21 @@
           <a:lstStyle/>
           <a:p>
             <a:r>
-              <a:rPr lang="en-US"/>
-              <a:t>CommonCrawl Index files appear to be alphabetically ordered by top-level domain (suffix), then domain name.</a:t>
-            </a:r>
-          </a:p>
-          <a:p>
-            <a:endParaRPr lang="en-US"/>
-          </a:p>
-          <a:p>
-            <a:r>
-              <a:rPr lang="en-US"/>
-              <a:t>I chose 144 (out of 302), which is .com &amp; domain names starting with ‘c’.</a:t>
+              <a:rPr lang="en-US" dirty="0" err="1"/>
+              <a:t>CommonCrawl</a:t>
+            </a:r>
+            <a:r>
+              <a:rPr lang="en-US" dirty="0"/>
+              <a:t> Index files appear to be alphabetically ordered by top-level domain (suffix), then domain name.</a:t>
+            </a:r>
+          </a:p>
+          <a:p>
+            <a:endParaRPr lang="en-US" dirty="0"/>
+          </a:p>
+          <a:p>
+            <a:r>
+              <a:rPr lang="en-US" dirty="0"/>
+              <a:t>I chose file # 144 (out of 302), which is .com TLDs &amp; domain names starting with ‘c’.</a:t>
             </a:r>
           </a:p>
         </p:txBody>
@@ -7206,8 +8685,8 @@
         </p:nvSpPr>
         <p:spPr>
           <a:xfrm>
-            <a:off x="2231136" y="482777"/>
-            <a:ext cx="7729728" cy="1188720"/>
+            <a:off x="2286000" y="457200"/>
+            <a:ext cx="7772400" cy="914400"/>
           </a:xfrm>
         </p:spPr>
         <p:txBody>
@@ -7236,13 +8715,13 @@
           <p:nvPr>
             <p:extLst>
               <p:ext uri="{D42A27DB-BD31-4B8C-83A1-F6EECF244321}">
-                <p14:modId xmlns:p14="http://schemas.microsoft.com/office/powerpoint/2010/main" val="3163905988"/>
+                <p14:modId xmlns:p14="http://schemas.microsoft.com/office/powerpoint/2010/main" val="3510182171"/>
               </p:ext>
             </p:extLst>
           </p:nvPr>
         </p:nvGraphicFramePr>
         <p:xfrm>
-          <a:off x="1696554" y="2183136"/>
+          <a:off x="2012612" y="1831444"/>
           <a:ext cx="8166775" cy="2397760"/>
         </p:xfrm>
         <a:graphic>
@@ -7311,7 +8790,7 @@
                     <a:lstStyle/>
                     <a:p>
                       <a:r>
-                        <a:rPr lang="en-US">
+                        <a:rPr lang="en-US" dirty="0">
                           <a:latin typeface="Courier New" panose="02070309020205020404" pitchFamily="49" charset="0"/>
                           <a:cs typeface="Courier New" panose="02070309020205020404" pitchFamily="49" charset="0"/>
                         </a:rPr>
@@ -7750,7 +9229,7 @@
                         <a:defRPr/>
                       </a:pPr>
                       <a:r>
-                        <a:rPr lang="en-US">
+                        <a:rPr lang="en-US" dirty="0">
                           <a:latin typeface="Courier New" panose="02070309020205020404" pitchFamily="49" charset="0"/>
                           <a:cs typeface="Courier New" panose="02070309020205020404" pitchFamily="49" charset="0"/>
                         </a:rPr>
@@ -7784,8 +9263,8 @@
         </p:nvSpPr>
         <p:spPr>
           <a:xfrm>
-            <a:off x="2927889" y="5189056"/>
-            <a:ext cx="6682470" cy="1754326"/>
+            <a:off x="2927889" y="4767025"/>
+            <a:ext cx="6682470" cy="1200329"/>
           </a:xfrm>
           <a:prstGeom prst="rect">
             <a:avLst/>
@@ -7802,7 +9281,7 @@
               <a:buAutoNum type="arabicParenBoth"/>
             </a:pPr>
             <a:r>
-              <a:rPr lang="en-US"/>
+              <a:rPr lang="en-US" dirty="0"/>
               <a:t>Average of 5-fold cross-validation on subset (20%) of training data</a:t>
             </a:r>
           </a:p>
@@ -7811,7 +9290,7 @@
               <a:buAutoNum type="arabicParenBoth"/>
             </a:pPr>
             <a:r>
-              <a:rPr lang="en-US"/>
+              <a:rPr lang="en-US" dirty="0"/>
               <a:t>Did not converge</a:t>
             </a:r>
           </a:p>
@@ -7820,9 +9299,18 @@
               <a:buAutoNum type="arabicParenBoth"/>
             </a:pPr>
             <a:r>
-              <a:rPr lang="en-US"/>
-              <a:t>n_estimators = 100, no limit on max depth, criterion = gini</a:t>
-            </a:r>
+              <a:rPr lang="en-US" dirty="0" err="1"/>
+              <a:t>n_estimators</a:t>
+            </a:r>
+            <a:r>
+              <a:rPr lang="en-US" dirty="0"/>
+              <a:t> = 100, no limit on max depth, criterion = </a:t>
+            </a:r>
+            <a:r>
+              <a:rPr lang="en-US" dirty="0" err="1"/>
+              <a:t>gini</a:t>
+            </a:r>
+            <a:endParaRPr lang="en-US" dirty="0"/>
           </a:p>
           <a:p>
             <a:pPr marL="342900" indent="-342900">
@@ -7830,21 +9318,21 @@
               <a:buAutoNum type="arabicParenBoth"/>
             </a:pPr>
             <a:r>
-              <a:rPr lang="en-US"/>
-              <a:t>n_estimators = 100, max_depth = 10, criterion = entropy</a:t>
-            </a:r>
-          </a:p>
-          <a:p>
-            <a:pPr marL="342900" indent="-342900">
-              <a:buAutoNum type="arabicParenBoth"/>
-            </a:pPr>
-            <a:endParaRPr lang="en-US"/>
-          </a:p>
-          <a:p>
-            <a:pPr marL="342900" indent="-342900">
-              <a:buAutoNum type="arabicParenBoth"/>
-            </a:pPr>
-            <a:endParaRPr lang="en-US"/>
+              <a:rPr lang="en-US" dirty="0" err="1"/>
+              <a:t>n_estimators</a:t>
+            </a:r>
+            <a:r>
+              <a:rPr lang="en-US" dirty="0"/>
+              <a:t> = 100, </a:t>
+            </a:r>
+            <a:r>
+              <a:rPr lang="en-US" dirty="0" err="1"/>
+              <a:t>max_depth</a:t>
+            </a:r>
+            <a:r>
+              <a:rPr lang="en-US" dirty="0"/>
+              <a:t> = 10, criterion = entropy</a:t>
+            </a:r>
           </a:p>
         </p:txBody>
       </p:sp>
@@ -7883,7 +9371,7 @@
           <p:cNvPr id="2" name="Title 1">
             <a:extLst>
               <a:ext uri="{FF2B5EF4-FFF2-40B4-BE49-F238E27FC236}">
-                <a16:creationId xmlns:a16="http://schemas.microsoft.com/office/drawing/2014/main" id="{20F3B432-91FC-0042-80AA-F8DA114FD276}"/>
+                <a16:creationId xmlns:a16="http://schemas.microsoft.com/office/drawing/2014/main" id="{4AACECB1-D033-4E4B-9751-7F74CDB85CE2}"/>
               </a:ext>
             </a:extLst>
           </p:cNvPr>
@@ -7896,8 +9384,8 @@
         </p:nvSpPr>
         <p:spPr>
           <a:xfrm>
-            <a:off x="2231136" y="501705"/>
-            <a:ext cx="7729728" cy="875682"/>
+            <a:off x="2286000" y="914400"/>
+            <a:ext cx="7772400" cy="914400"/>
           </a:xfrm>
         </p:spPr>
         <p:txBody>
@@ -7905,146 +9393,76 @@
           <a:lstStyle/>
           <a:p>
             <a:r>
-              <a:rPr lang="en-US"/>
-              <a:t>Final Model evaluation</a:t>
+              <a:rPr lang="en-US" dirty="0"/>
+              <a:t>Model tuning</a:t>
             </a:r>
           </a:p>
         </p:txBody>
       </p:sp>
       <p:pic>
         <p:nvPicPr>
-          <p:cNvPr id="4" name="Picture 3">
+          <p:cNvPr id="2050" name="Picture 2">
             <a:extLst>
               <a:ext uri="{FF2B5EF4-FFF2-40B4-BE49-F238E27FC236}">
-                <a16:creationId xmlns:a16="http://schemas.microsoft.com/office/drawing/2014/main" id="{4AD2803C-3889-984E-A36E-24A43FAFAC5A}"/>
+                <a16:creationId xmlns:a16="http://schemas.microsoft.com/office/drawing/2014/main" id="{31AAF0CE-4883-4015-9C37-D59A97FFCEC5}"/>
               </a:ext>
             </a:extLst>
           </p:cNvPr>
           <p:cNvPicPr>
-            <a:picLocks noChangeAspect="1"/>
+            <a:picLocks noChangeAspect="1" noChangeArrowheads="1"/>
           </p:cNvPicPr>
           <p:nvPr/>
         </p:nvPicPr>
         <p:blipFill>
-          <a:blip r:embed="rId2"/>
+          <a:blip r:embed="rId2">
+            <a:extLst>
+              <a:ext uri="{28A0092B-C50C-407E-A947-70E740481C1C}">
+                <a14:useLocalDpi xmlns:a14="http://schemas.microsoft.com/office/drawing/2010/main" val="0"/>
+              </a:ext>
+            </a:extLst>
+          </a:blip>
+          <a:srcRect/>
           <a:stretch>
             <a:fillRect/>
           </a:stretch>
         </p:blipFill>
-        <p:spPr>
+        <p:spPr bwMode="auto">
           <a:xfrm>
-            <a:off x="949203" y="2329005"/>
-            <a:ext cx="4912893" cy="3643533"/>
-          </a:xfrm>
-          <a:prstGeom prst="rect">
-            <a:avLst/>
-          </a:prstGeom>
-        </p:spPr>
-      </p:pic>
-      <p:pic>
-        <p:nvPicPr>
-          <p:cNvPr id="5" name="Picture 4">
-            <a:extLst>
-              <a:ext uri="{FF2B5EF4-FFF2-40B4-BE49-F238E27FC236}">
-                <a16:creationId xmlns:a16="http://schemas.microsoft.com/office/drawing/2014/main" id="{2B58AB24-F64E-B94C-8013-848E657FECB2}"/>
-              </a:ext>
-            </a:extLst>
-          </p:cNvPr>
-          <p:cNvPicPr>
-            <a:picLocks noChangeAspect="1"/>
-          </p:cNvPicPr>
-          <p:nvPr/>
-        </p:nvPicPr>
-        <p:blipFill>
-          <a:blip r:embed="rId3"/>
-          <a:stretch>
-            <a:fillRect/>
-          </a:stretch>
-        </p:blipFill>
-        <p:spPr>
-          <a:xfrm>
-            <a:off x="6096000" y="2329004"/>
-            <a:ext cx="4998750" cy="3643533"/>
-          </a:xfrm>
-          <a:prstGeom prst="rect">
-            <a:avLst/>
-          </a:prstGeom>
-        </p:spPr>
-      </p:pic>
-      <p:sp>
-        <p:nvSpPr>
-          <p:cNvPr id="6" name="TextBox 5">
-            <a:extLst>
-              <a:ext uri="{FF2B5EF4-FFF2-40B4-BE49-F238E27FC236}">
-                <a16:creationId xmlns:a16="http://schemas.microsoft.com/office/drawing/2014/main" id="{33004B51-27C5-224A-A85C-1F2D5987C8DC}"/>
-              </a:ext>
-            </a:extLst>
-          </p:cNvPr>
-          <p:cNvSpPr txBox="1"/>
-          <p:nvPr/>
-        </p:nvSpPr>
-        <p:spPr>
-          <a:xfrm>
-            <a:off x="2106592" y="1770927"/>
-            <a:ext cx="2620461" cy="369332"/>
+            <a:off x="3512051" y="2616708"/>
+            <a:ext cx="4924425" cy="3276600"/>
           </a:xfrm>
           <a:prstGeom prst="rect">
             <a:avLst/>
           </a:prstGeom>
           <a:noFill/>
+          <a:ln>
+            <a:noFill/>
+          </a:ln>
+          <a:extLst>
+            <a:ext uri="{909E8E84-426E-40DD-AFC4-6F175D3DCCD1}">
+              <a14:hiddenFill xmlns:a14="http://schemas.microsoft.com/office/drawing/2010/main">
+                <a:solidFill>
+                  <a:srgbClr val="FFFFFF"/>
+                </a:solidFill>
+              </a14:hiddenFill>
+            </a:ext>
+            <a:ext uri="{91240B29-F687-4F45-9708-019B960494DF}">
+              <a14:hiddenLine xmlns:a14="http://schemas.microsoft.com/office/drawing/2010/main" w="9525">
+                <a:solidFill>
+                  <a:srgbClr val="000000"/>
+                </a:solidFill>
+                <a:miter lim="800000"/>
+                <a:headEnd/>
+                <a:tailEnd/>
+              </a14:hiddenLine>
+            </a:ext>
+          </a:extLst>
         </p:spPr>
-        <p:txBody>
-          <a:bodyPr wrap="none" rtlCol="0">
-            <a:spAutoFit/>
-          </a:bodyPr>
-          <a:lstStyle/>
-          <a:p>
-            <a:r>
-              <a:rPr lang="en-US" b="1"/>
-              <a:t>Precision-Recall Curve</a:t>
-            </a:r>
-          </a:p>
-        </p:txBody>
-      </p:sp>
-      <p:sp>
-        <p:nvSpPr>
-          <p:cNvPr id="7" name="TextBox 6">
-            <a:extLst>
-              <a:ext uri="{FF2B5EF4-FFF2-40B4-BE49-F238E27FC236}">
-                <a16:creationId xmlns:a16="http://schemas.microsoft.com/office/drawing/2014/main" id="{419ECF04-9BCA-D04B-8C2A-32C4A2864F4E}"/>
-              </a:ext>
-            </a:extLst>
-          </p:cNvPr>
-          <p:cNvSpPr txBox="1"/>
-          <p:nvPr/>
-        </p:nvSpPr>
-        <p:spPr>
-          <a:xfrm>
-            <a:off x="7162450" y="1770927"/>
-            <a:ext cx="2865849" cy="369332"/>
-          </a:xfrm>
-          <a:prstGeom prst="rect">
-            <a:avLst/>
-          </a:prstGeom>
-          <a:noFill/>
-        </p:spPr>
-        <p:txBody>
-          <a:bodyPr wrap="none" rtlCol="0">
-            <a:spAutoFit/>
-          </a:bodyPr>
-          <a:lstStyle/>
-          <a:p>
-            <a:r>
-              <a:rPr lang="en-US" b="1"/>
-              <a:t>Cost Function (example)</a:t>
-            </a:r>
-          </a:p>
-        </p:txBody>
-      </p:sp>
+      </p:pic>
     </p:spTree>
     <p:extLst>
       <p:ext uri="{BB962C8B-B14F-4D97-AF65-F5344CB8AC3E}">
-        <p14:creationId xmlns:p14="http://schemas.microsoft.com/office/powerpoint/2010/main" val="3742588891"/>
+        <p14:creationId xmlns:p14="http://schemas.microsoft.com/office/powerpoint/2010/main" val="237996111"/>
       </p:ext>
     </p:extLst>
   </p:cSld>

--- a/docs/Presentation.pptx
+++ b/docs/Presentation.pptx
@@ -133,482 +133,6 @@
 </p:presentation>
 </file>
 
-<file path=ppt/revisionInfo.xml><?xml version="1.0" encoding="utf-8"?>
-<p1510:revInfo xmlns:a="http://schemas.openxmlformats.org/drawingml/2006/main" xmlns:r="http://schemas.openxmlformats.org/officeDocument/2006/relationships" xmlns:p1510="http://schemas.microsoft.com/office/powerpoint/2015/10/main">
-  <p1510:revLst>
-    <p1510:client id="{2E07F154-E418-48D3-B9C3-C5A2B3AD439E}" v="45" dt="2019-12-12T19:58:44.445"/>
-  </p1510:revLst>
-</p1510:revInfo>
-</file>
-
-<file path=ppt/changesInfos/changesInfo1.xml><?xml version="1.0" encoding="utf-8"?>
-<pc:chgInfo xmlns:a="http://schemas.openxmlformats.org/drawingml/2006/main" xmlns:r="http://schemas.openxmlformats.org/officeDocument/2006/relationships" xmlns:ac="http://schemas.microsoft.com/office/drawing/2013/main/command" xmlns:pc="http://schemas.microsoft.com/office/powerpoint/2013/main/command">
-  <pc:docChgLst>
-    <pc:chgData name="Frederick, Kendra" userId="46b225b0-66c1-4c45-b146-80e8e800b3c0" providerId="ADAL" clId="{2E07F154-E418-48D3-B9C3-C5A2B3AD439E}"/>
-    <pc:docChg chg="undo custSel addSld modSld sldOrd">
-      <pc:chgData name="Frederick, Kendra" userId="46b225b0-66c1-4c45-b146-80e8e800b3c0" providerId="ADAL" clId="{2E07F154-E418-48D3-B9C3-C5A2B3AD439E}" dt="2019-12-12T19:58:44.444" v="578"/>
-      <pc:docMkLst>
-        <pc:docMk/>
-      </pc:docMkLst>
-      <pc:sldChg chg="modSp">
-        <pc:chgData name="Frederick, Kendra" userId="46b225b0-66c1-4c45-b146-80e8e800b3c0" providerId="ADAL" clId="{2E07F154-E418-48D3-B9C3-C5A2B3AD439E}" dt="2019-12-12T19:10:26.007" v="4" actId="14100"/>
-        <pc:sldMkLst>
-          <pc:docMk/>
-          <pc:sldMk cId="677750090" sldId="257"/>
-        </pc:sldMkLst>
-        <pc:spChg chg="mod">
-          <ac:chgData name="Frederick, Kendra" userId="46b225b0-66c1-4c45-b146-80e8e800b3c0" providerId="ADAL" clId="{2E07F154-E418-48D3-B9C3-C5A2B3AD439E}" dt="2019-12-12T19:10:26.007" v="4" actId="14100"/>
-          <ac:spMkLst>
-            <pc:docMk/>
-            <pc:sldMk cId="677750090" sldId="257"/>
-            <ac:spMk id="2" creationId="{8A8A262D-FB65-2646-8BFA-1DCAD9218EEE}"/>
-          </ac:spMkLst>
-        </pc:spChg>
-      </pc:sldChg>
-      <pc:sldChg chg="modSp">
-        <pc:chgData name="Frederick, Kendra" userId="46b225b0-66c1-4c45-b146-80e8e800b3c0" providerId="ADAL" clId="{2E07F154-E418-48D3-B9C3-C5A2B3AD439E}" dt="2019-12-12T19:11:36.549" v="13" actId="1076"/>
-        <pc:sldMkLst>
-          <pc:docMk/>
-          <pc:sldMk cId="1554287694" sldId="258"/>
-        </pc:sldMkLst>
-        <pc:spChg chg="mod">
-          <ac:chgData name="Frederick, Kendra" userId="46b225b0-66c1-4c45-b146-80e8e800b3c0" providerId="ADAL" clId="{2E07F154-E418-48D3-B9C3-C5A2B3AD439E}" dt="2019-12-12T19:11:31.854" v="12" actId="1076"/>
-          <ac:spMkLst>
-            <pc:docMk/>
-            <pc:sldMk cId="1554287694" sldId="258"/>
-            <ac:spMk id="2" creationId="{090FC1E9-5F20-2340-BA0C-2EECDF6F2206}"/>
-          </ac:spMkLst>
-        </pc:spChg>
-        <pc:spChg chg="mod">
-          <ac:chgData name="Frederick, Kendra" userId="46b225b0-66c1-4c45-b146-80e8e800b3c0" providerId="ADAL" clId="{2E07F154-E418-48D3-B9C3-C5A2B3AD439E}" dt="2019-12-12T19:11:36.549" v="13" actId="1076"/>
-          <ac:spMkLst>
-            <pc:docMk/>
-            <pc:sldMk cId="1554287694" sldId="258"/>
-            <ac:spMk id="3" creationId="{B4F9E1E4-8EF3-BC41-8968-F388CF124429}"/>
-          </ac:spMkLst>
-        </pc:spChg>
-      </pc:sldChg>
-      <pc:sldChg chg="modSp">
-        <pc:chgData name="Frederick, Kendra" userId="46b225b0-66c1-4c45-b146-80e8e800b3c0" providerId="ADAL" clId="{2E07F154-E418-48D3-B9C3-C5A2B3AD439E}" dt="2019-12-12T19:16:40.584" v="175" actId="20577"/>
-        <pc:sldMkLst>
-          <pc:docMk/>
-          <pc:sldMk cId="3864775188" sldId="259"/>
-        </pc:sldMkLst>
-        <pc:spChg chg="mod">
-          <ac:chgData name="Frederick, Kendra" userId="46b225b0-66c1-4c45-b146-80e8e800b3c0" providerId="ADAL" clId="{2E07F154-E418-48D3-B9C3-C5A2B3AD439E}" dt="2019-12-12T19:11:48.160" v="19" actId="1076"/>
-          <ac:spMkLst>
-            <pc:docMk/>
-            <pc:sldMk cId="3864775188" sldId="259"/>
-            <ac:spMk id="2" creationId="{62C91579-61BF-674D-99B4-168197967E9C}"/>
-          </ac:spMkLst>
-        </pc:spChg>
-        <pc:spChg chg="mod">
-          <ac:chgData name="Frederick, Kendra" userId="46b225b0-66c1-4c45-b146-80e8e800b3c0" providerId="ADAL" clId="{2E07F154-E418-48D3-B9C3-C5A2B3AD439E}" dt="2019-12-12T19:16:40.584" v="175" actId="20577"/>
-          <ac:spMkLst>
-            <pc:docMk/>
-            <pc:sldMk cId="3864775188" sldId="259"/>
-            <ac:spMk id="3" creationId="{73C1D7BC-A9D1-C344-B05F-41412E4F2470}"/>
-          </ac:spMkLst>
-        </pc:spChg>
-      </pc:sldChg>
-      <pc:sldChg chg="modSp">
-        <pc:chgData name="Frederick, Kendra" userId="46b225b0-66c1-4c45-b146-80e8e800b3c0" providerId="ADAL" clId="{2E07F154-E418-48D3-B9C3-C5A2B3AD439E}" dt="2019-12-12T19:19:18.594" v="207" actId="20577"/>
-        <pc:sldMkLst>
-          <pc:docMk/>
-          <pc:sldMk cId="1479351257" sldId="260"/>
-        </pc:sldMkLst>
-        <pc:spChg chg="mod">
-          <ac:chgData name="Frederick, Kendra" userId="46b225b0-66c1-4c45-b146-80e8e800b3c0" providerId="ADAL" clId="{2E07F154-E418-48D3-B9C3-C5A2B3AD439E}" dt="2019-12-12T19:19:01.091" v="195" actId="1076"/>
-          <ac:spMkLst>
-            <pc:docMk/>
-            <pc:sldMk cId="1479351257" sldId="260"/>
-            <ac:spMk id="2" creationId="{2ECA3613-7224-2447-BB0E-F9160943A7F1}"/>
-          </ac:spMkLst>
-        </pc:spChg>
-        <pc:spChg chg="mod">
-          <ac:chgData name="Frederick, Kendra" userId="46b225b0-66c1-4c45-b146-80e8e800b3c0" providerId="ADAL" clId="{2E07F154-E418-48D3-B9C3-C5A2B3AD439E}" dt="2019-12-12T19:19:18.594" v="207" actId="20577"/>
-          <ac:spMkLst>
-            <pc:docMk/>
-            <pc:sldMk cId="1479351257" sldId="260"/>
-            <ac:spMk id="5" creationId="{8906492E-6B27-6A48-8B5C-8BC58544B5E7}"/>
-          </ac:spMkLst>
-        </pc:spChg>
-      </pc:sldChg>
-      <pc:sldChg chg="modSp">
-        <pc:chgData name="Frederick, Kendra" userId="46b225b0-66c1-4c45-b146-80e8e800b3c0" providerId="ADAL" clId="{2E07F154-E418-48D3-B9C3-C5A2B3AD439E}" dt="2019-12-12T19:49:43.517" v="409" actId="1076"/>
-        <pc:sldMkLst>
-          <pc:docMk/>
-          <pc:sldMk cId="638821798" sldId="261"/>
-        </pc:sldMkLst>
-        <pc:spChg chg="mod">
-          <ac:chgData name="Frederick, Kendra" userId="46b225b0-66c1-4c45-b146-80e8e800b3c0" providerId="ADAL" clId="{2E07F154-E418-48D3-B9C3-C5A2B3AD439E}" dt="2019-12-12T19:49:43.517" v="409" actId="1076"/>
-          <ac:spMkLst>
-            <pc:docMk/>
-            <pc:sldMk cId="638821798" sldId="261"/>
-            <ac:spMk id="7" creationId="{9F5234E5-66CA-FB40-B3E1-A7E5351E4DC5}"/>
-          </ac:spMkLst>
-        </pc:spChg>
-      </pc:sldChg>
-      <pc:sldChg chg="modSp">
-        <pc:chgData name="Frederick, Kendra" userId="46b225b0-66c1-4c45-b146-80e8e800b3c0" providerId="ADAL" clId="{2E07F154-E418-48D3-B9C3-C5A2B3AD439E}" dt="2019-12-12T19:17:47.571" v="183" actId="1076"/>
-        <pc:sldMkLst>
-          <pc:docMk/>
-          <pc:sldMk cId="3206130458" sldId="262"/>
-        </pc:sldMkLst>
-        <pc:spChg chg="mod">
-          <ac:chgData name="Frederick, Kendra" userId="46b225b0-66c1-4c45-b146-80e8e800b3c0" providerId="ADAL" clId="{2E07F154-E418-48D3-B9C3-C5A2B3AD439E}" dt="2019-12-12T19:17:47.571" v="183" actId="1076"/>
-          <ac:spMkLst>
-            <pc:docMk/>
-            <pc:sldMk cId="3206130458" sldId="262"/>
-            <ac:spMk id="2" creationId="{1327E9F2-A4A1-B740-9B58-892A40E89083}"/>
-          </ac:spMkLst>
-        </pc:spChg>
-      </pc:sldChg>
-      <pc:sldChg chg="modSp">
-        <pc:chgData name="Frederick, Kendra" userId="46b225b0-66c1-4c45-b146-80e8e800b3c0" providerId="ADAL" clId="{2E07F154-E418-48D3-B9C3-C5A2B3AD439E}" dt="2019-12-12T19:18:22.851" v="189" actId="1076"/>
-        <pc:sldMkLst>
-          <pc:docMk/>
-          <pc:sldMk cId="456505107" sldId="263"/>
-        </pc:sldMkLst>
-        <pc:spChg chg="mod">
-          <ac:chgData name="Frederick, Kendra" userId="46b225b0-66c1-4c45-b146-80e8e800b3c0" providerId="ADAL" clId="{2E07F154-E418-48D3-B9C3-C5A2B3AD439E}" dt="2019-12-12T19:18:22.851" v="189" actId="1076"/>
-          <ac:spMkLst>
-            <pc:docMk/>
-            <pc:sldMk cId="456505107" sldId="263"/>
-            <ac:spMk id="2" creationId="{6D0A3CDC-23D8-DB44-A25A-2B2EBE3ED23D}"/>
-          </ac:spMkLst>
-        </pc:spChg>
-      </pc:sldChg>
-      <pc:sldChg chg="modSp">
-        <pc:chgData name="Frederick, Kendra" userId="46b225b0-66c1-4c45-b146-80e8e800b3c0" providerId="ADAL" clId="{2E07F154-E418-48D3-B9C3-C5A2B3AD439E}" dt="2019-12-12T19:50:37.412" v="472" actId="20577"/>
-        <pc:sldMkLst>
-          <pc:docMk/>
-          <pc:sldMk cId="3225992162" sldId="264"/>
-        </pc:sldMkLst>
-        <pc:spChg chg="mod">
-          <ac:chgData name="Frederick, Kendra" userId="46b225b0-66c1-4c45-b146-80e8e800b3c0" providerId="ADAL" clId="{2E07F154-E418-48D3-B9C3-C5A2B3AD439E}" dt="2019-12-12T19:50:37.412" v="472" actId="20577"/>
-          <ac:spMkLst>
-            <pc:docMk/>
-            <pc:sldMk cId="3225992162" sldId="264"/>
-            <ac:spMk id="2" creationId="{86631A11-A0E3-B141-A734-A45BB526CC3B}"/>
-          </ac:spMkLst>
-        </pc:spChg>
-      </pc:sldChg>
-      <pc:sldChg chg="addSp modSp">
-        <pc:chgData name="Frederick, Kendra" userId="46b225b0-66c1-4c45-b146-80e8e800b3c0" providerId="ADAL" clId="{2E07F154-E418-48D3-B9C3-C5A2B3AD439E}" dt="2019-12-12T19:50:21.309" v="467" actId="20577"/>
-        <pc:sldMkLst>
-          <pc:docMk/>
-          <pc:sldMk cId="4077622182" sldId="265"/>
-        </pc:sldMkLst>
-        <pc:spChg chg="mod">
-          <ac:chgData name="Frederick, Kendra" userId="46b225b0-66c1-4c45-b146-80e8e800b3c0" providerId="ADAL" clId="{2E07F154-E418-48D3-B9C3-C5A2B3AD439E}" dt="2019-12-12T19:49:52.171" v="413" actId="1076"/>
-          <ac:spMkLst>
-            <pc:docMk/>
-            <pc:sldMk cId="4077622182" sldId="265"/>
-            <ac:spMk id="2" creationId="{8E5DDE81-5CA0-CB47-88AB-2ECA9B61D10C}"/>
-          </ac:spMkLst>
-        </pc:spChg>
-        <pc:spChg chg="add mod">
-          <ac:chgData name="Frederick, Kendra" userId="46b225b0-66c1-4c45-b146-80e8e800b3c0" providerId="ADAL" clId="{2E07F154-E418-48D3-B9C3-C5A2B3AD439E}" dt="2019-12-12T19:50:21.309" v="467" actId="20577"/>
-          <ac:spMkLst>
-            <pc:docMk/>
-            <pc:sldMk cId="4077622182" sldId="265"/>
-            <ac:spMk id="3" creationId="{36195225-15CD-4504-816D-CA34A24304A1}"/>
-          </ac:spMkLst>
-        </pc:spChg>
-        <pc:picChg chg="mod">
-          <ac:chgData name="Frederick, Kendra" userId="46b225b0-66c1-4c45-b146-80e8e800b3c0" providerId="ADAL" clId="{2E07F154-E418-48D3-B9C3-C5A2B3AD439E}" dt="2019-12-12T19:50:00.421" v="415" actId="1076"/>
-          <ac:picMkLst>
-            <pc:docMk/>
-            <pc:sldMk cId="4077622182" sldId="265"/>
-            <ac:picMk id="5" creationId="{6EEAE6CF-C760-114D-88D0-53A0A09BB4EA}"/>
-          </ac:picMkLst>
-        </pc:picChg>
-      </pc:sldChg>
-      <pc:sldChg chg="modSp">
-        <pc:chgData name="Frederick, Kendra" userId="46b225b0-66c1-4c45-b146-80e8e800b3c0" providerId="ADAL" clId="{2E07F154-E418-48D3-B9C3-C5A2B3AD439E}" dt="2019-12-12T19:19:55.223" v="227" actId="1076"/>
-        <pc:sldMkLst>
-          <pc:docMk/>
-          <pc:sldMk cId="2616934015" sldId="266"/>
-        </pc:sldMkLst>
-        <pc:spChg chg="mod">
-          <ac:chgData name="Frederick, Kendra" userId="46b225b0-66c1-4c45-b146-80e8e800b3c0" providerId="ADAL" clId="{2E07F154-E418-48D3-B9C3-C5A2B3AD439E}" dt="2019-12-12T19:19:45.290" v="225" actId="1076"/>
-          <ac:spMkLst>
-            <pc:docMk/>
-            <pc:sldMk cId="2616934015" sldId="266"/>
-            <ac:spMk id="2" creationId="{DE9EA540-011A-3742-865C-C4DAE01C2A15}"/>
-          </ac:spMkLst>
-        </pc:spChg>
-        <pc:spChg chg="mod">
-          <ac:chgData name="Frederick, Kendra" userId="46b225b0-66c1-4c45-b146-80e8e800b3c0" providerId="ADAL" clId="{2E07F154-E418-48D3-B9C3-C5A2B3AD439E}" dt="2019-12-12T19:19:55.223" v="227" actId="1076"/>
-          <ac:spMkLst>
-            <pc:docMk/>
-            <pc:sldMk cId="2616934015" sldId="266"/>
-            <ac:spMk id="5" creationId="{AFF0DF6F-BD87-434C-B476-10F74410C310}"/>
-          </ac:spMkLst>
-        </pc:spChg>
-        <pc:graphicFrameChg chg="mod">
-          <ac:chgData name="Frederick, Kendra" userId="46b225b0-66c1-4c45-b146-80e8e800b3c0" providerId="ADAL" clId="{2E07F154-E418-48D3-B9C3-C5A2B3AD439E}" dt="2019-12-12T19:19:52.959" v="226" actId="1076"/>
-          <ac:graphicFrameMkLst>
-            <pc:docMk/>
-            <pc:sldMk cId="2616934015" sldId="266"/>
-            <ac:graphicFrameMk id="4" creationId="{EF9A2478-065D-0A40-9B7C-5D644BFABE6B}"/>
-          </ac:graphicFrameMkLst>
-        </pc:graphicFrameChg>
-      </pc:sldChg>
-      <pc:sldChg chg="addSp modSp">
-        <pc:chgData name="Frederick, Kendra" userId="46b225b0-66c1-4c45-b146-80e8e800b3c0" providerId="ADAL" clId="{2E07F154-E418-48D3-B9C3-C5A2B3AD439E}" dt="2019-12-12T19:51:29.515" v="521" actId="20577"/>
-        <pc:sldMkLst>
-          <pc:docMk/>
-          <pc:sldMk cId="2974474177" sldId="267"/>
-        </pc:sldMkLst>
-        <pc:spChg chg="add mod">
-          <ac:chgData name="Frederick, Kendra" userId="46b225b0-66c1-4c45-b146-80e8e800b3c0" providerId="ADAL" clId="{2E07F154-E418-48D3-B9C3-C5A2B3AD439E}" dt="2019-12-12T19:51:29.515" v="521" actId="20577"/>
-          <ac:spMkLst>
-            <pc:docMk/>
-            <pc:sldMk cId="2974474177" sldId="267"/>
-            <ac:spMk id="3" creationId="{EEAA9D4C-D850-4EC6-A063-E40212C85C98}"/>
-          </ac:spMkLst>
-        </pc:spChg>
-      </pc:sldChg>
-      <pc:sldChg chg="addSp modSp">
-        <pc:chgData name="Frederick, Kendra" userId="46b225b0-66c1-4c45-b146-80e8e800b3c0" providerId="ADAL" clId="{2E07F154-E418-48D3-B9C3-C5A2B3AD439E}" dt="2019-12-12T19:51:45.442" v="546" actId="1076"/>
-        <pc:sldMkLst>
-          <pc:docMk/>
-          <pc:sldMk cId="1217331592" sldId="268"/>
-        </pc:sldMkLst>
-        <pc:spChg chg="add mod">
-          <ac:chgData name="Frederick, Kendra" userId="46b225b0-66c1-4c45-b146-80e8e800b3c0" providerId="ADAL" clId="{2E07F154-E418-48D3-B9C3-C5A2B3AD439E}" dt="2019-12-12T19:51:45.442" v="546" actId="1076"/>
-          <ac:spMkLst>
-            <pc:docMk/>
-            <pc:sldMk cId="1217331592" sldId="268"/>
-            <ac:spMk id="4" creationId="{027C6303-5225-4EC2-BB0B-E9A4C08CE967}"/>
-          </ac:spMkLst>
-        </pc:spChg>
-      </pc:sldChg>
-      <pc:sldChg chg="addSp modSp modAnim">
-        <pc:chgData name="Frederick, Kendra" userId="46b225b0-66c1-4c45-b146-80e8e800b3c0" providerId="ADAL" clId="{2E07F154-E418-48D3-B9C3-C5A2B3AD439E}" dt="2019-12-12T19:39:34.573" v="300" actId="1076"/>
-        <pc:sldMkLst>
-          <pc:docMk/>
-          <pc:sldMk cId="3742588891" sldId="269"/>
-        </pc:sldMkLst>
-        <pc:spChg chg="mod">
-          <ac:chgData name="Frederick, Kendra" userId="46b225b0-66c1-4c45-b146-80e8e800b3c0" providerId="ADAL" clId="{2E07F154-E418-48D3-B9C3-C5A2B3AD439E}" dt="2019-12-12T19:38:08.503" v="282" actId="14100"/>
-          <ac:spMkLst>
-            <pc:docMk/>
-            <pc:sldMk cId="3742588891" sldId="269"/>
-            <ac:spMk id="2" creationId="{20F3B432-91FC-0042-80AA-F8DA114FD276}"/>
-          </ac:spMkLst>
-        </pc:spChg>
-        <pc:spChg chg="add mod">
-          <ac:chgData name="Frederick, Kendra" userId="46b225b0-66c1-4c45-b146-80e8e800b3c0" providerId="ADAL" clId="{2E07F154-E418-48D3-B9C3-C5A2B3AD439E}" dt="2019-12-12T19:37:59.373" v="278" actId="1037"/>
-          <ac:spMkLst>
-            <pc:docMk/>
-            <pc:sldMk cId="3742588891" sldId="269"/>
-            <ac:spMk id="9" creationId="{B1E03ED9-7343-4299-949E-3787B69E188A}"/>
-          </ac:spMkLst>
-        </pc:spChg>
-        <pc:spChg chg="add mod">
-          <ac:chgData name="Frederick, Kendra" userId="46b225b0-66c1-4c45-b146-80e8e800b3c0" providerId="ADAL" clId="{2E07F154-E418-48D3-B9C3-C5A2B3AD439E}" dt="2019-12-12T19:39:34.573" v="300" actId="1076"/>
-          <ac:spMkLst>
-            <pc:docMk/>
-            <pc:sldMk cId="3742588891" sldId="269"/>
-            <ac:spMk id="14" creationId="{9D3F5DA9-3C32-4971-99A2-D697CBCEBA98}"/>
-          </ac:spMkLst>
-        </pc:spChg>
-        <pc:cxnChg chg="add mod">
-          <ac:chgData name="Frederick, Kendra" userId="46b225b0-66c1-4c45-b146-80e8e800b3c0" providerId="ADAL" clId="{2E07F154-E418-48D3-B9C3-C5A2B3AD439E}" dt="2019-12-12T19:37:51.965" v="270" actId="1038"/>
-          <ac:cxnSpMkLst>
-            <pc:docMk/>
-            <pc:sldMk cId="3742588891" sldId="269"/>
-            <ac:cxnSpMk id="8" creationId="{FFDE9F7A-E505-4DFA-ADAB-B9A87C1841F8}"/>
-          </ac:cxnSpMkLst>
-        </pc:cxnChg>
-      </pc:sldChg>
-      <pc:sldChg chg="modSp">
-        <pc:chgData name="Frederick, Kendra" userId="46b225b0-66c1-4c45-b146-80e8e800b3c0" providerId="ADAL" clId="{2E07F154-E418-48D3-B9C3-C5A2B3AD439E}" dt="2019-12-12T19:49:24.459" v="406" actId="20577"/>
-        <pc:sldMkLst>
-          <pc:docMk/>
-          <pc:sldMk cId="393610802" sldId="270"/>
-        </pc:sldMkLst>
-        <pc:spChg chg="mod">
-          <ac:chgData name="Frederick, Kendra" userId="46b225b0-66c1-4c45-b146-80e8e800b3c0" providerId="ADAL" clId="{2E07F154-E418-48D3-B9C3-C5A2B3AD439E}" dt="2019-12-12T19:49:24.459" v="406" actId="20577"/>
-          <ac:spMkLst>
-            <pc:docMk/>
-            <pc:sldMk cId="393610802" sldId="270"/>
-            <ac:spMk id="3" creationId="{43B626B8-0930-FD44-B7C4-848F2D2227B0}"/>
-          </ac:spMkLst>
-        </pc:spChg>
-        <pc:spChg chg="mod">
-          <ac:chgData name="Frederick, Kendra" userId="46b225b0-66c1-4c45-b146-80e8e800b3c0" providerId="ADAL" clId="{2E07F154-E418-48D3-B9C3-C5A2B3AD439E}" dt="2019-12-12T19:49:15.859" v="401" actId="1076"/>
-          <ac:spMkLst>
-            <pc:docMk/>
-            <pc:sldMk cId="393610802" sldId="270"/>
-            <ac:spMk id="4" creationId="{98B9FD84-B092-4641-9A99-825B6EAA275B}"/>
-          </ac:spMkLst>
-        </pc:spChg>
-      </pc:sldChg>
-      <pc:sldChg chg="addSp modSp modAnim">
-        <pc:chgData name="Frederick, Kendra" userId="46b225b0-66c1-4c45-b146-80e8e800b3c0" providerId="ADAL" clId="{2E07F154-E418-48D3-B9C3-C5A2B3AD439E}" dt="2019-12-12T19:38:57.151" v="298" actId="207"/>
-        <pc:sldMkLst>
-          <pc:docMk/>
-          <pc:sldMk cId="1341364427" sldId="271"/>
-        </pc:sldMkLst>
-        <pc:spChg chg="mod">
-          <ac:chgData name="Frederick, Kendra" userId="46b225b0-66c1-4c45-b146-80e8e800b3c0" providerId="ADAL" clId="{2E07F154-E418-48D3-B9C3-C5A2B3AD439E}" dt="2019-12-12T19:38:18.809" v="285" actId="14100"/>
-          <ac:spMkLst>
-            <pc:docMk/>
-            <pc:sldMk cId="1341364427" sldId="271"/>
-            <ac:spMk id="2" creationId="{8474903E-F545-4345-A2FB-BE02E9312EBB}"/>
-          </ac:spMkLst>
-        </pc:spChg>
-        <pc:spChg chg="add mod">
-          <ac:chgData name="Frederick, Kendra" userId="46b225b0-66c1-4c45-b146-80e8e800b3c0" providerId="ADAL" clId="{2E07F154-E418-48D3-B9C3-C5A2B3AD439E}" dt="2019-12-12T19:38:57.151" v="298" actId="207"/>
-          <ac:spMkLst>
-            <pc:docMk/>
-            <pc:sldMk cId="1341364427" sldId="271"/>
-            <ac:spMk id="12" creationId="{7526FCEF-F772-4807-80FD-3E9E5A79CF46}"/>
-          </ac:spMkLst>
-        </pc:spChg>
-      </pc:sldChg>
-      <pc:sldChg chg="addSp delSp modSp add modNotesTx">
-        <pc:chgData name="Frederick, Kendra" userId="46b225b0-66c1-4c45-b146-80e8e800b3c0" providerId="ADAL" clId="{2E07F154-E418-48D3-B9C3-C5A2B3AD439E}" dt="2019-12-12T19:54:50.589" v="568" actId="1076"/>
-        <pc:sldMkLst>
-          <pc:docMk/>
-          <pc:sldMk cId="1216451595" sldId="272"/>
-        </pc:sldMkLst>
-        <pc:spChg chg="del">
-          <ac:chgData name="Frederick, Kendra" userId="46b225b0-66c1-4c45-b146-80e8e800b3c0" providerId="ADAL" clId="{2E07F154-E418-48D3-B9C3-C5A2B3AD439E}" dt="2019-12-12T19:44:16.196" v="302" actId="478"/>
-          <ac:spMkLst>
-            <pc:docMk/>
-            <pc:sldMk cId="1216451595" sldId="272"/>
-            <ac:spMk id="2" creationId="{72C04FA7-D00B-4565-9660-2F245885C78A}"/>
-          </ac:spMkLst>
-        </pc:spChg>
-        <pc:spChg chg="del">
-          <ac:chgData name="Frederick, Kendra" userId="46b225b0-66c1-4c45-b146-80e8e800b3c0" providerId="ADAL" clId="{2E07F154-E418-48D3-B9C3-C5A2B3AD439E}" dt="2019-12-12T19:44:23.870" v="306"/>
-          <ac:spMkLst>
-            <pc:docMk/>
-            <pc:sldMk cId="1216451595" sldId="272"/>
-            <ac:spMk id="3" creationId="{F424771E-0CA0-4109-B708-90311943A27D}"/>
-          </ac:spMkLst>
-        </pc:spChg>
-        <pc:spChg chg="del">
-          <ac:chgData name="Frederick, Kendra" userId="46b225b0-66c1-4c45-b146-80e8e800b3c0" providerId="ADAL" clId="{2E07F154-E418-48D3-B9C3-C5A2B3AD439E}" dt="2019-12-12T19:44:23.870" v="306"/>
-          <ac:spMkLst>
-            <pc:docMk/>
-            <pc:sldMk cId="1216451595" sldId="272"/>
-            <ac:spMk id="4" creationId="{29680FB5-1D11-470E-86DA-0EFC7E64B420}"/>
-          </ac:spMkLst>
-        </pc:spChg>
-        <pc:spChg chg="add mod">
-          <ac:chgData name="Frederick, Kendra" userId="46b225b0-66c1-4c45-b146-80e8e800b3c0" providerId="ADAL" clId="{2E07F154-E418-48D3-B9C3-C5A2B3AD439E}" dt="2019-12-12T19:44:43.044" v="330" actId="20577"/>
-          <ac:spMkLst>
-            <pc:docMk/>
-            <pc:sldMk cId="1216451595" sldId="272"/>
-            <ac:spMk id="5" creationId="{B32553F3-BEDA-4AA5-A4E2-831465E9023E}"/>
-          </ac:spMkLst>
-        </pc:spChg>
-        <pc:picChg chg="add del mod">
-          <ac:chgData name="Frederick, Kendra" userId="46b225b0-66c1-4c45-b146-80e8e800b3c0" providerId="ADAL" clId="{2E07F154-E418-48D3-B9C3-C5A2B3AD439E}" dt="2019-12-12T19:54:44.359" v="564" actId="478"/>
-          <ac:picMkLst>
-            <pc:docMk/>
-            <pc:sldMk cId="1216451595" sldId="272"/>
-            <ac:picMk id="1026" creationId="{322F43EA-BCFF-49C8-8F8C-D023C92A9344}"/>
-          </ac:picMkLst>
-        </pc:picChg>
-        <pc:picChg chg="add mod">
-          <ac:chgData name="Frederick, Kendra" userId="46b225b0-66c1-4c45-b146-80e8e800b3c0" providerId="ADAL" clId="{2E07F154-E418-48D3-B9C3-C5A2B3AD439E}" dt="2019-12-12T19:54:50.589" v="568" actId="1076"/>
-          <ac:picMkLst>
-            <pc:docMk/>
-            <pc:sldMk cId="1216451595" sldId="272"/>
-            <ac:picMk id="1027" creationId="{B9087D19-6D6D-4A96-91AC-74BBAC3DD9AD}"/>
-          </ac:picMkLst>
-        </pc:picChg>
-      </pc:sldChg>
-      <pc:sldChg chg="addSp delSp modSp add setBg">
-        <pc:chgData name="Frederick, Kendra" userId="46b225b0-66c1-4c45-b146-80e8e800b3c0" providerId="ADAL" clId="{2E07F154-E418-48D3-B9C3-C5A2B3AD439E}" dt="2019-12-12T19:51:11.404" v="487" actId="478"/>
-        <pc:sldMkLst>
-          <pc:docMk/>
-          <pc:sldMk cId="2805601405" sldId="273"/>
-        </pc:sldMkLst>
-        <pc:spChg chg="del">
-          <ac:chgData name="Frederick, Kendra" userId="46b225b0-66c1-4c45-b146-80e8e800b3c0" providerId="ADAL" clId="{2E07F154-E418-48D3-B9C3-C5A2B3AD439E}" dt="2019-12-12T19:50:44.595" v="473"/>
-          <ac:spMkLst>
-            <pc:docMk/>
-            <pc:sldMk cId="2805601405" sldId="273"/>
-            <ac:spMk id="2" creationId="{ECF57FC3-7995-410E-8982-5298C725A146}"/>
-          </ac:spMkLst>
-        </pc:spChg>
-        <pc:spChg chg="del">
-          <ac:chgData name="Frederick, Kendra" userId="46b225b0-66c1-4c45-b146-80e8e800b3c0" providerId="ADAL" clId="{2E07F154-E418-48D3-B9C3-C5A2B3AD439E}" dt="2019-12-12T19:50:44.595" v="473"/>
-          <ac:spMkLst>
-            <pc:docMk/>
-            <pc:sldMk cId="2805601405" sldId="273"/>
-            <ac:spMk id="3" creationId="{7D7E728A-B747-462F-BA8E-4AB9D9F63048}"/>
-          </ac:spMkLst>
-        </pc:spChg>
-        <pc:spChg chg="add mod">
-          <ac:chgData name="Frederick, Kendra" userId="46b225b0-66c1-4c45-b146-80e8e800b3c0" providerId="ADAL" clId="{2E07F154-E418-48D3-B9C3-C5A2B3AD439E}" dt="2019-12-12T19:51:07.132" v="486" actId="20577"/>
-          <ac:spMkLst>
-            <pc:docMk/>
-            <pc:sldMk cId="2805601405" sldId="273"/>
-            <ac:spMk id="4" creationId="{5C0CD122-E347-4361-AE07-E7011642E845}"/>
-          </ac:spMkLst>
-        </pc:spChg>
-        <pc:spChg chg="add del mod">
-          <ac:chgData name="Frederick, Kendra" userId="46b225b0-66c1-4c45-b146-80e8e800b3c0" providerId="ADAL" clId="{2E07F154-E418-48D3-B9C3-C5A2B3AD439E}" dt="2019-12-12T19:51:11.404" v="487" actId="478"/>
-          <ac:spMkLst>
-            <pc:docMk/>
-            <pc:sldMk cId="2805601405" sldId="273"/>
-            <ac:spMk id="5" creationId="{3A342AC3-C609-4A20-9776-324A4F41F169}"/>
-          </ac:spMkLst>
-        </pc:spChg>
-      </pc:sldChg>
-      <pc:sldChg chg="addSp delSp modSp add ord">
-        <pc:chgData name="Frederick, Kendra" userId="46b225b0-66c1-4c45-b146-80e8e800b3c0" providerId="ADAL" clId="{2E07F154-E418-48D3-B9C3-C5A2B3AD439E}" dt="2019-12-12T19:58:44.444" v="578"/>
-        <pc:sldMkLst>
-          <pc:docMk/>
-          <pc:sldMk cId="237996111" sldId="274"/>
-        </pc:sldMkLst>
-        <pc:spChg chg="mod">
-          <ac:chgData name="Frederick, Kendra" userId="46b225b0-66c1-4c45-b146-80e8e800b3c0" providerId="ADAL" clId="{2E07F154-E418-48D3-B9C3-C5A2B3AD439E}" dt="2019-12-12T19:58:37.176" v="576" actId="1076"/>
-          <ac:spMkLst>
-            <pc:docMk/>
-            <pc:sldMk cId="237996111" sldId="274"/>
-            <ac:spMk id="2" creationId="{4AACECB1-D033-4E4B-9751-7F74CDB85CE2}"/>
-          </ac:spMkLst>
-        </pc:spChg>
-        <pc:spChg chg="del">
-          <ac:chgData name="Frederick, Kendra" userId="46b225b0-66c1-4c45-b146-80e8e800b3c0" providerId="ADAL" clId="{2E07F154-E418-48D3-B9C3-C5A2B3AD439E}" dt="2019-12-12T19:52:12.219" v="563"/>
-          <ac:spMkLst>
-            <pc:docMk/>
-            <pc:sldMk cId="237996111" sldId="274"/>
-            <ac:spMk id="3" creationId="{C02BBFEA-55DC-42CF-BA0A-DF1CDE500936}"/>
-          </ac:spMkLst>
-        </pc:spChg>
-        <pc:spChg chg="del">
-          <ac:chgData name="Frederick, Kendra" userId="46b225b0-66c1-4c45-b146-80e8e800b3c0" providerId="ADAL" clId="{2E07F154-E418-48D3-B9C3-C5A2B3AD439E}" dt="2019-12-12T19:52:12.219" v="563"/>
-          <ac:spMkLst>
-            <pc:docMk/>
-            <pc:sldMk cId="237996111" sldId="274"/>
-            <ac:spMk id="4" creationId="{F6D0AF42-1391-472B-BA13-EDC2D6A23AA6}"/>
-          </ac:spMkLst>
-        </pc:spChg>
-        <pc:picChg chg="add mod">
-          <ac:chgData name="Frederick, Kendra" userId="46b225b0-66c1-4c45-b146-80e8e800b3c0" providerId="ADAL" clId="{2E07F154-E418-48D3-B9C3-C5A2B3AD439E}" dt="2019-12-12T19:58:13.052" v="570" actId="1076"/>
-          <ac:picMkLst>
-            <pc:docMk/>
-            <pc:sldMk cId="237996111" sldId="274"/>
-            <ac:picMk id="2050" creationId="{31AAF0CE-4883-4015-9C37-D59A97FFCEC5}"/>
-          </ac:picMkLst>
-        </pc:picChg>
-      </pc:sldChg>
-    </pc:docChg>
-  </pc:docChgLst>
-</pc:chgInfo>
-</file>
-
 <file path=ppt/notesMasters/notesMaster1.xml><?xml version="1.0" encoding="utf-8"?>
 <p:notesMaster xmlns:a="http://schemas.openxmlformats.org/drawingml/2006/main" xmlns:r="http://schemas.openxmlformats.org/officeDocument/2006/relationships" xmlns:p="http://schemas.openxmlformats.org/presentationml/2006/main">
   <p:cSld>
@@ -690,7 +214,7 @@
           </a:lstStyle>
           <a:p>
             <a:fld id="{8720514E-8D2F-1C4D-8E27-1D1EA480D016}" type="datetimeFigureOut">
-              <a:t>12/12/2019</a:t>
+              <a:t>12/12/19</a:t>
             </a:fld>
             <a:endParaRPr lang="en-US"/>
           </a:p>
@@ -1578,7 +1102,7 @@
           <a:lstStyle/>
           <a:p>
             <a:fld id="{25AA2725-C980-9E41-8C67-2E94227B55D7}" type="datetimeFigureOut">
-              <a:t>12/12/2019</a:t>
+              <a:t>12/12/19</a:t>
             </a:fld>
             <a:endParaRPr lang="en-US"/>
           </a:p>
@@ -1744,7 +1268,7 @@
           <a:lstStyle/>
           <a:p>
             <a:fld id="{25AA2725-C980-9E41-8C67-2E94227B55D7}" type="datetimeFigureOut">
-              <a:t>12/12/2019</a:t>
+              <a:t>12/12/19</a:t>
             </a:fld>
             <a:endParaRPr lang="en-US"/>
           </a:p>
@@ -1920,7 +1444,7 @@
           <a:lstStyle/>
           <a:p>
             <a:fld id="{25AA2725-C980-9E41-8C67-2E94227B55D7}" type="datetimeFigureOut">
-              <a:t>12/12/2019</a:t>
+              <a:t>12/12/19</a:t>
             </a:fld>
             <a:endParaRPr lang="en-US"/>
           </a:p>
@@ -2086,7 +1610,7 @@
           <a:lstStyle/>
           <a:p>
             <a:fld id="{25AA2725-C980-9E41-8C67-2E94227B55D7}" type="datetimeFigureOut">
-              <a:t>12/12/2019</a:t>
+              <a:t>12/12/19</a:t>
             </a:fld>
             <a:endParaRPr lang="en-US"/>
           </a:p>
@@ -2343,7 +1867,7 @@
           <a:lstStyle/>
           <a:p>
             <a:fld id="{25AA2725-C980-9E41-8C67-2E94227B55D7}" type="datetimeFigureOut">
-              <a:t>12/12/2019</a:t>
+              <a:t>12/12/19</a:t>
             </a:fld>
             <a:endParaRPr lang="en-US"/>
           </a:p>
@@ -2570,7 +2094,7 @@
           <a:lstStyle/>
           <a:p>
             <a:fld id="{25AA2725-C980-9E41-8C67-2E94227B55D7}" type="datetimeFigureOut">
-              <a:t>12/12/2019</a:t>
+              <a:t>12/12/19</a:t>
             </a:fld>
             <a:endParaRPr lang="en-US"/>
           </a:p>
@@ -2925,7 +2449,7 @@
           <a:lstStyle/>
           <a:p>
             <a:fld id="{25AA2725-C980-9E41-8C67-2E94227B55D7}" type="datetimeFigureOut">
-              <a:t>12/12/2019</a:t>
+              <a:t>12/12/19</a:t>
             </a:fld>
             <a:endParaRPr lang="en-US"/>
           </a:p>
@@ -3062,7 +2586,7 @@
           <a:lstStyle/>
           <a:p>
             <a:fld id="{25AA2725-C980-9E41-8C67-2E94227B55D7}" type="datetimeFigureOut">
-              <a:t>12/12/2019</a:t>
+              <a:t>12/12/19</a:t>
             </a:fld>
             <a:endParaRPr lang="en-US"/>
           </a:p>
@@ -3155,7 +2679,7 @@
           <a:lstStyle/>
           <a:p>
             <a:fld id="{25AA2725-C980-9E41-8C67-2E94227B55D7}" type="datetimeFigureOut">
-              <a:t>12/12/2019</a:t>
+              <a:t>12/12/19</a:t>
             </a:fld>
             <a:endParaRPr lang="en-US"/>
           </a:p>
@@ -3508,7 +3032,7 @@
           <a:lstStyle/>
           <a:p>
             <a:fld id="{25AA2725-C980-9E41-8C67-2E94227B55D7}" type="datetimeFigureOut">
-              <a:t>12/12/2019</a:t>
+              <a:t>12/12/19</a:t>
             </a:fld>
             <a:endParaRPr lang="en-US"/>
           </a:p>
@@ -3861,7 +3385,7 @@
           </a:lstStyle>
           <a:p>
             <a:fld id="{25AA2725-C980-9E41-8C67-2E94227B55D7}" type="datetimeFigureOut">
-              <a:t>12/12/2019</a:t>
+              <a:t>12/12/19</a:t>
             </a:fld>
             <a:endParaRPr lang="en-US"/>
           </a:p>
@@ -4099,7 +3623,7 @@
           </a:lstStyle>
           <a:p>
             <a:fld id="{25AA2725-C980-9E41-8C67-2E94227B55D7}" type="datetimeFigureOut">
-              <a:t>12/12/2019</a:t>
+              <a:t>12/12/19</a:t>
             </a:fld>
             <a:endParaRPr lang="en-US"/>
           </a:p>
@@ -5336,14 +4860,14 @@
           <p:nvPr>
             <p:extLst>
               <p:ext uri="{D42A27DB-BD31-4B8C-83A1-F6EECF244321}">
-                <p14:modId xmlns:p14="http://schemas.microsoft.com/office/powerpoint/2010/main" val="2854769947"/>
+                <p14:modId xmlns:p14="http://schemas.microsoft.com/office/powerpoint/2010/main" val="2398242494"/>
               </p:ext>
             </p:extLst>
           </p:nvPr>
         </p:nvGraphicFramePr>
         <p:xfrm>
           <a:off x="6644523" y="2416797"/>
-          <a:ext cx="3585850" cy="1854200"/>
+          <a:ext cx="3585850" cy="2225040"/>
         </p:xfrm>
         <a:graphic>
           <a:graphicData uri="http://schemas.openxmlformats.org/drawingml/2006/table">
@@ -5397,6 +4921,43 @@
                 <a:extLst>
                   <a:ext uri="{0D108BD9-81ED-4DB2-BD59-A6C34878D82A}">
                     <a16:rowId xmlns:a16="http://schemas.microsoft.com/office/drawing/2014/main" val="2354328514"/>
+                  </a:ext>
+                </a:extLst>
+              </a:tr>
+              <a:tr h="370840">
+                <a:tc>
+                  <a:txBody>
+                    <a:bodyPr/>
+                    <a:lstStyle/>
+                    <a:p>
+                      <a:r>
+                        <a:rPr lang="en-US">
+                          <a:latin typeface="Courier" pitchFamily="2" charset="0"/>
+                        </a:rPr>
+                        <a:t>F1 – train</a:t>
+                      </a:r>
+                    </a:p>
+                  </a:txBody>
+                  <a:tcPr/>
+                </a:tc>
+                <a:tc>
+                  <a:txBody>
+                    <a:bodyPr/>
+                    <a:lstStyle/>
+                    <a:p>
+                      <a:r>
+                        <a:rPr lang="en-US">
+                          <a:latin typeface="Courier" pitchFamily="2" charset="0"/>
+                        </a:rPr>
+                        <a:t>0.3598</a:t>
+                      </a:r>
+                    </a:p>
+                  </a:txBody>
+                  <a:tcPr/>
+                </a:tc>
+                <a:extLst>
+                  <a:ext uri="{0D108BD9-81ED-4DB2-BD59-A6C34878D82A}">
+                    <a16:rowId xmlns:a16="http://schemas.microsoft.com/office/drawing/2014/main" val="3844685458"/>
                   </a:ext>
                 </a:extLst>
               </a:tr>
@@ -7609,14 +7170,70 @@
         </p:blipFill>
         <p:spPr>
           <a:xfrm>
-            <a:off x="1663700" y="2522682"/>
-            <a:ext cx="8864600" cy="3683000"/>
+            <a:off x="1883619" y="2649619"/>
+            <a:ext cx="8394700" cy="3487769"/>
           </a:xfrm>
           <a:prstGeom prst="rect">
             <a:avLst/>
           </a:prstGeom>
         </p:spPr>
       </p:pic>
+      <p:sp>
+        <p:nvSpPr>
+          <p:cNvPr id="5" name="TextBox 4">
+            <a:extLst>
+              <a:ext uri="{FF2B5EF4-FFF2-40B4-BE49-F238E27FC236}">
+                <a16:creationId xmlns:a16="http://schemas.microsoft.com/office/drawing/2014/main" id="{B56FFA8B-F397-014C-A0AA-2AE8118E182C}"/>
+              </a:ext>
+            </a:extLst>
+          </p:cNvPr>
+          <p:cNvSpPr txBox="1"/>
+          <p:nvPr/>
+        </p:nvSpPr>
+        <p:spPr>
+          <a:xfrm>
+            <a:off x="2286000" y="1599352"/>
+            <a:ext cx="7872283" cy="923330"/>
+          </a:xfrm>
+          <a:prstGeom prst="rect">
+            <a:avLst/>
+          </a:prstGeom>
+          <a:noFill/>
+        </p:spPr>
+        <p:txBody>
+          <a:bodyPr wrap="none" rtlCol="0">
+            <a:spAutoFit/>
+          </a:bodyPr>
+          <a:lstStyle/>
+          <a:p>
+            <a:pPr marL="285750" indent="-285750">
+              <a:buFont typeface="Arial" panose="020B0604020202020204" pitchFamily="34" charset="0"/>
+              <a:buChar char="•"/>
+            </a:pPr>
+            <a:r>
+              <a:rPr lang="en-US" dirty="0"/>
+              <a:t>Phishing: a fraudulent attempt to elicit sensitive information</a:t>
+            </a:r>
+          </a:p>
+          <a:p>
+            <a:pPr marL="285750" indent="-285750">
+              <a:buFont typeface="Arial" panose="020B0604020202020204" pitchFamily="34" charset="0"/>
+              <a:buChar char="•"/>
+            </a:pPr>
+            <a:endParaRPr lang="en-US" dirty="0"/>
+          </a:p>
+          <a:p>
+            <a:pPr marL="285750" indent="-285750">
+              <a:buFont typeface="Arial" panose="020B0604020202020204" pitchFamily="34" charset="0"/>
+              <a:buChar char="•"/>
+            </a:pPr>
+            <a:r>
+              <a:rPr lang="en-US" dirty="0"/>
+              <a:t>Malicious URLs often have different patterns &amp; characteristics than benign ones</a:t>
+            </a:r>
+          </a:p>
+        </p:txBody>
+      </p:sp>
     </p:spTree>
     <p:extLst>
       <p:ext uri="{BB962C8B-B14F-4D97-AF65-F5344CB8AC3E}">
@@ -7682,10 +7299,10 @@
       </p:sp>
       <p:sp>
         <p:nvSpPr>
-          <p:cNvPr id="3" name="Content Placeholder 2">
+          <p:cNvPr id="7" name="Content Placeholder 2">
             <a:extLst>
               <a:ext uri="{FF2B5EF4-FFF2-40B4-BE49-F238E27FC236}">
-                <a16:creationId xmlns:a16="http://schemas.microsoft.com/office/drawing/2014/main" id="{B4F9E1E4-8EF3-BC41-8968-F388CF124429}"/>
+                <a16:creationId xmlns:a16="http://schemas.microsoft.com/office/drawing/2014/main" id="{51455A5A-0721-C249-A4C6-964764C16F5D}"/>
               </a:ext>
             </a:extLst>
           </p:cNvPr>
@@ -7698,7 +7315,7 @@
         </p:nvSpPr>
         <p:spPr>
           <a:xfrm>
-            <a:off x="2231136" y="1878008"/>
+            <a:off x="2242711" y="1717235"/>
             <a:ext cx="7729728" cy="3101983"/>
           </a:xfrm>
         </p:spPr>
@@ -7774,7 +7391,15 @@
             </a:r>
             <a:r>
               <a:rPr lang="en-US" dirty="0"/>
-              <a:t> file at random from Nov 2019 index </a:t>
+              <a:t> file at random from the Nov 2019 </a:t>
+            </a:r>
+            <a:r>
+              <a:rPr lang="en-US" dirty="0" err="1"/>
+              <a:t>CommonCrawl</a:t>
+            </a:r>
+            <a:r>
+              <a:rPr lang="en-US" dirty="0"/>
+              <a:t> index </a:t>
             </a:r>
           </a:p>
           <a:p>
@@ -7801,22 +7426,21 @@
           <a:p>
             <a:r>
               <a:rPr lang="en-US" dirty="0"/>
-              <a:t>Rate of </a:t>
-            </a:r>
-            <a:r>
-              <a:rPr lang="en-US" dirty="0" err="1"/>
-              <a:t>Phising</a:t>
-            </a:r>
-            <a:r>
-              <a:rPr lang="en-US" dirty="0"/>
-              <a:t> URLs:</a:t>
+              <a:t>Rate of Phishing URLs:</a:t>
             </a:r>
           </a:p>
           <a:p>
             <a:pPr lvl="1"/>
             <a:r>
               <a:rPr lang="en-US" dirty="0"/>
-              <a:t>Literature</a:t>
+              <a:t>Literature: ~0.4%</a:t>
+            </a:r>
+          </a:p>
+          <a:p>
+            <a:pPr lvl="1"/>
+            <a:r>
+              <a:rPr lang="en-US" dirty="0"/>
+              <a:t>My dataset: ~0.1%</a:t>
             </a:r>
           </a:p>
         </p:txBody>
@@ -7972,6 +7596,13 @@
             <a:pPr lvl="1"/>
             <a:r>
               <a:rPr lang="en-US" dirty="0"/>
+              <a:t>“Suspicious” words in URL (php, abuse, admin, verification)</a:t>
+            </a:r>
+          </a:p>
+          <a:p>
+            <a:pPr lvl="1"/>
+            <a:r>
+              <a:rPr lang="en-US" dirty="0"/>
               <a:t>Top-level-domain</a:t>
             </a:r>
           </a:p>
@@ -7980,13 +7611,6 @@
             <a:r>
               <a:rPr lang="en-US" dirty="0"/>
               <a:t>Subdomain = www or is null</a:t>
-            </a:r>
-          </a:p>
-          <a:p>
-            <a:pPr lvl="1"/>
-            <a:r>
-              <a:rPr lang="en-US" dirty="0"/>
-              <a:t>“Suspicious” words in URL (php, abuse, admin, verification)</a:t>
             </a:r>
           </a:p>
           <a:p>
@@ -8003,6 +7627,36 @@
           </a:p>
         </p:txBody>
       </p:sp>
+      <p:pic>
+        <p:nvPicPr>
+          <p:cNvPr id="4" name="Picture 3">
+            <a:extLst>
+              <a:ext uri="{FF2B5EF4-FFF2-40B4-BE49-F238E27FC236}">
+                <a16:creationId xmlns:a16="http://schemas.microsoft.com/office/drawing/2014/main" id="{E1FAC742-3041-8B42-BD64-72AA9377D336}"/>
+              </a:ext>
+            </a:extLst>
+          </p:cNvPr>
+          <p:cNvPicPr>
+            <a:picLocks noChangeAspect="1"/>
+          </p:cNvPicPr>
+          <p:nvPr/>
+        </p:nvPicPr>
+        <p:blipFill>
+          <a:blip r:embed="rId3"/>
+          <a:stretch>
+            <a:fillRect/>
+          </a:stretch>
+        </p:blipFill>
+        <p:spPr>
+          <a:xfrm>
+            <a:off x="7351020" y="5152435"/>
+            <a:ext cx="3814733" cy="893365"/>
+          </a:xfrm>
+          <a:prstGeom prst="rect">
+            <a:avLst/>
+          </a:prstGeom>
+        </p:spPr>
+      </p:pic>
     </p:spTree>
     <p:extLst>
       <p:ext uri="{BB962C8B-B14F-4D97-AF65-F5344CB8AC3E}">
@@ -8124,7 +7778,7 @@
         </p:blipFill>
         <p:spPr>
           <a:xfrm>
-            <a:off x="2527848" y="2558078"/>
+            <a:off x="1972263" y="2581228"/>
             <a:ext cx="3649175" cy="3989911"/>
           </a:xfrm>
           <a:prstGeom prst="rect">
@@ -8154,7 +7808,7 @@
         </p:blipFill>
         <p:spPr>
           <a:xfrm>
-            <a:off x="6548618" y="3004751"/>
+            <a:off x="5993033" y="3027901"/>
             <a:ext cx="4412607" cy="3096566"/>
           </a:xfrm>
           <a:prstGeom prst="rect">
@@ -8409,7 +8063,7 @@
             <p:ph idx="1"/>
             <p:extLst>
               <p:ext uri="{D42A27DB-BD31-4B8C-83A1-F6EECF244321}">
-                <p14:modId xmlns:p14="http://schemas.microsoft.com/office/powerpoint/2010/main" val="4086842121"/>
+                <p14:modId xmlns:p14="http://schemas.microsoft.com/office/powerpoint/2010/main" val="389520189"/>
               </p:ext>
             </p:extLst>
           </p:nvPr>
@@ -8547,7 +8201,7 @@
                     <a:p>
                       <a:r>
                         <a:rPr lang="en-US"/>
-                        <a:t>Not .com</a:t>
+                        <a:t>not .com</a:t>
                       </a:r>
                     </a:p>
                   </a:txBody>
@@ -8715,14 +8369,14 @@
           <p:nvPr>
             <p:extLst>
               <p:ext uri="{D42A27DB-BD31-4B8C-83A1-F6EECF244321}">
-                <p14:modId xmlns:p14="http://schemas.microsoft.com/office/powerpoint/2010/main" val="3510182171"/>
+                <p14:modId xmlns:p14="http://schemas.microsoft.com/office/powerpoint/2010/main" val="1564756874"/>
               </p:ext>
             </p:extLst>
           </p:nvPr>
         </p:nvGraphicFramePr>
         <p:xfrm>
-          <a:off x="2012612" y="1831444"/>
-          <a:ext cx="8166775" cy="2397760"/>
+          <a:off x="2927889" y="1870432"/>
+          <a:ext cx="6533420" cy="2397760"/>
         </p:xfrm>
         <a:graphic>
           <a:graphicData uri="http://schemas.openxmlformats.org/drawingml/2006/table">
@@ -8756,13 +8410,6 @@
                   <a:extLst>
                     <a:ext uri="{9D8B030D-6E8A-4147-A177-3AD203B41FA5}">
                       <a16:colId xmlns:a16="http://schemas.microsoft.com/office/drawing/2014/main" val="1978481166"/>
-                    </a:ext>
-                  </a:extLst>
-                </a:gridCol>
-                <a:gridCol w="1633355">
-                  <a:extLst>
-                    <a:ext uri="{9D8B030D-6E8A-4147-A177-3AD203B41FA5}">
-                      <a16:colId xmlns:a16="http://schemas.microsoft.com/office/drawing/2014/main" val="1789703061"/>
                     </a:ext>
                   </a:extLst>
                 </a:gridCol>
@@ -8852,23 +8499,7 @@
                           <a:latin typeface="Courier New" panose="02070309020205020404" pitchFamily="49" charset="0"/>
                           <a:cs typeface="Courier New" panose="02070309020205020404" pitchFamily="49" charset="0"/>
                         </a:rPr>
-                        <a:t>(3)</a:t>
-                      </a:r>
-                    </a:p>
-                  </a:txBody>
-                  <a:tcPr/>
-                </a:tc>
-                <a:tc>
-                  <a:txBody>
-                    <a:bodyPr/>
-                    <a:lstStyle/>
-                    <a:p>
-                      <a:r>
-                        <a:rPr lang="en-US">
-                          <a:latin typeface="Courier New" panose="02070309020205020404" pitchFamily="49" charset="0"/>
-                          <a:cs typeface="Courier New" panose="02070309020205020404" pitchFamily="49" charset="0"/>
-                        </a:rPr>
-                        <a:t>Random Forest – Tuned (4)</a:t>
+                        <a:t>(3, 4)</a:t>
                       </a:r>
                     </a:p>
                   </a:txBody>
@@ -8945,22 +8576,6 @@
                   </a:txBody>
                   <a:tcPr/>
                 </a:tc>
-                <a:tc>
-                  <a:txBody>
-                    <a:bodyPr/>
-                    <a:lstStyle/>
-                    <a:p>
-                      <a:r>
-                        <a:rPr lang="en-US">
-                          <a:latin typeface="Courier New" panose="02070309020205020404" pitchFamily="49" charset="0"/>
-                          <a:cs typeface="Courier New" panose="02070309020205020404" pitchFamily="49" charset="0"/>
-                        </a:rPr>
-                        <a:t>0.2016</a:t>
-                      </a:r>
-                    </a:p>
-                  </a:txBody>
-                  <a:tcPr/>
-                </a:tc>
                 <a:extLst>
                   <a:ext uri="{0D108BD9-81ED-4DB2-BD59-A6C34878D82A}">
                     <a16:rowId xmlns:a16="http://schemas.microsoft.com/office/drawing/2014/main" val="1844396110"/>
@@ -9027,22 +8642,6 @@
                           <a:cs typeface="Courier New" panose="02070309020205020404" pitchFamily="49" charset="0"/>
                         </a:rPr>
                         <a:t>0.9167</a:t>
-                      </a:r>
-                    </a:p>
-                  </a:txBody>
-                  <a:tcPr/>
-                </a:tc>
-                <a:tc>
-                  <a:txBody>
-                    <a:bodyPr/>
-                    <a:lstStyle/>
-                    <a:p>
-                      <a:r>
-                        <a:rPr lang="en-US">
-                          <a:latin typeface="Courier New" panose="02070309020205020404" pitchFamily="49" charset="0"/>
-                          <a:cs typeface="Courier New" panose="02070309020205020404" pitchFamily="49" charset="0"/>
-                        </a:rPr>
-                        <a:t>0.9938</a:t>
                       </a:r>
                     </a:p>
                   </a:txBody>
@@ -9119,22 +8718,6 @@
                   </a:txBody>
                   <a:tcPr/>
                 </a:tc>
-                <a:tc>
-                  <a:txBody>
-                    <a:bodyPr/>
-                    <a:lstStyle/>
-                    <a:p>
-                      <a:r>
-                        <a:rPr lang="en-US">
-                          <a:latin typeface="Courier New" panose="02070309020205020404" pitchFamily="49" charset="0"/>
-                          <a:cs typeface="Courier New" panose="02070309020205020404" pitchFamily="49" charset="0"/>
-                        </a:rPr>
-                        <a:t>0.1112</a:t>
-                      </a:r>
-                    </a:p>
-                  </a:txBody>
-                  <a:tcPr/>
-                </a:tc>
                 <a:extLst>
                   <a:ext uri="{0D108BD9-81ED-4DB2-BD59-A6C34878D82A}">
                     <a16:rowId xmlns:a16="http://schemas.microsoft.com/office/drawing/2014/main" val="3156103453"/>
@@ -9206,39 +8789,6 @@
                   </a:txBody>
                   <a:tcPr/>
                 </a:tc>
-                <a:tc>
-                  <a:txBody>
-                    <a:bodyPr/>
-                    <a:lstStyle/>
-                    <a:p>
-                      <a:pPr marL="0" marR="0" lvl="0" indent="0" algn="l" defTabSz="914400" rtl="0" eaLnBrk="1" fontAlgn="auto" latinLnBrk="0" hangingPunct="1">
-                        <a:lnSpc>
-                          <a:spcPct val="100000"/>
-                        </a:lnSpc>
-                        <a:spcBef>
-                          <a:spcPts val="0"/>
-                        </a:spcBef>
-                        <a:spcAft>
-                          <a:spcPts val="0"/>
-                        </a:spcAft>
-                        <a:buClrTx/>
-                        <a:buSzTx/>
-                        <a:buFontTx/>
-                        <a:buNone/>
-                        <a:tabLst/>
-                        <a:defRPr/>
-                      </a:pPr>
-                      <a:r>
-                        <a:rPr lang="en-US" dirty="0">
-                          <a:latin typeface="Courier New" panose="02070309020205020404" pitchFamily="49" charset="0"/>
-                          <a:cs typeface="Courier New" panose="02070309020205020404" pitchFamily="49" charset="0"/>
-                        </a:rPr>
-                        <a:t>8.06e-7</a:t>
-                      </a:r>
-                    </a:p>
-                  </a:txBody>
-                  <a:tcPr/>
-                </a:tc>
                 <a:extLst>
                   <a:ext uri="{0D108BD9-81ED-4DB2-BD59-A6C34878D82A}">
                     <a16:rowId xmlns:a16="http://schemas.microsoft.com/office/drawing/2014/main" val="2777505709"/>
@@ -9263,8 +8813,8 @@
         </p:nvSpPr>
         <p:spPr>
           <a:xfrm>
-            <a:off x="2927889" y="4767025"/>
-            <a:ext cx="6682470" cy="1200329"/>
+            <a:off x="2569074" y="4767024"/>
+            <a:ext cx="8086894" cy="1200329"/>
           </a:xfrm>
           <a:prstGeom prst="rect">
             <a:avLst/>
@@ -9282,7 +8832,7 @@
             </a:pPr>
             <a:r>
               <a:rPr lang="en-US" dirty="0"/>
-              <a:t>Average of 5-fold cross-validation on subset (20%) of training data</a:t>
+              <a:t>Average of test results on 5-fold cross-validation on subset (20%) of training data</a:t>
             </a:r>
           </a:p>
           <a:p>
@@ -9300,6 +8850,15 @@
             </a:pPr>
             <a:r>
               <a:rPr lang="en-US" dirty="0" err="1"/>
+              <a:t>Result of one test set taken from same subset of training data</a:t>
+            </a:r>
+          </a:p>
+          <a:p>
+            <a:pPr marL="342900" indent="-342900">
+              <a:buAutoNum type="arabicParenBoth"/>
+            </a:pPr>
+            <a:r>
+              <a:rPr lang="en-US" dirty="0" err="1"/>
               <a:t>n_estimators</a:t>
             </a:r>
             <a:r>
@@ -9311,28 +8870,6 @@
               <a:t>gini</a:t>
             </a:r>
             <a:endParaRPr lang="en-US" dirty="0"/>
-          </a:p>
-          <a:p>
-            <a:pPr marL="342900" indent="-342900">
-              <a:buFontTx/>
-              <a:buAutoNum type="arabicParenBoth"/>
-            </a:pPr>
-            <a:r>
-              <a:rPr lang="en-US" dirty="0" err="1"/>
-              <a:t>n_estimators</a:t>
-            </a:r>
-            <a:r>
-              <a:rPr lang="en-US" dirty="0"/>
-              <a:t> = 100, </a:t>
-            </a:r>
-            <a:r>
-              <a:rPr lang="en-US" dirty="0" err="1"/>
-              <a:t>max_depth</a:t>
-            </a:r>
-            <a:r>
-              <a:rPr lang="en-US" dirty="0"/>
-              <a:t> = 10, criterion = entropy</a:t>
-            </a:r>
           </a:p>
         </p:txBody>
       </p:sp>
@@ -9384,7 +8921,7 @@
         </p:nvSpPr>
         <p:spPr>
           <a:xfrm>
-            <a:off x="2286000" y="914400"/>
+            <a:off x="2286000" y="457200"/>
             <a:ext cx="7772400" cy="914400"/>
           </a:xfrm>
         </p:spPr>
@@ -9428,7 +8965,7 @@
         </p:blipFill>
         <p:spPr bwMode="auto">
           <a:xfrm>
-            <a:off x="3512051" y="2616708"/>
+            <a:off x="3709987" y="2246319"/>
             <a:ext cx="4924425" cy="3276600"/>
           </a:xfrm>
           <a:prstGeom prst="rect">
@@ -9459,6 +8996,228 @@
           </a:extLst>
         </p:spPr>
       </p:pic>
+      <p:sp>
+        <p:nvSpPr>
+          <p:cNvPr id="3" name="TextBox 2">
+            <a:extLst>
+              <a:ext uri="{FF2B5EF4-FFF2-40B4-BE49-F238E27FC236}">
+                <a16:creationId xmlns:a16="http://schemas.microsoft.com/office/drawing/2014/main" id="{33B55130-2475-004E-993E-4237A09A1B61}"/>
+              </a:ext>
+            </a:extLst>
+          </p:cNvPr>
+          <p:cNvSpPr txBox="1"/>
+          <p:nvPr/>
+        </p:nvSpPr>
+        <p:spPr>
+          <a:xfrm>
+            <a:off x="4085863" y="1620456"/>
+            <a:ext cx="4100674" cy="369332"/>
+          </a:xfrm>
+          <a:prstGeom prst="rect">
+            <a:avLst/>
+          </a:prstGeom>
+          <a:noFill/>
+        </p:spPr>
+        <p:txBody>
+          <a:bodyPr wrap="none" rtlCol="0">
+            <a:spAutoFit/>
+          </a:bodyPr>
+          <a:lstStyle/>
+          <a:p>
+            <a:r>
+              <a:rPr lang="en-US"/>
+              <a:t>Tuning max tree depth of Random Forest </a:t>
+            </a:r>
+          </a:p>
+        </p:txBody>
+      </p:sp>
+      <p:cxnSp>
+        <p:nvCxnSpPr>
+          <p:cNvPr id="7" name="Straight Arrow Connector 6">
+            <a:extLst>
+              <a:ext uri="{FF2B5EF4-FFF2-40B4-BE49-F238E27FC236}">
+                <a16:creationId xmlns:a16="http://schemas.microsoft.com/office/drawing/2014/main" id="{5CA21382-EF40-E943-8B50-1D5F3D3D0271}"/>
+              </a:ext>
+            </a:extLst>
+          </p:cNvPr>
+          <p:cNvCxnSpPr>
+            <a:cxnSpLocks/>
+          </p:cNvCxnSpPr>
+          <p:nvPr/>
+        </p:nvCxnSpPr>
+        <p:spPr>
+          <a:xfrm flipH="1">
+            <a:off x="8186537" y="2858417"/>
+            <a:ext cx="1478325" cy="556115"/>
+          </a:xfrm>
+          <a:prstGeom prst="straightConnector1">
+            <a:avLst/>
+          </a:prstGeom>
+          <a:ln>
+            <a:tailEnd type="triangle"/>
+          </a:ln>
+        </p:spPr>
+        <p:style>
+          <a:lnRef idx="3">
+            <a:schemeClr val="dk1"/>
+          </a:lnRef>
+          <a:fillRef idx="0">
+            <a:schemeClr val="dk1"/>
+          </a:fillRef>
+          <a:effectRef idx="2">
+            <a:schemeClr val="dk1"/>
+          </a:effectRef>
+          <a:fontRef idx="minor">
+            <a:schemeClr val="tx1"/>
+          </a:fontRef>
+        </p:style>
+      </p:cxnSp>
+      <p:sp>
+        <p:nvSpPr>
+          <p:cNvPr id="8" name="TextBox 7">
+            <a:extLst>
+              <a:ext uri="{FF2B5EF4-FFF2-40B4-BE49-F238E27FC236}">
+                <a16:creationId xmlns:a16="http://schemas.microsoft.com/office/drawing/2014/main" id="{34EC3740-EE4B-6B4A-820B-21F2CF7C1118}"/>
+              </a:ext>
+            </a:extLst>
+          </p:cNvPr>
+          <p:cNvSpPr txBox="1"/>
+          <p:nvPr/>
+        </p:nvSpPr>
+        <p:spPr>
+          <a:xfrm>
+            <a:off x="9664861" y="2615878"/>
+            <a:ext cx="1263679" cy="369332"/>
+          </a:xfrm>
+          <a:prstGeom prst="rect">
+            <a:avLst/>
+          </a:prstGeom>
+          <a:noFill/>
+        </p:spPr>
+        <p:txBody>
+          <a:bodyPr wrap="none" rtlCol="0">
+            <a:spAutoFit/>
+          </a:bodyPr>
+          <a:lstStyle/>
+          <a:p>
+            <a:r>
+              <a:rPr lang="en-US"/>
+              <a:t>Overfitting!</a:t>
+            </a:r>
+          </a:p>
+        </p:txBody>
+      </p:sp>
+      <p:cxnSp>
+        <p:nvCxnSpPr>
+          <p:cNvPr id="12" name="Straight Arrow Connector 11">
+            <a:extLst>
+              <a:ext uri="{FF2B5EF4-FFF2-40B4-BE49-F238E27FC236}">
+                <a16:creationId xmlns:a16="http://schemas.microsoft.com/office/drawing/2014/main" id="{F0FB5F02-DBB8-D043-BE1E-4C825150F117}"/>
+              </a:ext>
+            </a:extLst>
+          </p:cNvPr>
+          <p:cNvCxnSpPr>
+            <a:cxnSpLocks/>
+          </p:cNvCxnSpPr>
+          <p:nvPr/>
+        </p:nvCxnSpPr>
+        <p:spPr>
+          <a:xfrm>
+            <a:off x="3391382" y="3708664"/>
+            <a:ext cx="1666755" cy="481371"/>
+          </a:xfrm>
+          <a:prstGeom prst="straightConnector1">
+            <a:avLst/>
+          </a:prstGeom>
+          <a:ln>
+            <a:tailEnd type="triangle"/>
+          </a:ln>
+        </p:spPr>
+        <p:style>
+          <a:lnRef idx="3">
+            <a:schemeClr val="dk1"/>
+          </a:lnRef>
+          <a:fillRef idx="0">
+            <a:schemeClr val="dk1"/>
+          </a:fillRef>
+          <a:effectRef idx="2">
+            <a:schemeClr val="dk1"/>
+          </a:effectRef>
+          <a:fontRef idx="minor">
+            <a:schemeClr val="tx1"/>
+          </a:fontRef>
+        </p:style>
+      </p:cxnSp>
+      <p:sp>
+        <p:nvSpPr>
+          <p:cNvPr id="13" name="TextBox 12">
+            <a:extLst>
+              <a:ext uri="{FF2B5EF4-FFF2-40B4-BE49-F238E27FC236}">
+                <a16:creationId xmlns:a16="http://schemas.microsoft.com/office/drawing/2014/main" id="{58DC2D86-0D77-4047-8CE7-6610D418B9FB}"/>
+              </a:ext>
+            </a:extLst>
+          </p:cNvPr>
+          <p:cNvSpPr txBox="1"/>
+          <p:nvPr/>
+        </p:nvSpPr>
+        <p:spPr>
+          <a:xfrm>
+            <a:off x="1789661" y="3515287"/>
+            <a:ext cx="1601721" cy="369332"/>
+          </a:xfrm>
+          <a:prstGeom prst="rect">
+            <a:avLst/>
+          </a:prstGeom>
+          <a:noFill/>
+        </p:spPr>
+        <p:txBody>
+          <a:bodyPr wrap="none" rtlCol="0">
+            <a:spAutoFit/>
+          </a:bodyPr>
+          <a:lstStyle/>
+          <a:p>
+            <a:r>
+              <a:rPr lang="en-US"/>
+              <a:t>Optimal Depth</a:t>
+            </a:r>
+          </a:p>
+        </p:txBody>
+      </p:sp>
+      <p:sp>
+        <p:nvSpPr>
+          <p:cNvPr id="15" name="TextBox 14">
+            <a:extLst>
+              <a:ext uri="{FF2B5EF4-FFF2-40B4-BE49-F238E27FC236}">
+                <a16:creationId xmlns:a16="http://schemas.microsoft.com/office/drawing/2014/main" id="{5CA3A1F2-EBCB-E34A-B598-1D79DDA1CEA3}"/>
+              </a:ext>
+            </a:extLst>
+          </p:cNvPr>
+          <p:cNvSpPr txBox="1"/>
+          <p:nvPr/>
+        </p:nvSpPr>
+        <p:spPr>
+          <a:xfrm>
+            <a:off x="3151347" y="5950351"/>
+            <a:ext cx="6513514" cy="369332"/>
+          </a:xfrm>
+          <a:prstGeom prst="rect">
+            <a:avLst/>
+          </a:prstGeom>
+          <a:noFill/>
+        </p:spPr>
+        <p:txBody>
+          <a:bodyPr wrap="none" rtlCol="0">
+            <a:spAutoFit/>
+          </a:bodyPr>
+          <a:lstStyle/>
+          <a:p>
+            <a:r>
+              <a:rPr lang="en-US"/>
+              <a:t>Final model: max depth = 10, n_estimators = 100, criteria = entropy</a:t>
+            </a:r>
+          </a:p>
+        </p:txBody>
+      </p:sp>
     </p:spTree>
     <p:extLst>
       <p:ext uri="{BB962C8B-B14F-4D97-AF65-F5344CB8AC3E}">
@@ -9469,6 +9228,212 @@
   <p:clrMapOvr>
     <a:masterClrMapping/>
   </p:clrMapOvr>
+  <p:timing>
+    <p:tnLst>
+      <p:par>
+        <p:cTn id="1" dur="indefinite" restart="never" nodeType="tmRoot">
+          <p:childTnLst>
+            <p:seq concurrent="1" nextAc="seek">
+              <p:cTn id="2" dur="indefinite" nodeType="mainSeq">
+                <p:childTnLst>
+                  <p:par>
+                    <p:cTn id="3" fill="hold">
+                      <p:stCondLst>
+                        <p:cond delay="indefinite"/>
+                      </p:stCondLst>
+                      <p:childTnLst>
+                        <p:par>
+                          <p:cTn id="4" fill="hold">
+                            <p:stCondLst>
+                              <p:cond delay="0"/>
+                            </p:stCondLst>
+                            <p:childTnLst>
+                              <p:par>
+                                <p:cTn id="5" presetID="1" presetClass="entr" presetSubtype="0" fill="hold" grpId="0" nodeType="clickEffect">
+                                  <p:stCondLst>
+                                    <p:cond delay="0"/>
+                                  </p:stCondLst>
+                                  <p:childTnLst>
+                                    <p:set>
+                                      <p:cBhvr>
+                                        <p:cTn id="6" dur="1" fill="hold">
+                                          <p:stCondLst>
+                                            <p:cond delay="0"/>
+                                          </p:stCondLst>
+                                        </p:cTn>
+                                        <p:tgtEl>
+                                          <p:spTgt spid="13"/>
+                                        </p:tgtEl>
+                                        <p:attrNameLst>
+                                          <p:attrName>style.visibility</p:attrName>
+                                        </p:attrNameLst>
+                                      </p:cBhvr>
+                                      <p:to>
+                                        <p:strVal val="visible"/>
+                                      </p:to>
+                                    </p:set>
+                                  </p:childTnLst>
+                                </p:cTn>
+                              </p:par>
+                              <p:par>
+                                <p:cTn id="7" presetID="1" presetClass="entr" presetSubtype="0" fill="hold" nodeType="withEffect">
+                                  <p:stCondLst>
+                                    <p:cond delay="0"/>
+                                  </p:stCondLst>
+                                  <p:childTnLst>
+                                    <p:set>
+                                      <p:cBhvr>
+                                        <p:cTn id="8" dur="1" fill="hold">
+                                          <p:stCondLst>
+                                            <p:cond delay="0"/>
+                                          </p:stCondLst>
+                                        </p:cTn>
+                                        <p:tgtEl>
+                                          <p:spTgt spid="12"/>
+                                        </p:tgtEl>
+                                        <p:attrNameLst>
+                                          <p:attrName>style.visibility</p:attrName>
+                                        </p:attrNameLst>
+                                      </p:cBhvr>
+                                      <p:to>
+                                        <p:strVal val="visible"/>
+                                      </p:to>
+                                    </p:set>
+                                  </p:childTnLst>
+                                </p:cTn>
+                              </p:par>
+                              <p:par>
+                                <p:cTn id="9" presetID="1" presetClass="entr" presetSubtype="0" fill="hold" nodeType="withEffect">
+                                  <p:stCondLst>
+                                    <p:cond delay="0"/>
+                                  </p:stCondLst>
+                                  <p:childTnLst>
+                                    <p:set>
+                                      <p:cBhvr>
+                                        <p:cTn id="10" dur="1" fill="hold">
+                                          <p:stCondLst>
+                                            <p:cond delay="0"/>
+                                          </p:stCondLst>
+                                        </p:cTn>
+                                        <p:tgtEl>
+                                          <p:spTgt spid="7"/>
+                                        </p:tgtEl>
+                                        <p:attrNameLst>
+                                          <p:attrName>style.visibility</p:attrName>
+                                        </p:attrNameLst>
+                                      </p:cBhvr>
+                                      <p:to>
+                                        <p:strVal val="visible"/>
+                                      </p:to>
+                                    </p:set>
+                                  </p:childTnLst>
+                                </p:cTn>
+                              </p:par>
+                              <p:par>
+                                <p:cTn id="11" presetID="1" presetClass="entr" presetSubtype="0" fill="hold" grpId="0" nodeType="withEffect">
+                                  <p:stCondLst>
+                                    <p:cond delay="0"/>
+                                  </p:stCondLst>
+                                  <p:childTnLst>
+                                    <p:set>
+                                      <p:cBhvr>
+                                        <p:cTn id="12" dur="1" fill="hold">
+                                          <p:stCondLst>
+                                            <p:cond delay="0"/>
+                                          </p:stCondLst>
+                                        </p:cTn>
+                                        <p:tgtEl>
+                                          <p:spTgt spid="8"/>
+                                        </p:tgtEl>
+                                        <p:attrNameLst>
+                                          <p:attrName>style.visibility</p:attrName>
+                                        </p:attrNameLst>
+                                      </p:cBhvr>
+                                      <p:to>
+                                        <p:strVal val="visible"/>
+                                      </p:to>
+                                    </p:set>
+                                  </p:childTnLst>
+                                </p:cTn>
+                              </p:par>
+                            </p:childTnLst>
+                          </p:cTn>
+                        </p:par>
+                      </p:childTnLst>
+                    </p:cTn>
+                  </p:par>
+                  <p:par>
+                    <p:cTn id="13" fill="hold">
+                      <p:stCondLst>
+                        <p:cond delay="indefinite"/>
+                      </p:stCondLst>
+                      <p:childTnLst>
+                        <p:par>
+                          <p:cTn id="14" fill="hold">
+                            <p:stCondLst>
+                              <p:cond delay="0"/>
+                            </p:stCondLst>
+                            <p:childTnLst>
+                              <p:par>
+                                <p:cTn id="15" presetID="1" presetClass="entr" presetSubtype="0" fill="hold" grpId="0" nodeType="clickEffect">
+                                  <p:stCondLst>
+                                    <p:cond delay="0"/>
+                                  </p:stCondLst>
+                                  <p:childTnLst>
+                                    <p:set>
+                                      <p:cBhvr>
+                                        <p:cTn id="16" dur="1" fill="hold">
+                                          <p:stCondLst>
+                                            <p:cond delay="0"/>
+                                          </p:stCondLst>
+                                        </p:cTn>
+                                        <p:tgtEl>
+                                          <p:spTgt spid="15"/>
+                                        </p:tgtEl>
+                                        <p:attrNameLst>
+                                          <p:attrName>style.visibility</p:attrName>
+                                        </p:attrNameLst>
+                                      </p:cBhvr>
+                                      <p:to>
+                                        <p:strVal val="visible"/>
+                                      </p:to>
+                                    </p:set>
+                                  </p:childTnLst>
+                                </p:cTn>
+                              </p:par>
+                            </p:childTnLst>
+                          </p:cTn>
+                        </p:par>
+                      </p:childTnLst>
+                    </p:cTn>
+                  </p:par>
+                </p:childTnLst>
+              </p:cTn>
+              <p:prevCondLst>
+                <p:cond evt="onPrev" delay="0">
+                  <p:tgtEl>
+                    <p:sldTgt/>
+                  </p:tgtEl>
+                </p:cond>
+              </p:prevCondLst>
+              <p:nextCondLst>
+                <p:cond evt="onNext" delay="0">
+                  <p:tgtEl>
+                    <p:sldTgt/>
+                  </p:tgtEl>
+                </p:cond>
+              </p:nextCondLst>
+            </p:seq>
+          </p:childTnLst>
+        </p:cTn>
+      </p:par>
+    </p:tnLst>
+    <p:bldLst>
+      <p:bldP spid="8" grpId="0"/>
+      <p:bldP spid="13" grpId="0"/>
+      <p:bldP spid="15" grpId="0"/>
+    </p:bldLst>
+  </p:timing>
 </p:sld>
 </file>
 
